--- a/Introduction To Pester/Examples/Introduction to pester.pptx
+++ b/Introduction To Pester/Examples/Introduction to pester.pptx
@@ -43,9 +43,13 @@
     <p:sldId id="298" r:id="rId37"/>
     <p:sldId id="295" r:id="rId38"/>
     <p:sldId id="296" r:id="rId39"/>
-    <p:sldId id="297" r:id="rId40"/>
-    <p:sldId id="291" r:id="rId41"/>
-    <p:sldId id="279" r:id="rId42"/>
+    <p:sldId id="302" r:id="rId40"/>
+    <p:sldId id="299" r:id="rId41"/>
+    <p:sldId id="297" r:id="rId42"/>
+    <p:sldId id="301" r:id="rId43"/>
+    <p:sldId id="304" r:id="rId44"/>
+    <p:sldId id="303" r:id="rId45"/>
+    <p:sldId id="279" r:id="rId46"/>
   </p:sldIdLst>
   <p:sldSz cx="12192000" cy="6858000"/>
   <p:notesSz cx="6858000" cy="9144000"/>
@@ -144,13 +148,18 @@
       </a:defRPr>
     </a:lvl9pPr>
   </p:defaultTextStyle>
+  <p:extLst>
+    <p:ext uri="{EFAFB233-063F-42B5-8137-9DF3F51BA10A}">
+      <p15:sldGuideLst xmlns:p15="http://schemas.microsoft.com/office/powerpoint/2012/main"/>
+    </p:ext>
+  </p:extLst>
 </p:presentation>
 </file>
 
 <file path=ppt/revisionInfo.xml><?xml version="1.0" encoding="utf-8"?>
 <p1510:revInfo xmlns:a="http://schemas.openxmlformats.org/drawingml/2006/main" xmlns:r="http://schemas.openxmlformats.org/officeDocument/2006/relationships" xmlns:p1510="http://schemas.microsoft.com/office/powerpoint/2015/10/main">
   <p1510:revLst>
-    <p1510:client id="{AF953E14-22E7-4700-AD2B-72C99CF590E7}" v="8" dt="2018-12-02T16:11:45.779"/>
+    <p1510:client id="{AF953E14-22E7-4700-AD2B-72C99CF590E7}" v="735" dt="2018-12-02T16:36:18.679"/>
   </p1510:revLst>
 </p1510:revInfo>
 </file>
@@ -192,6 +201,191 @@
           <pc:docMk/>
           <pc:sldMk cId="322583968" sldId="298"/>
         </pc:sldMkLst>
+      </pc:sldChg>
+    </pc:docChg>
+  </pc:docChgLst>
+  <pc:docChgLst>
+    <pc:chgData name="Stephane van gulick" userId="74004649a2eae296" providerId="LiveId" clId="{AF953E14-22E7-4700-AD2B-72C99CF590E7}"/>
+    <pc:docChg chg="addSld delSld modSld sldOrd">
+      <pc:chgData name="Stephane van gulick" userId="74004649a2eae296" providerId="LiveId" clId="{AF953E14-22E7-4700-AD2B-72C99CF590E7}" dt="2018-12-02T16:36:18.679" v="725" actId="20577"/>
+      <pc:docMkLst>
+        <pc:docMk/>
+      </pc:docMkLst>
+      <pc:sldChg chg="addSp delSp modSp del ord">
+        <pc:chgData name="Stephane van gulick" userId="74004649a2eae296" providerId="LiveId" clId="{AF953E14-22E7-4700-AD2B-72C99CF590E7}" dt="2018-12-02T16:33:10.561" v="559" actId="2696"/>
+        <pc:sldMkLst>
+          <pc:docMk/>
+          <pc:sldMk cId="4173725700" sldId="291"/>
+        </pc:sldMkLst>
+        <pc:spChg chg="mod">
+          <ac:chgData name="Stephane van gulick" userId="74004649a2eae296" providerId="LiveId" clId="{AF953E14-22E7-4700-AD2B-72C99CF590E7}" dt="2018-12-02T16:22:08.842" v="33" actId="20577"/>
+          <ac:spMkLst>
+            <pc:docMk/>
+            <pc:sldMk cId="4173725700" sldId="291"/>
+            <ac:spMk id="2" creationId="{89A73C95-F6B7-480B-B1D3-82813E8A2E76}"/>
+          </ac:spMkLst>
+        </pc:spChg>
+        <pc:spChg chg="del">
+          <ac:chgData name="Stephane van gulick" userId="74004649a2eae296" providerId="LiveId" clId="{AF953E14-22E7-4700-AD2B-72C99CF590E7}" dt="2018-12-02T16:21:42.377" v="0"/>
+          <ac:spMkLst>
+            <pc:docMk/>
+            <pc:sldMk cId="4173725700" sldId="291"/>
+            <ac:spMk id="3" creationId="{D7DC2806-7948-4606-9BEF-D458F04598EF}"/>
+          </ac:spMkLst>
+        </pc:spChg>
+        <pc:spChg chg="add mod">
+          <ac:chgData name="Stephane van gulick" userId="74004649a2eae296" providerId="LiveId" clId="{AF953E14-22E7-4700-AD2B-72C99CF590E7}" dt="2018-12-02T16:22:13.511" v="41" actId="20577"/>
+          <ac:spMkLst>
+            <pc:docMk/>
+            <pc:sldMk cId="4173725700" sldId="291"/>
+            <ac:spMk id="4" creationId="{0D5BD5F0-AA59-4251-89C5-A0F80015DC4F}"/>
+          </ac:spMkLst>
+        </pc:spChg>
+      </pc:sldChg>
+      <pc:sldChg chg="modSp">
+        <pc:chgData name="Stephane van gulick" userId="74004649a2eae296" providerId="LiveId" clId="{AF953E14-22E7-4700-AD2B-72C99CF590E7}" dt="2018-12-02T16:26:46.721" v="51" actId="20577"/>
+        <pc:sldMkLst>
+          <pc:docMk/>
+          <pc:sldMk cId="1170555603" sldId="297"/>
+        </pc:sldMkLst>
+        <pc:spChg chg="mod">
+          <ac:chgData name="Stephane van gulick" userId="74004649a2eae296" providerId="LiveId" clId="{AF953E14-22E7-4700-AD2B-72C99CF590E7}" dt="2018-12-02T16:26:46.721" v="51" actId="20577"/>
+          <ac:spMkLst>
+            <pc:docMk/>
+            <pc:sldMk cId="1170555603" sldId="297"/>
+            <ac:spMk id="2" creationId="{38D9F653-9477-45EE-B605-5E7AD119EC8F}"/>
+          </ac:spMkLst>
+        </pc:spChg>
+        <pc:spChg chg="mod">
+          <ac:chgData name="Stephane van gulick" userId="74004649a2eae296" providerId="LiveId" clId="{AF953E14-22E7-4700-AD2B-72C99CF590E7}" dt="2018-12-02T16:22:39.224" v="46" actId="20577"/>
+          <ac:spMkLst>
+            <pc:docMk/>
+            <pc:sldMk cId="1170555603" sldId="297"/>
+            <ac:spMk id="3" creationId="{59A634E7-4C07-4324-86B0-530CB853A9F3}"/>
+          </ac:spMkLst>
+        </pc:spChg>
+      </pc:sldChg>
+      <pc:sldChg chg="addSp delSp modSp add">
+        <pc:chgData name="Stephane van gulick" userId="74004649a2eae296" providerId="LiveId" clId="{AF953E14-22E7-4700-AD2B-72C99CF590E7}" dt="2018-12-02T16:29:11.490" v="338" actId="20577"/>
+        <pc:sldMkLst>
+          <pc:docMk/>
+          <pc:sldMk cId="1696163365" sldId="299"/>
+        </pc:sldMkLst>
+        <pc:spChg chg="del">
+          <ac:chgData name="Stephane van gulick" userId="74004649a2eae296" providerId="LiveId" clId="{AF953E14-22E7-4700-AD2B-72C99CF590E7}" dt="2018-12-02T16:27:02.992" v="53"/>
+          <ac:spMkLst>
+            <pc:docMk/>
+            <pc:sldMk cId="1696163365" sldId="299"/>
+            <ac:spMk id="2" creationId="{87674C26-6E0E-4F5A-9815-9107C5AD8847}"/>
+          </ac:spMkLst>
+        </pc:spChg>
+        <pc:spChg chg="del">
+          <ac:chgData name="Stephane van gulick" userId="74004649a2eae296" providerId="LiveId" clId="{AF953E14-22E7-4700-AD2B-72C99CF590E7}" dt="2018-12-02T16:27:02.992" v="53"/>
+          <ac:spMkLst>
+            <pc:docMk/>
+            <pc:sldMk cId="1696163365" sldId="299"/>
+            <ac:spMk id="3" creationId="{91C8955D-6E59-4875-913F-67EF6BCD3F92}"/>
+          </ac:spMkLst>
+        </pc:spChg>
+        <pc:spChg chg="add mod">
+          <ac:chgData name="Stephane van gulick" userId="74004649a2eae296" providerId="LiveId" clId="{AF953E14-22E7-4700-AD2B-72C99CF590E7}" dt="2018-12-02T16:27:10.567" v="61" actId="20577"/>
+          <ac:spMkLst>
+            <pc:docMk/>
+            <pc:sldMk cId="1696163365" sldId="299"/>
+            <ac:spMk id="4" creationId="{FCCE094E-59E3-42B2-9951-8B72C2EDD5E8}"/>
+          </ac:spMkLst>
+        </pc:spChg>
+        <pc:spChg chg="add mod">
+          <ac:chgData name="Stephane van gulick" userId="74004649a2eae296" providerId="LiveId" clId="{AF953E14-22E7-4700-AD2B-72C99CF590E7}" dt="2018-12-02T16:29:11.490" v="338" actId="20577"/>
+          <ac:spMkLst>
+            <pc:docMk/>
+            <pc:sldMk cId="1696163365" sldId="299"/>
+            <ac:spMk id="5" creationId="{F6CAA504-DB19-483B-A6ED-A2B16E37CF4C}"/>
+          </ac:spMkLst>
+        </pc:spChg>
+      </pc:sldChg>
+      <pc:sldChg chg="add del">
+        <pc:chgData name="Stephane van gulick" userId="74004649a2eae296" providerId="LiveId" clId="{AF953E14-22E7-4700-AD2B-72C99CF590E7}" dt="2018-12-02T16:30:59.753" v="341" actId="2696"/>
+        <pc:sldMkLst>
+          <pc:docMk/>
+          <pc:sldMk cId="2770444808" sldId="300"/>
+        </pc:sldMkLst>
+      </pc:sldChg>
+      <pc:sldChg chg="modSp add">
+        <pc:chgData name="Stephane van gulick" userId="74004649a2eae296" providerId="LiveId" clId="{AF953E14-22E7-4700-AD2B-72C99CF590E7}" dt="2018-12-02T16:32:20.739" v="518" actId="20577"/>
+        <pc:sldMkLst>
+          <pc:docMk/>
+          <pc:sldMk cId="2250668228" sldId="301"/>
+        </pc:sldMkLst>
+        <pc:spChg chg="mod">
+          <ac:chgData name="Stephane van gulick" userId="74004649a2eae296" providerId="LiveId" clId="{AF953E14-22E7-4700-AD2B-72C99CF590E7}" dt="2018-12-02T16:32:20.739" v="518" actId="20577"/>
+          <ac:spMkLst>
+            <pc:docMk/>
+            <pc:sldMk cId="2250668228" sldId="301"/>
+            <ac:spMk id="5" creationId="{53E8AEAD-D972-4760-8DB2-B84C3297DF50}"/>
+          </ac:spMkLst>
+        </pc:spChg>
+      </pc:sldChg>
+      <pc:sldChg chg="modSp add">
+        <pc:chgData name="Stephane van gulick" userId="74004649a2eae296" providerId="LiveId" clId="{AF953E14-22E7-4700-AD2B-72C99CF590E7}" dt="2018-12-02T16:33:07.450" v="558" actId="20577"/>
+        <pc:sldMkLst>
+          <pc:docMk/>
+          <pc:sldMk cId="3851242426" sldId="302"/>
+        </pc:sldMkLst>
+        <pc:spChg chg="mod">
+          <ac:chgData name="Stephane van gulick" userId="74004649a2eae296" providerId="LiveId" clId="{AF953E14-22E7-4700-AD2B-72C99CF590E7}" dt="2018-12-02T16:33:04.196" v="550" actId="20577"/>
+          <ac:spMkLst>
+            <pc:docMk/>
+            <pc:sldMk cId="3851242426" sldId="302"/>
+            <ac:spMk id="2" creationId="{FBC10BD2-2DF5-4D94-AFD6-ED4EF04B7655}"/>
+          </ac:spMkLst>
+        </pc:spChg>
+        <pc:spChg chg="mod">
+          <ac:chgData name="Stephane van gulick" userId="74004649a2eae296" providerId="LiveId" clId="{AF953E14-22E7-4700-AD2B-72C99CF590E7}" dt="2018-12-02T16:33:07.450" v="558" actId="20577"/>
+          <ac:spMkLst>
+            <pc:docMk/>
+            <pc:sldMk cId="3851242426" sldId="302"/>
+            <ac:spMk id="3" creationId="{9D3ABB81-2D9A-401A-B4AC-5D39DD0EB0E8}"/>
+          </ac:spMkLst>
+        </pc:spChg>
+      </pc:sldChg>
+      <pc:sldChg chg="modSp add">
+        <pc:chgData name="Stephane van gulick" userId="74004649a2eae296" providerId="LiveId" clId="{AF953E14-22E7-4700-AD2B-72C99CF590E7}" dt="2018-12-02T16:36:18.679" v="725" actId="20577"/>
+        <pc:sldMkLst>
+          <pc:docMk/>
+          <pc:sldMk cId="2970272742" sldId="303"/>
+        </pc:sldMkLst>
+        <pc:spChg chg="mod">
+          <ac:chgData name="Stephane van gulick" userId="74004649a2eae296" providerId="LiveId" clId="{AF953E14-22E7-4700-AD2B-72C99CF590E7}" dt="2018-12-02T16:35:13.402" v="590" actId="20577"/>
+          <ac:spMkLst>
+            <pc:docMk/>
+            <pc:sldMk cId="2970272742" sldId="303"/>
+            <ac:spMk id="2" creationId="{CC936F71-4C0A-439B-9DAC-5FAD56B2D94B}"/>
+          </ac:spMkLst>
+        </pc:spChg>
+        <pc:spChg chg="mod">
+          <ac:chgData name="Stephane van gulick" userId="74004649a2eae296" providerId="LiveId" clId="{AF953E14-22E7-4700-AD2B-72C99CF590E7}" dt="2018-12-02T16:36:18.679" v="725" actId="20577"/>
+          <ac:spMkLst>
+            <pc:docMk/>
+            <pc:sldMk cId="2970272742" sldId="303"/>
+            <ac:spMk id="3" creationId="{191CB95D-E4CA-4CC9-9E1B-1FBD85BEC890}"/>
+          </ac:spMkLst>
+        </pc:spChg>
+      </pc:sldChg>
+      <pc:sldChg chg="modSp add">
+        <pc:chgData name="Stephane van gulick" userId="74004649a2eae296" providerId="LiveId" clId="{AF953E14-22E7-4700-AD2B-72C99CF590E7}" dt="2018-12-02T16:34:43.258" v="575" actId="6549"/>
+        <pc:sldMkLst>
+          <pc:docMk/>
+          <pc:sldMk cId="3421202765" sldId="304"/>
+        </pc:sldMkLst>
+        <pc:spChg chg="mod">
+          <ac:chgData name="Stephane van gulick" userId="74004649a2eae296" providerId="LiveId" clId="{AF953E14-22E7-4700-AD2B-72C99CF590E7}" dt="2018-12-02T16:34:43.258" v="575" actId="6549"/>
+          <ac:spMkLst>
+            <pc:docMk/>
+            <pc:sldMk cId="3421202765" sldId="304"/>
+            <ac:spMk id="2" creationId="{FBC10BD2-2DF5-4D94-AFD6-ED4EF04B7655}"/>
+          </ac:spMkLst>
+        </pc:spChg>
       </pc:sldChg>
     </pc:docChg>
   </pc:docChgLst>
@@ -8043,7 +8237,7 @@
           <p:cNvPr id="2" name="Title 1">
             <a:extLst>
               <a:ext uri="{FF2B5EF4-FFF2-40B4-BE49-F238E27FC236}">
-                <a16:creationId xmlns:a16="http://schemas.microsoft.com/office/drawing/2014/main" id="{38D9F653-9477-45EE-B605-5E7AD119EC8F}"/>
+                <a16:creationId xmlns:a16="http://schemas.microsoft.com/office/drawing/2014/main" id="{FBC10BD2-2DF5-4D94-AFD6-ED4EF04B7655}"/>
               </a:ext>
             </a:extLst>
           </p:cNvPr>
@@ -8060,8 +8254,39 @@
           <a:lstStyle/>
           <a:p>
             <a:r>
-              <a:rPr lang="de-CH" dirty="0"/>
-              <a:t>Demo 8: Show</a:t>
+              <a:rPr lang="de-CH" dirty="0" err="1"/>
+              <a:t>Advanced</a:t>
+            </a:r>
+            <a:r>
+              <a:rPr lang="de-CH" dirty="0"/>
+              <a:t> </a:t>
+            </a:r>
+            <a:r>
+              <a:rPr lang="de-CH" dirty="0" err="1"/>
+              <a:t>Pester</a:t>
+            </a:r>
+            <a:r>
+              <a:rPr lang="de-CH" dirty="0"/>
+              <a:t> </a:t>
+            </a:r>
+            <a:r>
+              <a:rPr lang="de-CH" dirty="0" err="1"/>
+              <a:t>concepts</a:t>
+            </a:r>
+            <a:r>
+              <a:rPr lang="de-CH" dirty="0"/>
+              <a:t>:</a:t>
+            </a:r>
+            <a:br>
+              <a:rPr lang="de-CH" dirty="0"/>
+            </a:br>
+            <a:r>
+              <a:rPr lang="de-CH" dirty="0" err="1"/>
+              <a:t>exporting</a:t>
+            </a:r>
+            <a:r>
+              <a:rPr lang="de-CH" dirty="0"/>
+              <a:t> Tests</a:t>
             </a:r>
           </a:p>
         </p:txBody>
@@ -8071,7 +8296,7 @@
           <p:cNvPr id="3" name="Text Placeholder 2">
             <a:extLst>
               <a:ext uri="{FF2B5EF4-FFF2-40B4-BE49-F238E27FC236}">
-                <a16:creationId xmlns:a16="http://schemas.microsoft.com/office/drawing/2014/main" id="{59A634E7-4C07-4324-86B0-530CB853A9F3}"/>
+                <a16:creationId xmlns:a16="http://schemas.microsoft.com/office/drawing/2014/main" id="{9D3ABB81-2D9A-401A-B4AC-5D39DD0EB0E8}"/>
               </a:ext>
             </a:extLst>
           </p:cNvPr>
@@ -8088,16 +8313,23 @@
           <a:lstStyle/>
           <a:p>
             <a:r>
-              <a:rPr lang="de-CH" dirty="0"/>
-              <a:t>Part 8</a:t>
-            </a:r>
+              <a:rPr lang="de-CH" dirty="0" err="1"/>
+              <a:t>NunitXML</a:t>
+            </a:r>
+            <a:r>
+              <a:rPr lang="de-CH" dirty="0"/>
+              <a:t> </a:t>
+            </a:r>
+          </a:p>
+          <a:p>
+            <a:endParaRPr lang="de-CH" dirty="0"/>
           </a:p>
         </p:txBody>
       </p:sp>
     </p:spTree>
     <p:extLst>
       <p:ext uri="{BB962C8B-B14F-4D97-AF65-F5344CB8AC3E}">
-        <p14:creationId xmlns:p14="http://schemas.microsoft.com/office/powerpoint/2010/main" val="1170555603"/>
+        <p14:creationId xmlns:p14="http://schemas.microsoft.com/office/powerpoint/2010/main" val="3851242426"/>
       </p:ext>
     </p:extLst>
   </p:cSld>
@@ -8220,10 +8452,10 @@
       </p:grpSpPr>
       <p:sp>
         <p:nvSpPr>
-          <p:cNvPr id="2" name="Title 1">
+          <p:cNvPr id="4" name="Title 3">
             <a:extLst>
               <a:ext uri="{FF2B5EF4-FFF2-40B4-BE49-F238E27FC236}">
-                <a16:creationId xmlns:a16="http://schemas.microsoft.com/office/drawing/2014/main" id="{89A73C95-F6B7-480B-B1D3-82813E8A2E76}"/>
+                <a16:creationId xmlns:a16="http://schemas.microsoft.com/office/drawing/2014/main" id="{FCCE094E-59E3-42B2-9951-8B72C2EDD5E8}"/>
               </a:ext>
             </a:extLst>
           </p:cNvPr>
@@ -8241,7 +8473,7 @@
           <a:p>
             <a:r>
               <a:rPr lang="de-CH" dirty="0" err="1"/>
-              <a:t>Nunit</a:t>
+              <a:t>NunitXML</a:t>
             </a:r>
             <a:endParaRPr lang="de-CH" dirty="0"/>
           </a:p>
@@ -8249,10 +8481,10 @@
       </p:sp>
       <p:sp>
         <p:nvSpPr>
-          <p:cNvPr id="3" name="Content Placeholder 2">
+          <p:cNvPr id="5" name="Content Placeholder 4">
             <a:extLst>
               <a:ext uri="{FF2B5EF4-FFF2-40B4-BE49-F238E27FC236}">
-                <a16:creationId xmlns:a16="http://schemas.microsoft.com/office/drawing/2014/main" id="{D7DC2806-7948-4606-9BEF-D458F04598EF}"/>
+                <a16:creationId xmlns:a16="http://schemas.microsoft.com/office/drawing/2014/main" id="{F6CAA504-DB19-483B-A6ED-A2B16E37CF4C}"/>
               </a:ext>
             </a:extLst>
           </p:cNvPr>
@@ -8268,6 +8500,212 @@
           <a:bodyPr/>
           <a:lstStyle/>
           <a:p>
+            <a:r>
+              <a:rPr lang="de-CH" dirty="0" err="1"/>
+              <a:t>Exporting</a:t>
+            </a:r>
+            <a:r>
+              <a:rPr lang="de-CH" dirty="0"/>
+              <a:t> Tests </a:t>
+            </a:r>
+            <a:r>
+              <a:rPr lang="de-CH" dirty="0" err="1"/>
+              <a:t>results</a:t>
+            </a:r>
+            <a:r>
+              <a:rPr lang="de-CH" dirty="0"/>
+              <a:t> </a:t>
+            </a:r>
+            <a:r>
+              <a:rPr lang="de-CH" dirty="0" err="1"/>
+              <a:t>to</a:t>
+            </a:r>
+            <a:r>
+              <a:rPr lang="de-CH" dirty="0"/>
+              <a:t> </a:t>
+            </a:r>
+            <a:r>
+              <a:rPr lang="de-CH" dirty="0" err="1"/>
+              <a:t>NunitXML</a:t>
+            </a:r>
+            <a:r>
+              <a:rPr lang="de-CH" dirty="0"/>
+              <a:t> </a:t>
+            </a:r>
+            <a:r>
+              <a:rPr lang="de-CH" dirty="0" err="1"/>
+              <a:t>allow</a:t>
+            </a:r>
+            <a:r>
+              <a:rPr lang="de-CH" dirty="0"/>
+              <a:t> </a:t>
+            </a:r>
+            <a:r>
+              <a:rPr lang="de-CH" dirty="0" err="1"/>
+              <a:t>to</a:t>
+            </a:r>
+            <a:r>
+              <a:rPr lang="de-CH" dirty="0"/>
+              <a:t> </a:t>
+            </a:r>
+            <a:r>
+              <a:rPr lang="de-CH" dirty="0" err="1"/>
+              <a:t>persists</a:t>
+            </a:r>
+            <a:r>
+              <a:rPr lang="de-CH" dirty="0"/>
+              <a:t> </a:t>
+            </a:r>
+            <a:r>
+              <a:rPr lang="de-CH" dirty="0" err="1"/>
+              <a:t>tests</a:t>
+            </a:r>
+            <a:r>
+              <a:rPr lang="de-CH" dirty="0"/>
+              <a:t> </a:t>
+            </a:r>
+            <a:r>
+              <a:rPr lang="de-CH" dirty="0" err="1"/>
+              <a:t>results</a:t>
+            </a:r>
+            <a:r>
+              <a:rPr lang="de-CH" dirty="0"/>
+              <a:t> </a:t>
+            </a:r>
+            <a:r>
+              <a:rPr lang="de-CH" dirty="0" err="1"/>
+              <a:t>over</a:t>
+            </a:r>
+            <a:r>
+              <a:rPr lang="de-CH" dirty="0"/>
+              <a:t> time.</a:t>
+            </a:r>
+          </a:p>
+          <a:p>
+            <a:r>
+              <a:rPr lang="de-CH" dirty="0" err="1"/>
+              <a:t>NunitXML</a:t>
+            </a:r>
+            <a:r>
+              <a:rPr lang="de-CH" dirty="0"/>
+              <a:t> </a:t>
+            </a:r>
+            <a:r>
+              <a:rPr lang="de-CH" dirty="0" err="1"/>
+              <a:t>is</a:t>
+            </a:r>
+            <a:r>
+              <a:rPr lang="de-CH" dirty="0"/>
+              <a:t> a </a:t>
+            </a:r>
+            <a:r>
+              <a:rPr lang="de-CH" dirty="0" err="1"/>
+              <a:t>standard</a:t>
+            </a:r>
+            <a:r>
+              <a:rPr lang="de-CH" dirty="0"/>
+              <a:t> Test </a:t>
+            </a:r>
+            <a:r>
+              <a:rPr lang="de-CH" dirty="0" err="1"/>
+              <a:t>format</a:t>
+            </a:r>
+            <a:endParaRPr lang="de-CH" dirty="0"/>
+          </a:p>
+          <a:p>
+            <a:r>
+              <a:rPr lang="de-CH" dirty="0" err="1"/>
+              <a:t>It</a:t>
+            </a:r>
+            <a:r>
+              <a:rPr lang="de-CH" dirty="0"/>
+              <a:t> </a:t>
+            </a:r>
+            <a:r>
+              <a:rPr lang="de-CH" dirty="0" err="1"/>
+              <a:t>can</a:t>
+            </a:r>
+            <a:r>
+              <a:rPr lang="de-CH" dirty="0"/>
+              <a:t> </a:t>
+            </a:r>
+            <a:r>
+              <a:rPr lang="de-CH" dirty="0" err="1"/>
+              <a:t>be</a:t>
+            </a:r>
+            <a:r>
+              <a:rPr lang="de-CH" dirty="0"/>
+              <a:t> </a:t>
+            </a:r>
+            <a:r>
+              <a:rPr lang="de-CH" dirty="0" err="1"/>
+              <a:t>read</a:t>
+            </a:r>
+            <a:r>
+              <a:rPr lang="de-CH" dirty="0"/>
+              <a:t> </a:t>
+            </a:r>
+            <a:r>
+              <a:rPr lang="de-CH" dirty="0" err="1"/>
+              <a:t>by</a:t>
+            </a:r>
+            <a:r>
+              <a:rPr lang="de-CH" dirty="0"/>
+              <a:t> </a:t>
+            </a:r>
+            <a:r>
+              <a:rPr lang="de-CH" dirty="0" err="1"/>
+              <a:t>most</a:t>
+            </a:r>
+            <a:r>
+              <a:rPr lang="de-CH" dirty="0"/>
+              <a:t> </a:t>
+            </a:r>
+            <a:r>
+              <a:rPr lang="de-CH" dirty="0" err="1"/>
+              <a:t>standard</a:t>
+            </a:r>
+            <a:r>
+              <a:rPr lang="de-CH" dirty="0"/>
+              <a:t> CI </a:t>
+            </a:r>
+            <a:r>
+              <a:rPr lang="de-CH" dirty="0" err="1"/>
+              <a:t>platforms</a:t>
+            </a:r>
+            <a:r>
+              <a:rPr lang="de-CH" dirty="0"/>
+              <a:t> (Jenkins, </a:t>
+            </a:r>
+            <a:r>
+              <a:rPr lang="de-CH" dirty="0" err="1"/>
+              <a:t>Appveyor,Travis,Azure</a:t>
+            </a:r>
+            <a:r>
+              <a:rPr lang="de-CH" dirty="0"/>
+              <a:t> </a:t>
+            </a:r>
+            <a:r>
+              <a:rPr lang="de-CH" dirty="0" err="1"/>
+              <a:t>Devops</a:t>
+            </a:r>
+            <a:r>
+              <a:rPr lang="de-CH" dirty="0"/>
+              <a:t>, </a:t>
+            </a:r>
+            <a:r>
+              <a:rPr lang="de-CH" dirty="0" err="1"/>
+              <a:t>Gitlab</a:t>
+            </a:r>
+            <a:r>
+              <a:rPr lang="de-CH" dirty="0"/>
+              <a:t>(?))</a:t>
+            </a:r>
+          </a:p>
+          <a:p>
+            <a:pPr marL="0" indent="0">
+              <a:buNone/>
+            </a:pPr>
             <a:endParaRPr lang="de-CH" dirty="0"/>
           </a:p>
         </p:txBody>
@@ -8275,7 +8713,7 @@
     </p:spTree>
     <p:extLst>
       <p:ext uri="{BB962C8B-B14F-4D97-AF65-F5344CB8AC3E}">
-        <p14:creationId xmlns:p14="http://schemas.microsoft.com/office/powerpoint/2010/main" val="4173725700"/>
+        <p14:creationId xmlns:p14="http://schemas.microsoft.com/office/powerpoint/2010/main" val="1696163365"/>
       </p:ext>
     </p:extLst>
   </p:cSld>
@@ -8286,6 +8724,631 @@
 </file>
 
 <file path=ppt/slides/slide41.xml><?xml version="1.0" encoding="utf-8"?>
+<p:sld xmlns:a="http://schemas.openxmlformats.org/drawingml/2006/main" xmlns:r="http://schemas.openxmlformats.org/officeDocument/2006/relationships" xmlns:p="http://schemas.openxmlformats.org/presentationml/2006/main">
+  <p:cSld>
+    <p:spTree>
+      <p:nvGrpSpPr>
+        <p:cNvPr id="1" name=""/>
+        <p:cNvGrpSpPr/>
+        <p:nvPr/>
+      </p:nvGrpSpPr>
+      <p:grpSpPr>
+        <a:xfrm>
+          <a:off x="0" y="0"/>
+          <a:ext cx="0" cy="0"/>
+          <a:chOff x="0" y="0"/>
+          <a:chExt cx="0" cy="0"/>
+        </a:xfrm>
+      </p:grpSpPr>
+      <p:sp>
+        <p:nvSpPr>
+          <p:cNvPr id="2" name="Title 1">
+            <a:extLst>
+              <a:ext uri="{FF2B5EF4-FFF2-40B4-BE49-F238E27FC236}">
+                <a16:creationId xmlns:a16="http://schemas.microsoft.com/office/drawing/2014/main" id="{38D9F653-9477-45EE-B605-5E7AD119EC8F}"/>
+              </a:ext>
+            </a:extLst>
+          </p:cNvPr>
+          <p:cNvSpPr>
+            <a:spLocks noGrp="1"/>
+          </p:cNvSpPr>
+          <p:nvPr>
+            <p:ph type="title"/>
+          </p:nvPr>
+        </p:nvSpPr>
+        <p:spPr/>
+        <p:txBody>
+          <a:bodyPr/>
+          <a:lstStyle/>
+          <a:p>
+            <a:r>
+              <a:rPr lang="de-CH" dirty="0"/>
+              <a:t>Demo 9: </a:t>
+            </a:r>
+            <a:r>
+              <a:rPr lang="de-CH" dirty="0" err="1"/>
+              <a:t>Nunit</a:t>
+            </a:r>
+            <a:endParaRPr lang="de-CH" dirty="0"/>
+          </a:p>
+        </p:txBody>
+      </p:sp>
+      <p:sp>
+        <p:nvSpPr>
+          <p:cNvPr id="3" name="Text Placeholder 2">
+            <a:extLst>
+              <a:ext uri="{FF2B5EF4-FFF2-40B4-BE49-F238E27FC236}">
+                <a16:creationId xmlns:a16="http://schemas.microsoft.com/office/drawing/2014/main" id="{59A634E7-4C07-4324-86B0-530CB853A9F3}"/>
+              </a:ext>
+            </a:extLst>
+          </p:cNvPr>
+          <p:cNvSpPr>
+            <a:spLocks noGrp="1"/>
+          </p:cNvSpPr>
+          <p:nvPr>
+            <p:ph type="body" idx="1"/>
+          </p:nvPr>
+        </p:nvSpPr>
+        <p:spPr/>
+        <p:txBody>
+          <a:bodyPr/>
+          <a:lstStyle/>
+          <a:p>
+            <a:r>
+              <a:rPr lang="de-CH" dirty="0"/>
+              <a:t>Part 9</a:t>
+            </a:r>
+          </a:p>
+        </p:txBody>
+      </p:sp>
+    </p:spTree>
+    <p:extLst>
+      <p:ext uri="{BB962C8B-B14F-4D97-AF65-F5344CB8AC3E}">
+        <p14:creationId xmlns:p14="http://schemas.microsoft.com/office/powerpoint/2010/main" val="1170555603"/>
+      </p:ext>
+    </p:extLst>
+  </p:cSld>
+  <p:clrMapOvr>
+    <a:masterClrMapping/>
+  </p:clrMapOvr>
+</p:sld>
+</file>
+
+<file path=ppt/slides/slide42.xml><?xml version="1.0" encoding="utf-8"?>
+<p:sld xmlns:a="http://schemas.openxmlformats.org/drawingml/2006/main" xmlns:r="http://schemas.openxmlformats.org/officeDocument/2006/relationships" xmlns:p="http://schemas.openxmlformats.org/presentationml/2006/main">
+  <p:cSld>
+    <p:spTree>
+      <p:nvGrpSpPr>
+        <p:cNvPr id="1" name=""/>
+        <p:cNvGrpSpPr/>
+        <p:nvPr/>
+      </p:nvGrpSpPr>
+      <p:grpSpPr>
+        <a:xfrm>
+          <a:off x="0" y="0"/>
+          <a:ext cx="0" cy="0"/>
+          <a:chOff x="0" y="0"/>
+          <a:chExt cx="0" cy="0"/>
+        </a:xfrm>
+      </p:grpSpPr>
+      <p:sp>
+        <p:nvSpPr>
+          <p:cNvPr id="4" name="Title 3">
+            <a:extLst>
+              <a:ext uri="{FF2B5EF4-FFF2-40B4-BE49-F238E27FC236}">
+                <a16:creationId xmlns:a16="http://schemas.microsoft.com/office/drawing/2014/main" id="{CDE89788-8C3E-4E85-8C16-024CD7306964}"/>
+              </a:ext>
+            </a:extLst>
+          </p:cNvPr>
+          <p:cNvSpPr>
+            <a:spLocks noGrp="1"/>
+          </p:cNvSpPr>
+          <p:nvPr>
+            <p:ph type="ctrTitle"/>
+          </p:nvPr>
+        </p:nvSpPr>
+        <p:spPr/>
+        <p:txBody>
+          <a:bodyPr/>
+          <a:lstStyle/>
+          <a:p>
+            <a:r>
+              <a:rPr lang="de-CH" dirty="0" err="1"/>
+              <a:t>Discussion</a:t>
+            </a:r>
+            <a:endParaRPr lang="de-CH" dirty="0"/>
+          </a:p>
+        </p:txBody>
+      </p:sp>
+      <p:sp>
+        <p:nvSpPr>
+          <p:cNvPr id="5" name="Subtitle 4">
+            <a:extLst>
+              <a:ext uri="{FF2B5EF4-FFF2-40B4-BE49-F238E27FC236}">
+                <a16:creationId xmlns:a16="http://schemas.microsoft.com/office/drawing/2014/main" id="{53E8AEAD-D972-4760-8DB2-B84C3297DF50}"/>
+              </a:ext>
+            </a:extLst>
+          </p:cNvPr>
+          <p:cNvSpPr>
+            <a:spLocks noGrp="1"/>
+          </p:cNvSpPr>
+          <p:nvPr>
+            <p:ph type="subTitle" idx="1"/>
+          </p:nvPr>
+        </p:nvSpPr>
+        <p:spPr/>
+        <p:txBody>
+          <a:bodyPr/>
+          <a:lstStyle/>
+          <a:p>
+            <a:r>
+              <a:rPr lang="de-CH" dirty="0" err="1"/>
+              <a:t>What</a:t>
+            </a:r>
+            <a:r>
+              <a:rPr lang="de-CH" dirty="0"/>
+              <a:t> do </a:t>
+            </a:r>
+            <a:r>
+              <a:rPr lang="de-CH" dirty="0" err="1"/>
+              <a:t>exporting</a:t>
+            </a:r>
+            <a:r>
+              <a:rPr lang="de-CH" dirty="0"/>
+              <a:t> </a:t>
+            </a:r>
+            <a:r>
+              <a:rPr lang="de-CH" dirty="0" err="1"/>
+              <a:t>test</a:t>
+            </a:r>
+            <a:r>
+              <a:rPr lang="de-CH" dirty="0"/>
+              <a:t> </a:t>
+            </a:r>
+            <a:r>
+              <a:rPr lang="de-CH" dirty="0" err="1"/>
+              <a:t>to</a:t>
+            </a:r>
+            <a:r>
+              <a:rPr lang="de-CH" dirty="0"/>
+              <a:t> </a:t>
+            </a:r>
+            <a:r>
+              <a:rPr lang="de-CH" dirty="0" err="1"/>
+              <a:t>nunitxml</a:t>
+            </a:r>
+            <a:r>
+              <a:rPr lang="de-CH" dirty="0"/>
+              <a:t> </a:t>
+            </a:r>
+            <a:r>
+              <a:rPr lang="de-CH" dirty="0" err="1"/>
+              <a:t>file</a:t>
+            </a:r>
+            <a:r>
+              <a:rPr lang="de-CH" dirty="0"/>
+              <a:t> </a:t>
+            </a:r>
+            <a:r>
+              <a:rPr lang="de-CH" dirty="0" err="1"/>
+              <a:t>allows</a:t>
+            </a:r>
+            <a:r>
+              <a:rPr lang="de-CH" dirty="0"/>
+              <a:t>?</a:t>
+            </a:r>
+          </a:p>
+          <a:p>
+            <a:r>
+              <a:rPr lang="de-CH" dirty="0" err="1"/>
+              <a:t>What</a:t>
+            </a:r>
+            <a:r>
+              <a:rPr lang="de-CH" dirty="0"/>
+              <a:t> </a:t>
+            </a:r>
+            <a:r>
+              <a:rPr lang="de-CH" dirty="0" err="1"/>
+              <a:t>are</a:t>
+            </a:r>
+            <a:r>
+              <a:rPr lang="de-CH" dirty="0"/>
+              <a:t> </a:t>
+            </a:r>
+            <a:r>
+              <a:rPr lang="de-CH" dirty="0" err="1"/>
+              <a:t>the</a:t>
+            </a:r>
+            <a:r>
+              <a:rPr lang="de-CH" dirty="0"/>
+              <a:t> </a:t>
+            </a:r>
+            <a:r>
+              <a:rPr lang="de-CH" dirty="0" err="1"/>
+              <a:t>drawback</a:t>
+            </a:r>
+            <a:r>
+              <a:rPr lang="de-CH" dirty="0"/>
+              <a:t> </a:t>
+            </a:r>
+            <a:r>
+              <a:rPr lang="de-CH" dirty="0" err="1"/>
+              <a:t>with</a:t>
+            </a:r>
+            <a:r>
+              <a:rPr lang="de-CH" dirty="0"/>
+              <a:t> </a:t>
+            </a:r>
+            <a:r>
+              <a:rPr lang="de-CH" dirty="0" err="1"/>
+              <a:t>working</a:t>
+            </a:r>
+            <a:r>
+              <a:rPr lang="de-CH" dirty="0"/>
+              <a:t> </a:t>
+            </a:r>
+            <a:r>
+              <a:rPr lang="de-CH" dirty="0" err="1"/>
+              <a:t>with</a:t>
+            </a:r>
+            <a:r>
+              <a:rPr lang="de-CH" dirty="0"/>
+              <a:t> </a:t>
+            </a:r>
+            <a:r>
+              <a:rPr lang="de-CH" dirty="0" err="1"/>
+              <a:t>Nunit</a:t>
+            </a:r>
+            <a:r>
+              <a:rPr lang="de-CH" dirty="0"/>
+              <a:t> XML </a:t>
+            </a:r>
+            <a:r>
+              <a:rPr lang="de-CH" dirty="0" err="1"/>
+              <a:t>files</a:t>
+            </a:r>
+            <a:r>
+              <a:rPr lang="de-CH" dirty="0"/>
+              <a:t>?</a:t>
+            </a:r>
+          </a:p>
+        </p:txBody>
+      </p:sp>
+    </p:spTree>
+    <p:extLst>
+      <p:ext uri="{BB962C8B-B14F-4D97-AF65-F5344CB8AC3E}">
+        <p14:creationId xmlns:p14="http://schemas.microsoft.com/office/powerpoint/2010/main" val="2250668228"/>
+      </p:ext>
+    </p:extLst>
+  </p:cSld>
+  <p:clrMapOvr>
+    <a:masterClrMapping/>
+  </p:clrMapOvr>
+</p:sld>
+</file>
+
+<file path=ppt/slides/slide43.xml><?xml version="1.0" encoding="utf-8"?>
+<p:sld xmlns:a="http://schemas.openxmlformats.org/drawingml/2006/main" xmlns:r="http://schemas.openxmlformats.org/officeDocument/2006/relationships" xmlns:p="http://schemas.openxmlformats.org/presentationml/2006/main">
+  <p:cSld>
+    <p:spTree>
+      <p:nvGrpSpPr>
+        <p:cNvPr id="1" name=""/>
+        <p:cNvGrpSpPr/>
+        <p:nvPr/>
+      </p:nvGrpSpPr>
+      <p:grpSpPr>
+        <a:xfrm>
+          <a:off x="0" y="0"/>
+          <a:ext cx="0" cy="0"/>
+          <a:chOff x="0" y="0"/>
+          <a:chExt cx="0" cy="0"/>
+        </a:xfrm>
+      </p:grpSpPr>
+      <p:sp>
+        <p:nvSpPr>
+          <p:cNvPr id="2" name="Title 1">
+            <a:extLst>
+              <a:ext uri="{FF2B5EF4-FFF2-40B4-BE49-F238E27FC236}">
+                <a16:creationId xmlns:a16="http://schemas.microsoft.com/office/drawing/2014/main" id="{FBC10BD2-2DF5-4D94-AFD6-ED4EF04B7655}"/>
+              </a:ext>
+            </a:extLst>
+          </p:cNvPr>
+          <p:cNvSpPr>
+            <a:spLocks noGrp="1"/>
+          </p:cNvSpPr>
+          <p:nvPr>
+            <p:ph type="title"/>
+          </p:nvPr>
+        </p:nvSpPr>
+        <p:spPr/>
+        <p:txBody>
+          <a:bodyPr/>
+          <a:lstStyle/>
+          <a:p>
+            <a:r>
+              <a:rPr lang="de-CH" dirty="0" err="1"/>
+              <a:t>Advanced</a:t>
+            </a:r>
+            <a:r>
+              <a:rPr lang="de-CH" dirty="0"/>
+              <a:t> </a:t>
+            </a:r>
+            <a:r>
+              <a:rPr lang="de-CH" dirty="0" err="1"/>
+              <a:t>Pester</a:t>
+            </a:r>
+            <a:r>
+              <a:rPr lang="de-CH" dirty="0"/>
+              <a:t> </a:t>
+            </a:r>
+            <a:r>
+              <a:rPr lang="de-CH" dirty="0" err="1"/>
+              <a:t>concepts</a:t>
+            </a:r>
+            <a:r>
+              <a:rPr lang="de-CH" dirty="0"/>
+              <a:t>:</a:t>
+            </a:r>
+            <a:br>
+              <a:rPr lang="de-CH" dirty="0"/>
+            </a:br>
+            <a:r>
+              <a:rPr lang="de-CH" dirty="0" err="1"/>
+              <a:t>POSHNunitXML</a:t>
+            </a:r>
+            <a:endParaRPr lang="de-CH" dirty="0"/>
+          </a:p>
+        </p:txBody>
+      </p:sp>
+      <p:sp>
+        <p:nvSpPr>
+          <p:cNvPr id="3" name="Text Placeholder 2">
+            <a:extLst>
+              <a:ext uri="{FF2B5EF4-FFF2-40B4-BE49-F238E27FC236}">
+                <a16:creationId xmlns:a16="http://schemas.microsoft.com/office/drawing/2014/main" id="{9D3ABB81-2D9A-401A-B4AC-5D39DD0EB0E8}"/>
+              </a:ext>
+            </a:extLst>
+          </p:cNvPr>
+          <p:cNvSpPr>
+            <a:spLocks noGrp="1"/>
+          </p:cNvSpPr>
+          <p:nvPr>
+            <p:ph type="body" idx="1"/>
+          </p:nvPr>
+        </p:nvSpPr>
+        <p:spPr/>
+        <p:txBody>
+          <a:bodyPr/>
+          <a:lstStyle/>
+          <a:p>
+            <a:r>
+              <a:rPr lang="de-CH" dirty="0" err="1"/>
+              <a:t>NunitXML</a:t>
+            </a:r>
+            <a:r>
+              <a:rPr lang="de-CH" dirty="0"/>
+              <a:t> </a:t>
+            </a:r>
+          </a:p>
+          <a:p>
+            <a:endParaRPr lang="de-CH" dirty="0"/>
+          </a:p>
+        </p:txBody>
+      </p:sp>
+    </p:spTree>
+    <p:extLst>
+      <p:ext uri="{BB962C8B-B14F-4D97-AF65-F5344CB8AC3E}">
+        <p14:creationId xmlns:p14="http://schemas.microsoft.com/office/powerpoint/2010/main" val="3421202765"/>
+      </p:ext>
+    </p:extLst>
+  </p:cSld>
+  <p:clrMapOvr>
+    <a:masterClrMapping/>
+  </p:clrMapOvr>
+</p:sld>
+</file>
+
+<file path=ppt/slides/slide44.xml><?xml version="1.0" encoding="utf-8"?>
+<p:sld xmlns:a="http://schemas.openxmlformats.org/drawingml/2006/main" xmlns:r="http://schemas.openxmlformats.org/officeDocument/2006/relationships" xmlns:p="http://schemas.openxmlformats.org/presentationml/2006/main">
+  <p:cSld>
+    <p:spTree>
+      <p:nvGrpSpPr>
+        <p:cNvPr id="1" name=""/>
+        <p:cNvGrpSpPr/>
+        <p:nvPr/>
+      </p:nvGrpSpPr>
+      <p:grpSpPr>
+        <a:xfrm>
+          <a:off x="0" y="0"/>
+          <a:ext cx="0" cy="0"/>
+          <a:chOff x="0" y="0"/>
+          <a:chExt cx="0" cy="0"/>
+        </a:xfrm>
+      </p:grpSpPr>
+      <p:sp>
+        <p:nvSpPr>
+          <p:cNvPr id="2" name="Title 1">
+            <a:extLst>
+              <a:ext uri="{FF2B5EF4-FFF2-40B4-BE49-F238E27FC236}">
+                <a16:creationId xmlns:a16="http://schemas.microsoft.com/office/drawing/2014/main" id="{CC936F71-4C0A-439B-9DAC-5FAD56B2D94B}"/>
+              </a:ext>
+            </a:extLst>
+          </p:cNvPr>
+          <p:cNvSpPr>
+            <a:spLocks noGrp="1"/>
+          </p:cNvSpPr>
+          <p:nvPr>
+            <p:ph type="title"/>
+          </p:nvPr>
+        </p:nvSpPr>
+        <p:spPr/>
+        <p:txBody>
+          <a:bodyPr/>
+          <a:lstStyle/>
+          <a:p>
+            <a:r>
+              <a:rPr lang="de-CH" dirty="0"/>
+              <a:t>POSHNUNINTXML</a:t>
+            </a:r>
+          </a:p>
+        </p:txBody>
+      </p:sp>
+      <p:sp>
+        <p:nvSpPr>
+          <p:cNvPr id="3" name="Content Placeholder 2">
+            <a:extLst>
+              <a:ext uri="{FF2B5EF4-FFF2-40B4-BE49-F238E27FC236}">
+                <a16:creationId xmlns:a16="http://schemas.microsoft.com/office/drawing/2014/main" id="{191CB95D-E4CA-4CC9-9E1B-1FBD85BEC890}"/>
+              </a:ext>
+            </a:extLst>
+          </p:cNvPr>
+          <p:cNvSpPr>
+            <a:spLocks noGrp="1"/>
+          </p:cNvSpPr>
+          <p:nvPr>
+            <p:ph idx="1"/>
+          </p:nvPr>
+        </p:nvSpPr>
+        <p:spPr/>
+        <p:txBody>
+          <a:bodyPr/>
+          <a:lstStyle/>
+          <a:p>
+            <a:r>
+              <a:rPr lang="de-CH" dirty="0">
+                <a:hlinkClick r:id="rId2"/>
+              </a:rPr>
+              <a:t>https://github.com/Stephanevg/PoshNunitXML</a:t>
+            </a:r>
+            <a:r>
+              <a:rPr lang="de-CH" dirty="0"/>
+              <a:t> </a:t>
+            </a:r>
+          </a:p>
+          <a:p>
+            <a:r>
+              <a:rPr lang="de-CH" dirty="0"/>
+              <a:t>Open Source Module I </a:t>
+            </a:r>
+            <a:r>
+              <a:rPr lang="de-CH" dirty="0" err="1"/>
+              <a:t>wrote</a:t>
+            </a:r>
+            <a:r>
+              <a:rPr lang="de-CH" dirty="0"/>
+              <a:t> </a:t>
+            </a:r>
+            <a:r>
+              <a:rPr lang="de-CH" dirty="0" err="1"/>
+              <a:t>to</a:t>
+            </a:r>
+            <a:r>
+              <a:rPr lang="de-CH" dirty="0"/>
+              <a:t> </a:t>
+            </a:r>
+            <a:r>
+              <a:rPr lang="de-CH" dirty="0" err="1"/>
+              <a:t>convert</a:t>
+            </a:r>
+            <a:r>
+              <a:rPr lang="de-CH" dirty="0"/>
+              <a:t> </a:t>
+            </a:r>
+            <a:r>
+              <a:rPr lang="de-CH" dirty="0" err="1"/>
+              <a:t>NunitXML</a:t>
+            </a:r>
+            <a:r>
+              <a:rPr lang="de-CH" dirty="0"/>
+              <a:t> back </a:t>
+            </a:r>
+            <a:r>
+              <a:rPr lang="de-CH" dirty="0" err="1"/>
+              <a:t>into</a:t>
+            </a:r>
+            <a:r>
+              <a:rPr lang="de-CH" dirty="0"/>
+              <a:t> an </a:t>
+            </a:r>
+            <a:r>
+              <a:rPr lang="de-CH" dirty="0" err="1"/>
+              <a:t>usable</a:t>
+            </a:r>
+            <a:r>
+              <a:rPr lang="de-CH" dirty="0"/>
+              <a:t> </a:t>
+            </a:r>
+            <a:r>
+              <a:rPr lang="de-CH" dirty="0" err="1"/>
+              <a:t>object</a:t>
+            </a:r>
+            <a:endParaRPr lang="de-CH" dirty="0"/>
+          </a:p>
+          <a:p>
+            <a:r>
+              <a:rPr lang="de-CH" dirty="0" err="1"/>
+              <a:t>Is</a:t>
+            </a:r>
+            <a:r>
+              <a:rPr lang="de-CH" dirty="0"/>
+              <a:t> </a:t>
+            </a:r>
+            <a:r>
+              <a:rPr lang="de-CH" dirty="0" err="1"/>
+              <a:t>class</a:t>
+            </a:r>
+            <a:r>
+              <a:rPr lang="de-CH" dirty="0"/>
+              <a:t> </a:t>
+            </a:r>
+            <a:r>
+              <a:rPr lang="de-CH" dirty="0" err="1"/>
+              <a:t>based</a:t>
+            </a:r>
+            <a:endParaRPr lang="de-CH" dirty="0"/>
+          </a:p>
+          <a:p>
+            <a:r>
+              <a:rPr lang="de-CH" dirty="0" err="1"/>
+              <a:t>Requires</a:t>
+            </a:r>
+            <a:r>
+              <a:rPr lang="de-CH" dirty="0"/>
+              <a:t> </a:t>
+            </a:r>
+            <a:r>
+              <a:rPr lang="de-CH" dirty="0" err="1"/>
+              <a:t>Powershell</a:t>
+            </a:r>
+            <a:r>
+              <a:rPr lang="de-CH" dirty="0"/>
+              <a:t> </a:t>
+            </a:r>
+            <a:r>
+              <a:rPr lang="de-CH" dirty="0" err="1"/>
+              <a:t>version</a:t>
+            </a:r>
+            <a:r>
+              <a:rPr lang="de-CH" dirty="0"/>
+              <a:t> 5.1</a:t>
+            </a:r>
+          </a:p>
+        </p:txBody>
+      </p:sp>
+    </p:spTree>
+    <p:extLst>
+      <p:ext uri="{BB962C8B-B14F-4D97-AF65-F5344CB8AC3E}">
+        <p14:creationId xmlns:p14="http://schemas.microsoft.com/office/powerpoint/2010/main" val="2970272742"/>
+      </p:ext>
+    </p:extLst>
+  </p:cSld>
+  <p:clrMapOvr>
+    <a:masterClrMapping/>
+  </p:clrMapOvr>
+</p:sld>
+</file>
+
+<file path=ppt/slides/slide45.xml><?xml version="1.0" encoding="utf-8"?>
 <p:sld xmlns:a="http://schemas.openxmlformats.org/drawingml/2006/main" xmlns:r="http://schemas.openxmlformats.org/officeDocument/2006/relationships" xmlns:p="http://schemas.openxmlformats.org/presentationml/2006/main">
   <p:cSld>
     <p:spTree>

--- a/Introduction To Pester/Examples/Introduction to pester.pptx
+++ b/Introduction To Pester/Examples/Introduction to pester.pptx
@@ -6,50 +6,53 @@
   </p:sldMasterIdLst>
   <p:sldIdLst>
     <p:sldId id="256" r:id="rId2"/>
-    <p:sldId id="257" r:id="rId3"/>
-    <p:sldId id="258" r:id="rId4"/>
-    <p:sldId id="259" r:id="rId5"/>
-    <p:sldId id="260" r:id="rId6"/>
-    <p:sldId id="261" r:id="rId7"/>
-    <p:sldId id="262" r:id="rId8"/>
-    <p:sldId id="264" r:id="rId9"/>
-    <p:sldId id="266" r:id="rId10"/>
-    <p:sldId id="265" r:id="rId11"/>
-    <p:sldId id="267" r:id="rId12"/>
-    <p:sldId id="263" r:id="rId13"/>
-    <p:sldId id="268" r:id="rId14"/>
-    <p:sldId id="269" r:id="rId15"/>
-    <p:sldId id="272" r:id="rId16"/>
-    <p:sldId id="270" r:id="rId17"/>
-    <p:sldId id="273" r:id="rId18"/>
-    <p:sldId id="271" r:id="rId19"/>
-    <p:sldId id="274" r:id="rId20"/>
-    <p:sldId id="275" r:id="rId21"/>
-    <p:sldId id="277" r:id="rId22"/>
-    <p:sldId id="283" r:id="rId23"/>
-    <p:sldId id="284" r:id="rId24"/>
-    <p:sldId id="285" r:id="rId25"/>
-    <p:sldId id="286" r:id="rId26"/>
-    <p:sldId id="276" r:id="rId27"/>
-    <p:sldId id="278" r:id="rId28"/>
-    <p:sldId id="280" r:id="rId29"/>
-    <p:sldId id="282" r:id="rId30"/>
-    <p:sldId id="281" r:id="rId31"/>
-    <p:sldId id="287" r:id="rId32"/>
-    <p:sldId id="289" r:id="rId33"/>
-    <p:sldId id="290" r:id="rId34"/>
-    <p:sldId id="292" r:id="rId35"/>
-    <p:sldId id="294" r:id="rId36"/>
-    <p:sldId id="298" r:id="rId37"/>
-    <p:sldId id="295" r:id="rId38"/>
-    <p:sldId id="296" r:id="rId39"/>
-    <p:sldId id="302" r:id="rId40"/>
-    <p:sldId id="299" r:id="rId41"/>
-    <p:sldId id="297" r:id="rId42"/>
-    <p:sldId id="301" r:id="rId43"/>
-    <p:sldId id="304" r:id="rId44"/>
-    <p:sldId id="303" r:id="rId45"/>
-    <p:sldId id="279" r:id="rId46"/>
+    <p:sldId id="307" r:id="rId3"/>
+    <p:sldId id="257" r:id="rId4"/>
+    <p:sldId id="258" r:id="rId5"/>
+    <p:sldId id="259" r:id="rId6"/>
+    <p:sldId id="260" r:id="rId7"/>
+    <p:sldId id="261" r:id="rId8"/>
+    <p:sldId id="262" r:id="rId9"/>
+    <p:sldId id="264" r:id="rId10"/>
+    <p:sldId id="266" r:id="rId11"/>
+    <p:sldId id="265" r:id="rId12"/>
+    <p:sldId id="267" r:id="rId13"/>
+    <p:sldId id="263" r:id="rId14"/>
+    <p:sldId id="268" r:id="rId15"/>
+    <p:sldId id="269" r:id="rId16"/>
+    <p:sldId id="272" r:id="rId17"/>
+    <p:sldId id="270" r:id="rId18"/>
+    <p:sldId id="273" r:id="rId19"/>
+    <p:sldId id="271" r:id="rId20"/>
+    <p:sldId id="274" r:id="rId21"/>
+    <p:sldId id="275" r:id="rId22"/>
+    <p:sldId id="277" r:id="rId23"/>
+    <p:sldId id="283" r:id="rId24"/>
+    <p:sldId id="284" r:id="rId25"/>
+    <p:sldId id="285" r:id="rId26"/>
+    <p:sldId id="286" r:id="rId27"/>
+    <p:sldId id="276" r:id="rId28"/>
+    <p:sldId id="278" r:id="rId29"/>
+    <p:sldId id="280" r:id="rId30"/>
+    <p:sldId id="282" r:id="rId31"/>
+    <p:sldId id="281" r:id="rId32"/>
+    <p:sldId id="287" r:id="rId33"/>
+    <p:sldId id="289" r:id="rId34"/>
+    <p:sldId id="290" r:id="rId35"/>
+    <p:sldId id="292" r:id="rId36"/>
+    <p:sldId id="294" r:id="rId37"/>
+    <p:sldId id="298" r:id="rId38"/>
+    <p:sldId id="295" r:id="rId39"/>
+    <p:sldId id="296" r:id="rId40"/>
+    <p:sldId id="302" r:id="rId41"/>
+    <p:sldId id="299" r:id="rId42"/>
+    <p:sldId id="297" r:id="rId43"/>
+    <p:sldId id="306" r:id="rId44"/>
+    <p:sldId id="305" r:id="rId45"/>
+    <p:sldId id="301" r:id="rId46"/>
+    <p:sldId id="304" r:id="rId47"/>
+    <p:sldId id="303" r:id="rId48"/>
+    <p:sldId id="279" r:id="rId49"/>
   </p:sldIdLst>
   <p:sldSz cx="12192000" cy="6858000"/>
   <p:notesSz cx="6858000" cy="9144000"/>
@@ -159,7 +162,7 @@
 <file path=ppt/revisionInfo.xml><?xml version="1.0" encoding="utf-8"?>
 <p1510:revInfo xmlns:a="http://schemas.openxmlformats.org/drawingml/2006/main" xmlns:r="http://schemas.openxmlformats.org/officeDocument/2006/relationships" xmlns:p1510="http://schemas.microsoft.com/office/powerpoint/2015/10/main">
   <p1510:revLst>
-    <p1510:client id="{AF953E14-22E7-4700-AD2B-72C99CF590E7}" v="735" dt="2018-12-02T16:36:18.679"/>
+    <p1510:client id="{AF953E14-22E7-4700-AD2B-72C99CF590E7}" v="1611" dt="2018-12-03T14:20:32.145"/>
   </p1510:revLst>
 </p1510:revInfo>
 </file>
@@ -206,11 +209,26 @@
   </pc:docChgLst>
   <pc:docChgLst>
     <pc:chgData name="Stephane van gulick" userId="74004649a2eae296" providerId="LiveId" clId="{AF953E14-22E7-4700-AD2B-72C99CF590E7}"/>
-    <pc:docChg chg="addSld delSld modSld sldOrd">
-      <pc:chgData name="Stephane van gulick" userId="74004649a2eae296" providerId="LiveId" clId="{AF953E14-22E7-4700-AD2B-72C99CF590E7}" dt="2018-12-02T16:36:18.679" v="725" actId="20577"/>
+    <pc:docChg chg="undo custSel addSld delSld modSld sldOrd">
+      <pc:chgData name="Stephane van gulick" userId="74004649a2eae296" providerId="LiveId" clId="{AF953E14-22E7-4700-AD2B-72C99CF590E7}" dt="2018-12-03T14:20:32.145" v="1598" actId="20577"/>
       <pc:docMkLst>
         <pc:docMk/>
       </pc:docMkLst>
+      <pc:sldChg chg="modSp">
+        <pc:chgData name="Stephane van gulick" userId="74004649a2eae296" providerId="LiveId" clId="{AF953E14-22E7-4700-AD2B-72C99CF590E7}" dt="2018-12-03T07:59:24.344" v="732" actId="20577"/>
+        <pc:sldMkLst>
+          <pc:docMk/>
+          <pc:sldMk cId="2789125734" sldId="258"/>
+        </pc:sldMkLst>
+        <pc:spChg chg="mod">
+          <ac:chgData name="Stephane van gulick" userId="74004649a2eae296" providerId="LiveId" clId="{AF953E14-22E7-4700-AD2B-72C99CF590E7}" dt="2018-12-03T07:59:24.344" v="732" actId="20577"/>
+          <ac:spMkLst>
+            <pc:docMk/>
+            <pc:sldMk cId="2789125734" sldId="258"/>
+            <ac:spMk id="3" creationId="{90A62F4A-880A-4B26-9861-F8D81B0CCB1D}"/>
+          </ac:spMkLst>
+        </pc:spChg>
+      </pc:sldChg>
       <pc:sldChg chg="addSp delSp modSp del ord">
         <pc:chgData name="Stephane van gulick" userId="74004649a2eae296" providerId="LiveId" clId="{AF953E14-22E7-4700-AD2B-72C99CF590E7}" dt="2018-12-02T16:33:10.561" v="559" actId="2696"/>
         <pc:sldMkLst>
@@ -243,6 +261,21 @@
         </pc:spChg>
       </pc:sldChg>
       <pc:sldChg chg="modSp">
+        <pc:chgData name="Stephane van gulick" userId="74004649a2eae296" providerId="LiveId" clId="{AF953E14-22E7-4700-AD2B-72C99CF590E7}" dt="2018-12-03T14:20:32.145" v="1598" actId="20577"/>
+        <pc:sldMkLst>
+          <pc:docMk/>
+          <pc:sldMk cId="4249566839" sldId="296"/>
+        </pc:sldMkLst>
+        <pc:spChg chg="mod">
+          <ac:chgData name="Stephane van gulick" userId="74004649a2eae296" providerId="LiveId" clId="{AF953E14-22E7-4700-AD2B-72C99CF590E7}" dt="2018-12-03T14:20:32.145" v="1598" actId="20577"/>
+          <ac:spMkLst>
+            <pc:docMk/>
+            <pc:sldMk cId="4249566839" sldId="296"/>
+            <ac:spMk id="5" creationId="{53E8AEAD-D972-4760-8DB2-B84C3297DF50}"/>
+          </ac:spMkLst>
+        </pc:spChg>
+      </pc:sldChg>
+      <pc:sldChg chg="modSp">
         <pc:chgData name="Stephane van gulick" userId="74004649a2eae296" providerId="LiveId" clId="{AF953E14-22E7-4700-AD2B-72C99CF590E7}" dt="2018-12-02T16:26:46.721" v="51" actId="20577"/>
         <pc:sldMkLst>
           <pc:docMk/>
@@ -262,6 +295,21 @@
             <pc:docMk/>
             <pc:sldMk cId="1170555603" sldId="297"/>
             <ac:spMk id="3" creationId="{59A634E7-4C07-4324-86B0-530CB853A9F3}"/>
+          </ac:spMkLst>
+        </pc:spChg>
+      </pc:sldChg>
+      <pc:sldChg chg="modSp">
+        <pc:chgData name="Stephane van gulick" userId="74004649a2eae296" providerId="LiveId" clId="{AF953E14-22E7-4700-AD2B-72C99CF590E7}" dt="2018-12-03T08:01:06.916" v="736" actId="20577"/>
+        <pc:sldMkLst>
+          <pc:docMk/>
+          <pc:sldMk cId="322583968" sldId="298"/>
+        </pc:sldMkLst>
+        <pc:spChg chg="mod">
+          <ac:chgData name="Stephane van gulick" userId="74004649a2eae296" providerId="LiveId" clId="{AF953E14-22E7-4700-AD2B-72C99CF590E7}" dt="2018-12-03T08:01:06.916" v="736" actId="20577"/>
+          <ac:spMkLst>
+            <pc:docMk/>
+            <pc:sldMk cId="322583968" sldId="298"/>
+            <ac:spMk id="3" creationId="{9D3ABB81-2D9A-401A-B4AC-5D39DD0EB0E8}"/>
           </ac:spMkLst>
         </pc:spChg>
       </pc:sldChg>
@@ -350,7 +398,7 @@
         </pc:spChg>
       </pc:sldChg>
       <pc:sldChg chg="modSp add">
-        <pc:chgData name="Stephane van gulick" userId="74004649a2eae296" providerId="LiveId" clId="{AF953E14-22E7-4700-AD2B-72C99CF590E7}" dt="2018-12-02T16:36:18.679" v="725" actId="20577"/>
+        <pc:chgData name="Stephane van gulick" userId="74004649a2eae296" providerId="LiveId" clId="{AF953E14-22E7-4700-AD2B-72C99CF590E7}" dt="2018-12-03T08:28:05.136" v="1341" actId="20577"/>
         <pc:sldMkLst>
           <pc:docMk/>
           <pc:sldMk cId="2970272742" sldId="303"/>
@@ -364,7 +412,7 @@
           </ac:spMkLst>
         </pc:spChg>
         <pc:spChg chg="mod">
-          <ac:chgData name="Stephane van gulick" userId="74004649a2eae296" providerId="LiveId" clId="{AF953E14-22E7-4700-AD2B-72C99CF590E7}" dt="2018-12-02T16:36:18.679" v="725" actId="20577"/>
+          <ac:chgData name="Stephane van gulick" userId="74004649a2eae296" providerId="LiveId" clId="{AF953E14-22E7-4700-AD2B-72C99CF590E7}" dt="2018-12-03T08:28:05.136" v="1341" actId="20577"/>
           <ac:spMkLst>
             <pc:docMk/>
             <pc:sldMk cId="2970272742" sldId="303"/>
@@ -386,6 +434,179 @@
             <ac:spMk id="2" creationId="{FBC10BD2-2DF5-4D94-AFD6-ED4EF04B7655}"/>
           </ac:spMkLst>
         </pc:spChg>
+      </pc:sldChg>
+      <pc:sldChg chg="addSp delSp modSp add">
+        <pc:chgData name="Stephane van gulick" userId="74004649a2eae296" providerId="LiveId" clId="{AF953E14-22E7-4700-AD2B-72C99CF590E7}" dt="2018-12-03T08:24:35.665" v="1324" actId="20577"/>
+        <pc:sldMkLst>
+          <pc:docMk/>
+          <pc:sldMk cId="989431211" sldId="305"/>
+        </pc:sldMkLst>
+        <pc:spChg chg="del">
+          <ac:chgData name="Stephane van gulick" userId="74004649a2eae296" providerId="LiveId" clId="{AF953E14-22E7-4700-AD2B-72C99CF590E7}" dt="2018-12-03T08:04:19.288" v="766"/>
+          <ac:spMkLst>
+            <pc:docMk/>
+            <pc:sldMk cId="989431211" sldId="305"/>
+            <ac:spMk id="2" creationId="{C1BB715E-D814-4848-BF3A-20D2AE41472B}"/>
+          </ac:spMkLst>
+        </pc:spChg>
+        <pc:spChg chg="del">
+          <ac:chgData name="Stephane van gulick" userId="74004649a2eae296" providerId="LiveId" clId="{AF953E14-22E7-4700-AD2B-72C99CF590E7}" dt="2018-12-03T08:04:19.288" v="766"/>
+          <ac:spMkLst>
+            <pc:docMk/>
+            <pc:sldMk cId="989431211" sldId="305"/>
+            <ac:spMk id="3" creationId="{3DA429CC-5137-41FB-97AA-6EFB19056857}"/>
+          </ac:spMkLst>
+        </pc:spChg>
+        <pc:spChg chg="add del mod">
+          <ac:chgData name="Stephane van gulick" userId="74004649a2eae296" providerId="LiveId" clId="{AF953E14-22E7-4700-AD2B-72C99CF590E7}" dt="2018-12-03T08:04:24.282" v="767"/>
+          <ac:spMkLst>
+            <pc:docMk/>
+            <pc:sldMk cId="989431211" sldId="305"/>
+            <ac:spMk id="4" creationId="{08D6F5BF-E67E-4C53-8D68-1B371B8FC7D3}"/>
+          </ac:spMkLst>
+        </pc:spChg>
+        <pc:spChg chg="add del mod">
+          <ac:chgData name="Stephane van gulick" userId="74004649a2eae296" providerId="LiveId" clId="{AF953E14-22E7-4700-AD2B-72C99CF590E7}" dt="2018-12-03T08:04:24.282" v="767"/>
+          <ac:spMkLst>
+            <pc:docMk/>
+            <pc:sldMk cId="989431211" sldId="305"/>
+            <ac:spMk id="5" creationId="{F022F3AE-BE2C-46D2-9074-A22ACC2071CC}"/>
+          </ac:spMkLst>
+        </pc:spChg>
+        <pc:spChg chg="add mod">
+          <ac:chgData name="Stephane van gulick" userId="74004649a2eae296" providerId="LiveId" clId="{AF953E14-22E7-4700-AD2B-72C99CF590E7}" dt="2018-12-03T08:09:23.164" v="1048" actId="20577"/>
+          <ac:spMkLst>
+            <pc:docMk/>
+            <pc:sldMk cId="989431211" sldId="305"/>
+            <ac:spMk id="6" creationId="{528DB269-C1C5-46D1-92BC-A7B8F374363B}"/>
+          </ac:spMkLst>
+        </pc:spChg>
+        <pc:spChg chg="add mod">
+          <ac:chgData name="Stephane van gulick" userId="74004649a2eae296" providerId="LiveId" clId="{AF953E14-22E7-4700-AD2B-72C99CF590E7}" dt="2018-12-03T08:04:30.882" v="774" actId="20577"/>
+          <ac:spMkLst>
+            <pc:docMk/>
+            <pc:sldMk cId="989431211" sldId="305"/>
+            <ac:spMk id="7" creationId="{5473E0DF-CCEF-4C2E-9D4F-7EEF003B813B}"/>
+          </ac:spMkLst>
+        </pc:spChg>
+        <pc:spChg chg="add mod">
+          <ac:chgData name="Stephane van gulick" userId="74004649a2eae296" providerId="LiveId" clId="{AF953E14-22E7-4700-AD2B-72C99CF590E7}" dt="2018-12-03T08:15:04.644" v="1257" actId="20577"/>
+          <ac:spMkLst>
+            <pc:docMk/>
+            <pc:sldMk cId="989431211" sldId="305"/>
+            <ac:spMk id="8" creationId="{BBDBDC24-4AC2-4139-9432-FCC738BB0DCE}"/>
+          </ac:spMkLst>
+        </pc:spChg>
+        <pc:spChg chg="add mod">
+          <ac:chgData name="Stephane van gulick" userId="74004649a2eae296" providerId="LiveId" clId="{AF953E14-22E7-4700-AD2B-72C99CF590E7}" dt="2018-12-03T08:04:35.042" v="779" actId="20577"/>
+          <ac:spMkLst>
+            <pc:docMk/>
+            <pc:sldMk cId="989431211" sldId="305"/>
+            <ac:spMk id="9" creationId="{3BFFCF81-30B2-434F-9378-0570C5C3D6DC}"/>
+          </ac:spMkLst>
+        </pc:spChg>
+        <pc:spChg chg="add mod">
+          <ac:chgData name="Stephane van gulick" userId="74004649a2eae296" providerId="LiveId" clId="{AF953E14-22E7-4700-AD2B-72C99CF590E7}" dt="2018-12-03T08:24:35.665" v="1324" actId="20577"/>
+          <ac:spMkLst>
+            <pc:docMk/>
+            <pc:sldMk cId="989431211" sldId="305"/>
+            <ac:spMk id="10" creationId="{BBA8F408-7EE2-49B0-8EDD-6EFF872D468D}"/>
+          </ac:spMkLst>
+        </pc:spChg>
+      </pc:sldChg>
+      <pc:sldChg chg="addSp delSp modSp add">
+        <pc:chgData name="Stephane van gulick" userId="74004649a2eae296" providerId="LiveId" clId="{AF953E14-22E7-4700-AD2B-72C99CF590E7}" dt="2018-12-03T08:04:03.897" v="765" actId="20577"/>
+        <pc:sldMkLst>
+          <pc:docMk/>
+          <pc:sldMk cId="1020816388" sldId="306"/>
+        </pc:sldMkLst>
+        <pc:spChg chg="add del mod">
+          <ac:chgData name="Stephane van gulick" userId="74004649a2eae296" providerId="LiveId" clId="{AF953E14-22E7-4700-AD2B-72C99CF590E7}" dt="2018-12-03T08:03:51.156" v="756"/>
+          <ac:spMkLst>
+            <pc:docMk/>
+            <pc:sldMk cId="1020816388" sldId="306"/>
+            <ac:spMk id="3" creationId="{6C088D18-07FB-4275-82EE-A08DB633310C}"/>
+          </ac:spMkLst>
+        </pc:spChg>
+        <pc:spChg chg="mod">
+          <ac:chgData name="Stephane van gulick" userId="74004649a2eae296" providerId="LiveId" clId="{AF953E14-22E7-4700-AD2B-72C99CF590E7}" dt="2018-12-03T08:04:03.897" v="765" actId="20577"/>
+          <ac:spMkLst>
+            <pc:docMk/>
+            <pc:sldMk cId="1020816388" sldId="306"/>
+            <ac:spMk id="5" creationId="{0FCE7D00-79A6-4BBC-85F4-50DCBBE4569E}"/>
+          </ac:spMkLst>
+        </pc:spChg>
+        <pc:picChg chg="del">
+          <ac:chgData name="Stephane van gulick" userId="74004649a2eae296" providerId="LiveId" clId="{AF953E14-22E7-4700-AD2B-72C99CF590E7}" dt="2018-12-03T08:03:49.273" v="755" actId="478"/>
+          <ac:picMkLst>
+            <pc:docMk/>
+            <pc:sldMk cId="1020816388" sldId="306"/>
+            <ac:picMk id="6" creationId="{52DA34DC-F135-4C8A-B9FC-6FB19E62AB40}"/>
+          </ac:picMkLst>
+        </pc:picChg>
+        <pc:picChg chg="add mod">
+          <ac:chgData name="Stephane van gulick" userId="74004649a2eae296" providerId="LiveId" clId="{AF953E14-22E7-4700-AD2B-72C99CF590E7}" dt="2018-12-03T08:03:58.009" v="758" actId="1076"/>
+          <ac:picMkLst>
+            <pc:docMk/>
+            <pc:sldMk cId="1020816388" sldId="306"/>
+            <ac:picMk id="1026" creationId="{AAE182E5-7F28-4FA0-B913-048F807EC3B1}"/>
+          </ac:picMkLst>
+        </pc:picChg>
+      </pc:sldChg>
+      <pc:sldChg chg="addSp modSp add">
+        <pc:chgData name="Stephane van gulick" userId="74004649a2eae296" providerId="LiveId" clId="{AF953E14-22E7-4700-AD2B-72C99CF590E7}" dt="2018-12-03T08:51:51.015" v="1594" actId="14100"/>
+        <pc:sldMkLst>
+          <pc:docMk/>
+          <pc:sldMk cId="3816756964" sldId="307"/>
+        </pc:sldMkLst>
+        <pc:spChg chg="mod">
+          <ac:chgData name="Stephane van gulick" userId="74004649a2eae296" providerId="LiveId" clId="{AF953E14-22E7-4700-AD2B-72C99CF590E7}" dt="2018-12-03T08:46:23.472" v="1361" actId="20577"/>
+          <ac:spMkLst>
+            <pc:docMk/>
+            <pc:sldMk cId="3816756964" sldId="307"/>
+            <ac:spMk id="2" creationId="{F18AA15F-21B1-42BC-A300-1947528C2538}"/>
+          </ac:spMkLst>
+        </pc:spChg>
+        <pc:spChg chg="mod">
+          <ac:chgData name="Stephane van gulick" userId="74004649a2eae296" providerId="LiveId" clId="{AF953E14-22E7-4700-AD2B-72C99CF590E7}" dt="2018-12-03T08:49:20.383" v="1577" actId="27636"/>
+          <ac:spMkLst>
+            <pc:docMk/>
+            <pc:sldMk cId="3816756964" sldId="307"/>
+            <ac:spMk id="3" creationId="{A7E8CA93-811B-47BD-9292-EE58F1646AFF}"/>
+          </ac:spMkLst>
+        </pc:spChg>
+        <pc:picChg chg="add mod">
+          <ac:chgData name="Stephane van gulick" userId="74004649a2eae296" providerId="LiveId" clId="{AF953E14-22E7-4700-AD2B-72C99CF590E7}" dt="2018-12-03T08:49:31.977" v="1580" actId="1076"/>
+          <ac:picMkLst>
+            <pc:docMk/>
+            <pc:sldMk cId="3816756964" sldId="307"/>
+            <ac:picMk id="4" creationId="{00C6AE06-BDE9-49A1-9DC4-106DC0C0EE34}"/>
+          </ac:picMkLst>
+        </pc:picChg>
+        <pc:picChg chg="add mod">
+          <ac:chgData name="Stephane van gulick" userId="74004649a2eae296" providerId="LiveId" clId="{AF953E14-22E7-4700-AD2B-72C99CF590E7}" dt="2018-12-03T08:50:19.899" v="1584" actId="1076"/>
+          <ac:picMkLst>
+            <pc:docMk/>
+            <pc:sldMk cId="3816756964" sldId="307"/>
+            <ac:picMk id="5" creationId="{B69B1E26-4F7A-4372-8174-F8956486BBB4}"/>
+          </ac:picMkLst>
+        </pc:picChg>
+        <pc:picChg chg="add mod">
+          <ac:chgData name="Stephane van gulick" userId="74004649a2eae296" providerId="LiveId" clId="{AF953E14-22E7-4700-AD2B-72C99CF590E7}" dt="2018-12-03T08:51:27.600" v="1590" actId="1076"/>
+          <ac:picMkLst>
+            <pc:docMk/>
+            <pc:sldMk cId="3816756964" sldId="307"/>
+            <ac:picMk id="7" creationId="{2227DD59-5601-42E4-9289-8D4EF0E4F9E4}"/>
+          </ac:picMkLst>
+        </pc:picChg>
+        <pc:picChg chg="add mod">
+          <ac:chgData name="Stephane van gulick" userId="74004649a2eae296" providerId="LiveId" clId="{AF953E14-22E7-4700-AD2B-72C99CF590E7}" dt="2018-12-03T08:51:51.015" v="1594" actId="14100"/>
+          <ac:picMkLst>
+            <pc:docMk/>
+            <pc:sldMk cId="3816756964" sldId="307"/>
+            <ac:picMk id="9" creationId="{69172465-A19C-46A5-A9EF-A6EEC6022FCD}"/>
+          </ac:picMkLst>
+        </pc:picChg>
       </pc:sldChg>
     </pc:docChg>
   </pc:docChgLst>
@@ -531,7 +752,7 @@
           <a:p>
             <a:fld id="{48A87A34-81AB-432B-8DAE-1953F412C126}" type="datetimeFigureOut">
               <a:rPr lang="en-US" dirty="0"/>
-              <a:t>12/2/2018</a:t>
+              <a:t>12/3/2018</a:t>
             </a:fld>
             <a:endParaRPr lang="en-US" dirty="0"/>
           </a:p>
@@ -737,7 +958,7 @@
           <a:p>
             <a:fld id="{48A87A34-81AB-432B-8DAE-1953F412C126}" type="datetimeFigureOut">
               <a:rPr lang="en-US" dirty="0"/>
-              <a:t>12/2/2018</a:t>
+              <a:t>12/3/2018</a:t>
             </a:fld>
             <a:endParaRPr lang="en-US" dirty="0"/>
           </a:p>
@@ -947,7 +1168,7 @@
           <a:p>
             <a:fld id="{48A87A34-81AB-432B-8DAE-1953F412C126}" type="datetimeFigureOut">
               <a:rPr lang="en-US" dirty="0"/>
-              <a:t>12/2/2018</a:t>
+              <a:t>12/3/2018</a:t>
             </a:fld>
             <a:endParaRPr lang="en-US" dirty="0"/>
           </a:p>
@@ -1143,7 +1364,7 @@
           <a:p>
             <a:fld id="{48A87A34-81AB-432B-8DAE-1953F412C126}" type="datetimeFigureOut">
               <a:rPr lang="en-US" dirty="0"/>
-              <a:t>12/2/2018</a:t>
+              <a:t>12/3/2018</a:t>
             </a:fld>
             <a:endParaRPr lang="en-US" dirty="0"/>
           </a:p>
@@ -1417,7 +1638,7 @@
           <a:p>
             <a:fld id="{48A87A34-81AB-432B-8DAE-1953F412C126}" type="datetimeFigureOut">
               <a:rPr lang="en-US" dirty="0"/>
-              <a:t>12/2/2018</a:t>
+              <a:t>12/3/2018</a:t>
             </a:fld>
             <a:endParaRPr lang="en-US" dirty="0"/>
           </a:p>
@@ -1680,7 +1901,7 @@
           <a:p>
             <a:fld id="{48A87A34-81AB-432B-8DAE-1953F412C126}" type="datetimeFigureOut">
               <a:rPr lang="en-US" dirty="0"/>
-              <a:t>12/2/2018</a:t>
+              <a:t>12/3/2018</a:t>
             </a:fld>
             <a:endParaRPr lang="en-US" dirty="0"/>
           </a:p>
@@ -2091,7 +2312,7 @@
           <a:p>
             <a:fld id="{48A87A34-81AB-432B-8DAE-1953F412C126}" type="datetimeFigureOut">
               <a:rPr lang="en-US" dirty="0"/>
-              <a:t>12/2/2018</a:t>
+              <a:t>12/3/2018</a:t>
             </a:fld>
             <a:endParaRPr lang="en-US" dirty="0"/>
           </a:p>
@@ -2235,7 +2456,7 @@
           <a:p>
             <a:fld id="{48A87A34-81AB-432B-8DAE-1953F412C126}" type="datetimeFigureOut">
               <a:rPr lang="en-US" dirty="0"/>
-              <a:t>12/2/2018</a:t>
+              <a:t>12/3/2018</a:t>
             </a:fld>
             <a:endParaRPr lang="en-US" dirty="0"/>
           </a:p>
@@ -2356,7 +2577,7 @@
           <a:p>
             <a:fld id="{48A87A34-81AB-432B-8DAE-1953F412C126}" type="datetimeFigureOut">
               <a:rPr lang="en-US" dirty="0"/>
-              <a:t>12/2/2018</a:t>
+              <a:t>12/3/2018</a:t>
             </a:fld>
             <a:endParaRPr lang="en-US" dirty="0"/>
           </a:p>
@@ -2602,7 +2823,7 @@
           <a:p>
             <a:fld id="{48A87A34-81AB-432B-8DAE-1953F412C126}" type="datetimeFigureOut">
               <a:rPr lang="en-US" dirty="0"/>
-              <a:t>12/2/2018</a:t>
+              <a:t>12/3/2018</a:t>
             </a:fld>
             <a:endParaRPr lang="en-US" dirty="0"/>
           </a:p>
@@ -3043,7 +3264,7 @@
             <a:fld id="{48A87A34-81AB-432B-8DAE-1953F412C126}" type="datetimeFigureOut">
               <a:rPr lang="en-US" dirty="0"/>
               <a:pPr/>
-              <a:t>12/2/2018</a:t>
+              <a:t>12/3/2018</a:t>
             </a:fld>
             <a:endParaRPr lang="en-US" dirty="0"/>
           </a:p>
@@ -3365,7 +3586,7 @@
             <a:fld id="{48A87A34-81AB-432B-8DAE-1953F412C126}" type="datetimeFigureOut">
               <a:rPr lang="en-US" dirty="0"/>
               <a:pPr/>
-              <a:t>12/2/2018</a:t>
+              <a:t>12/3/2018</a:t>
             </a:fld>
             <a:endParaRPr lang="en-US" dirty="0"/>
           </a:p>
@@ -3980,6 +4201,113 @@
       </p:grpSpPr>
       <p:sp>
         <p:nvSpPr>
+          <p:cNvPr id="4" name="Title 3">
+            <a:extLst>
+              <a:ext uri="{FF2B5EF4-FFF2-40B4-BE49-F238E27FC236}">
+                <a16:creationId xmlns:a16="http://schemas.microsoft.com/office/drawing/2014/main" id="{FDFCDD56-5D84-417D-8964-50B3A800B661}"/>
+              </a:ext>
+            </a:extLst>
+          </p:cNvPr>
+          <p:cNvSpPr>
+            <a:spLocks noGrp="1"/>
+          </p:cNvSpPr>
+          <p:nvPr>
+            <p:ph type="title"/>
+          </p:nvPr>
+        </p:nvSpPr>
+        <p:spPr/>
+        <p:txBody>
+          <a:bodyPr/>
+          <a:lstStyle/>
+          <a:p>
+            <a:r>
+              <a:rPr lang="de-CH" dirty="0"/>
+              <a:t>Demo 1: </a:t>
+            </a:r>
+            <a:r>
+              <a:rPr lang="de-CH" dirty="0" err="1"/>
+              <a:t>our</a:t>
+            </a:r>
+            <a:r>
+              <a:rPr lang="de-CH" dirty="0"/>
+              <a:t> </a:t>
+            </a:r>
+            <a:r>
+              <a:rPr lang="de-CH" dirty="0" err="1"/>
+              <a:t>first</a:t>
+            </a:r>
+            <a:r>
+              <a:rPr lang="de-CH" dirty="0"/>
+              <a:t> </a:t>
+            </a:r>
+            <a:r>
+              <a:rPr lang="de-CH" dirty="0" err="1"/>
+              <a:t>test</a:t>
+            </a:r>
+            <a:endParaRPr lang="de-CH" dirty="0"/>
+          </a:p>
+        </p:txBody>
+      </p:sp>
+      <p:sp>
+        <p:nvSpPr>
+          <p:cNvPr id="5" name="Text Placeholder 4">
+            <a:extLst>
+              <a:ext uri="{FF2B5EF4-FFF2-40B4-BE49-F238E27FC236}">
+                <a16:creationId xmlns:a16="http://schemas.microsoft.com/office/drawing/2014/main" id="{01F0F5C7-F1B7-4A7E-8608-D652A5056B5E}"/>
+              </a:ext>
+            </a:extLst>
+          </p:cNvPr>
+          <p:cNvSpPr>
+            <a:spLocks noGrp="1"/>
+          </p:cNvSpPr>
+          <p:nvPr>
+            <p:ph type="body" idx="1"/>
+          </p:nvPr>
+        </p:nvSpPr>
+        <p:spPr/>
+        <p:txBody>
+          <a:bodyPr/>
+          <a:lstStyle/>
+          <a:p>
+            <a:r>
+              <a:rPr lang="de-CH" dirty="0"/>
+              <a:t>Part 1</a:t>
+            </a:r>
+          </a:p>
+        </p:txBody>
+      </p:sp>
+    </p:spTree>
+    <p:extLst>
+      <p:ext uri="{BB962C8B-B14F-4D97-AF65-F5344CB8AC3E}">
+        <p14:creationId xmlns:p14="http://schemas.microsoft.com/office/powerpoint/2010/main" val="1591011643"/>
+      </p:ext>
+    </p:extLst>
+  </p:cSld>
+  <p:clrMapOvr>
+    <a:masterClrMapping/>
+  </p:clrMapOvr>
+</p:sld>
+</file>
+
+<file path=ppt/slides/slide11.xml><?xml version="1.0" encoding="utf-8"?>
+<p:sld xmlns:a="http://schemas.openxmlformats.org/drawingml/2006/main" xmlns:r="http://schemas.openxmlformats.org/officeDocument/2006/relationships" xmlns:p="http://schemas.openxmlformats.org/presentationml/2006/main">
+  <p:cSld>
+    <p:spTree>
+      <p:nvGrpSpPr>
+        <p:cNvPr id="1" name=""/>
+        <p:cNvGrpSpPr/>
+        <p:nvPr/>
+      </p:nvGrpSpPr>
+      <p:grpSpPr>
+        <a:xfrm>
+          <a:off x="0" y="0"/>
+          <a:ext cx="0" cy="0"/>
+          <a:chOff x="0" y="0"/>
+          <a:chExt cx="0" cy="0"/>
+        </a:xfrm>
+      </p:grpSpPr>
+      <p:sp>
+        <p:nvSpPr>
           <p:cNvPr id="2" name="Title 1">
             <a:extLst>
               <a:ext uri="{FF2B5EF4-FFF2-40B4-BE49-F238E27FC236}">
@@ -4097,7 +4425,7 @@
 </p:sld>
 </file>
 
-<file path=ppt/slides/slide11.xml><?xml version="1.0" encoding="utf-8"?>
+<file path=ppt/slides/slide12.xml><?xml version="1.0" encoding="utf-8"?>
 <p:sld xmlns:a="http://schemas.openxmlformats.org/drawingml/2006/main" xmlns:r="http://schemas.openxmlformats.org/officeDocument/2006/relationships" xmlns:p="http://schemas.openxmlformats.org/presentationml/2006/main">
   <p:cSld>
     <p:spTree>
@@ -4207,129 +4535,6 @@
 </p:sld>
 </file>
 
-<file path=ppt/slides/slide12.xml><?xml version="1.0" encoding="utf-8"?>
-<p:sld xmlns:a="http://schemas.openxmlformats.org/drawingml/2006/main" xmlns:r="http://schemas.openxmlformats.org/officeDocument/2006/relationships" xmlns:p="http://schemas.openxmlformats.org/presentationml/2006/main">
-  <p:cSld>
-    <p:spTree>
-      <p:nvGrpSpPr>
-        <p:cNvPr id="1" name=""/>
-        <p:cNvGrpSpPr/>
-        <p:nvPr/>
-      </p:nvGrpSpPr>
-      <p:grpSpPr>
-        <a:xfrm>
-          <a:off x="0" y="0"/>
-          <a:ext cx="0" cy="0"/>
-          <a:chOff x="0" y="0"/>
-          <a:chExt cx="0" cy="0"/>
-        </a:xfrm>
-      </p:grpSpPr>
-      <p:sp>
-        <p:nvSpPr>
-          <p:cNvPr id="2" name="Title 1">
-            <a:extLst>
-              <a:ext uri="{FF2B5EF4-FFF2-40B4-BE49-F238E27FC236}">
-                <a16:creationId xmlns:a16="http://schemas.microsoft.com/office/drawing/2014/main" id="{B1D05C7A-8FE1-4BF9-B74C-97805E246E5C}"/>
-              </a:ext>
-            </a:extLst>
-          </p:cNvPr>
-          <p:cNvSpPr>
-            <a:spLocks noGrp="1"/>
-          </p:cNvSpPr>
-          <p:nvPr>
-            <p:ph type="title"/>
-          </p:nvPr>
-        </p:nvSpPr>
-        <p:spPr/>
-        <p:txBody>
-          <a:bodyPr/>
-          <a:lstStyle/>
-          <a:p>
-            <a:r>
-              <a:rPr lang="de-CH" dirty="0"/>
-              <a:t>Base </a:t>
-            </a:r>
-            <a:r>
-              <a:rPr lang="de-CH" dirty="0" err="1"/>
-              <a:t>keywords</a:t>
-            </a:r>
-            <a:endParaRPr lang="de-CH" dirty="0"/>
-          </a:p>
-        </p:txBody>
-      </p:sp>
-      <p:sp>
-        <p:nvSpPr>
-          <p:cNvPr id="3" name="Content Placeholder 2">
-            <a:extLst>
-              <a:ext uri="{FF2B5EF4-FFF2-40B4-BE49-F238E27FC236}">
-                <a16:creationId xmlns:a16="http://schemas.microsoft.com/office/drawing/2014/main" id="{38928262-4FE0-4238-A8F9-BF445366BECE}"/>
-              </a:ext>
-            </a:extLst>
-          </p:cNvPr>
-          <p:cNvSpPr>
-            <a:spLocks noGrp="1"/>
-          </p:cNvSpPr>
-          <p:nvPr>
-            <p:ph idx="1"/>
-          </p:nvPr>
-        </p:nvSpPr>
-        <p:spPr/>
-        <p:txBody>
-          <a:bodyPr/>
-          <a:lstStyle/>
-          <a:p>
-            <a:r>
-              <a:rPr lang="de-CH" dirty="0" err="1"/>
-              <a:t>Describe</a:t>
-            </a:r>
-            <a:endParaRPr lang="de-CH" dirty="0"/>
-          </a:p>
-          <a:p>
-            <a:r>
-              <a:rPr lang="de-CH" dirty="0"/>
-              <a:t>(</a:t>
-            </a:r>
-            <a:r>
-              <a:rPr lang="de-CH" dirty="0" err="1"/>
-              <a:t>Context</a:t>
-            </a:r>
-            <a:r>
-              <a:rPr lang="de-CH" dirty="0"/>
-              <a:t>)</a:t>
-            </a:r>
-          </a:p>
-          <a:p>
-            <a:r>
-              <a:rPr lang="de-CH" dirty="0" err="1"/>
-              <a:t>It</a:t>
-            </a:r>
-            <a:endParaRPr lang="de-CH" dirty="0"/>
-          </a:p>
-          <a:p>
-            <a:r>
-              <a:rPr lang="de-CH" dirty="0" err="1"/>
-              <a:t>Should</a:t>
-            </a:r>
-            <a:endParaRPr lang="de-CH" dirty="0"/>
-          </a:p>
-          <a:p>
-            <a:endParaRPr lang="de-CH" dirty="0"/>
-          </a:p>
-        </p:txBody>
-      </p:sp>
-    </p:spTree>
-    <p:extLst>
-      <p:ext uri="{BB962C8B-B14F-4D97-AF65-F5344CB8AC3E}">
-        <p14:creationId xmlns:p14="http://schemas.microsoft.com/office/powerpoint/2010/main" val="675756017"/>
-      </p:ext>
-    </p:extLst>
-  </p:cSld>
-  <p:clrMapOvr>
-    <a:masterClrMapping/>
-  </p:clrMapOvr>
-</p:sld>
-</file>
-
 <file path=ppt/slides/slide13.xml><?xml version="1.0" encoding="utf-8"?>
 <p:sld xmlns:a="http://schemas.openxmlformats.org/drawingml/2006/main" xmlns:r="http://schemas.openxmlformats.org/officeDocument/2006/relationships" xmlns:p="http://schemas.openxmlformats.org/presentationml/2006/main">
   <p:cSld>
@@ -4349,10 +4554,10 @@
       </p:grpSpPr>
       <p:sp>
         <p:nvSpPr>
-          <p:cNvPr id="4" name="Title 3">
+          <p:cNvPr id="2" name="Title 1">
             <a:extLst>
               <a:ext uri="{FF2B5EF4-FFF2-40B4-BE49-F238E27FC236}">
-                <a16:creationId xmlns:a16="http://schemas.microsoft.com/office/drawing/2014/main" id="{FDFCDD56-5D84-417D-8964-50B3A800B661}"/>
+                <a16:creationId xmlns:a16="http://schemas.microsoft.com/office/drawing/2014/main" id="{B1D05C7A-8FE1-4BF9-B74C-97805E246E5C}"/>
               </a:ext>
             </a:extLst>
           </p:cNvPr>
@@ -4370,11 +4575,11 @@
           <a:p>
             <a:r>
               <a:rPr lang="de-CH" dirty="0"/>
-              <a:t>Demo2: Syntax </a:t>
-            </a:r>
-            <a:r>
-              <a:rPr lang="de-CH" dirty="0" err="1"/>
-              <a:t>explained</a:t>
+              <a:t>Base </a:t>
+            </a:r>
+            <a:r>
+              <a:rPr lang="de-CH" dirty="0" err="1"/>
+              <a:t>keywords</a:t>
             </a:r>
             <a:endParaRPr lang="de-CH" dirty="0"/>
           </a:p>
@@ -4382,10 +4587,10 @@
       </p:sp>
       <p:sp>
         <p:nvSpPr>
-          <p:cNvPr id="5" name="Text Placeholder 4">
+          <p:cNvPr id="3" name="Content Placeholder 2">
             <a:extLst>
               <a:ext uri="{FF2B5EF4-FFF2-40B4-BE49-F238E27FC236}">
-                <a16:creationId xmlns:a16="http://schemas.microsoft.com/office/drawing/2014/main" id="{01F0F5C7-F1B7-4A7E-8608-D652A5056B5E}"/>
+                <a16:creationId xmlns:a16="http://schemas.microsoft.com/office/drawing/2014/main" id="{38928262-4FE0-4238-A8F9-BF445366BECE}"/>
               </a:ext>
             </a:extLst>
           </p:cNvPr>
@@ -4393,25 +4598,57 @@
             <a:spLocks noGrp="1"/>
           </p:cNvSpPr>
           <p:nvPr>
-            <p:ph type="body" idx="1"/>
-          </p:nvPr>
-        </p:nvSpPr>
-        <p:spPr/>
-        <p:txBody>
-          <a:bodyPr/>
-          <a:lstStyle/>
-          <a:p>
-            <a:r>
-              <a:rPr lang="de-CH" dirty="0"/>
-              <a:t>Part 2</a:t>
-            </a:r>
+            <p:ph idx="1"/>
+          </p:nvPr>
+        </p:nvSpPr>
+        <p:spPr/>
+        <p:txBody>
+          <a:bodyPr/>
+          <a:lstStyle/>
+          <a:p>
+            <a:r>
+              <a:rPr lang="de-CH" dirty="0" err="1"/>
+              <a:t>Describe</a:t>
+            </a:r>
+            <a:endParaRPr lang="de-CH" dirty="0"/>
+          </a:p>
+          <a:p>
+            <a:r>
+              <a:rPr lang="de-CH" dirty="0"/>
+              <a:t>(</a:t>
+            </a:r>
+            <a:r>
+              <a:rPr lang="de-CH" dirty="0" err="1"/>
+              <a:t>Context</a:t>
+            </a:r>
+            <a:r>
+              <a:rPr lang="de-CH" dirty="0"/>
+              <a:t>)</a:t>
+            </a:r>
+          </a:p>
+          <a:p>
+            <a:r>
+              <a:rPr lang="de-CH" dirty="0" err="1"/>
+              <a:t>It</a:t>
+            </a:r>
+            <a:endParaRPr lang="de-CH" dirty="0"/>
+          </a:p>
+          <a:p>
+            <a:r>
+              <a:rPr lang="de-CH" dirty="0" err="1"/>
+              <a:t>Should</a:t>
+            </a:r>
+            <a:endParaRPr lang="de-CH" dirty="0"/>
+          </a:p>
+          <a:p>
+            <a:endParaRPr lang="de-CH" dirty="0"/>
           </a:p>
         </p:txBody>
       </p:sp>
     </p:spTree>
     <p:extLst>
       <p:ext uri="{BB962C8B-B14F-4D97-AF65-F5344CB8AC3E}">
-        <p14:creationId xmlns:p14="http://schemas.microsoft.com/office/powerpoint/2010/main" val="1475319472"/>
+        <p14:creationId xmlns:p14="http://schemas.microsoft.com/office/powerpoint/2010/main" val="675756017"/>
       </p:ext>
     </p:extLst>
   </p:cSld>
@@ -4443,7 +4680,7 @@
           <p:cNvPr id="4" name="Title 3">
             <a:extLst>
               <a:ext uri="{FF2B5EF4-FFF2-40B4-BE49-F238E27FC236}">
-                <a16:creationId xmlns:a16="http://schemas.microsoft.com/office/drawing/2014/main" id="{23B5ACEC-6D65-4944-B6DB-5376AC402641}"/>
+                <a16:creationId xmlns:a16="http://schemas.microsoft.com/office/drawing/2014/main" id="{FDFCDD56-5D84-417D-8964-50B3A800B661}"/>
               </a:ext>
             </a:extLst>
           </p:cNvPr>
@@ -4460,8 +4697,12 @@
           <a:lstStyle/>
           <a:p>
             <a:r>
-              <a:rPr lang="de-CH" dirty="0" err="1"/>
-              <a:t>Assertions</a:t>
+              <a:rPr lang="de-CH" dirty="0"/>
+              <a:t>Demo2: Syntax </a:t>
+            </a:r>
+            <a:r>
+              <a:rPr lang="de-CH" dirty="0" err="1"/>
+              <a:t>explained</a:t>
             </a:r>
             <a:endParaRPr lang="de-CH" dirty="0"/>
           </a:p>
@@ -4469,10 +4710,10 @@
       </p:sp>
       <p:sp>
         <p:nvSpPr>
-          <p:cNvPr id="5" name="Content Placeholder 4">
+          <p:cNvPr id="5" name="Text Placeholder 4">
             <a:extLst>
               <a:ext uri="{FF2B5EF4-FFF2-40B4-BE49-F238E27FC236}">
-                <a16:creationId xmlns:a16="http://schemas.microsoft.com/office/drawing/2014/main" id="{5B338764-D260-43D7-A955-7A89882C53F3}"/>
+                <a16:creationId xmlns:a16="http://schemas.microsoft.com/office/drawing/2014/main" id="{01F0F5C7-F1B7-4A7E-8608-D652A5056B5E}"/>
               </a:ext>
             </a:extLst>
           </p:cNvPr>
@@ -4480,66 +4721,17 @@
             <a:spLocks noGrp="1"/>
           </p:cNvSpPr>
           <p:nvPr>
-            <p:ph idx="1"/>
-          </p:nvPr>
-        </p:nvSpPr>
-        <p:spPr/>
-        <p:txBody>
-          <a:bodyPr/>
-          <a:lstStyle/>
-          <a:p>
-            <a:r>
-              <a:rPr lang="de-CH" dirty="0" err="1"/>
-              <a:t>Should</a:t>
-            </a:r>
-            <a:endParaRPr lang="de-CH" dirty="0"/>
-          </a:p>
-          <a:p>
-            <a:pPr lvl="1"/>
-            <a:r>
-              <a:rPr lang="de-CH" dirty="0"/>
-              <a:t>Be</a:t>
-            </a:r>
-          </a:p>
-          <a:p>
-            <a:pPr lvl="1"/>
-            <a:r>
-              <a:rPr lang="de-CH" dirty="0"/>
-              <a:t>Not Be</a:t>
-            </a:r>
-          </a:p>
-          <a:p>
-            <a:pPr lvl="1"/>
-            <a:r>
-              <a:rPr lang="de-CH" dirty="0" err="1"/>
-              <a:t>BeExactly</a:t>
-            </a:r>
-            <a:endParaRPr lang="de-CH" dirty="0"/>
-          </a:p>
-          <a:p>
-            <a:pPr lvl="1"/>
-            <a:r>
-              <a:rPr lang="de-CH" dirty="0" err="1"/>
-              <a:t>Exist</a:t>
-            </a:r>
-            <a:endParaRPr lang="de-CH" dirty="0"/>
-          </a:p>
-          <a:p>
-            <a:pPr marL="457200" lvl="1" indent="0">
-              <a:buNone/>
-            </a:pPr>
-            <a:endParaRPr lang="de-CH" dirty="0"/>
-          </a:p>
-          <a:p>
-            <a:r>
-              <a:rPr lang="de-CH" dirty="0">
-                <a:hlinkClick r:id="rId2"/>
-              </a:rPr>
-              <a:t>https://github.com/pester/Pester/wiki/Should</a:t>
-            </a:r>
-            <a:r>
-              <a:rPr lang="de-CH" dirty="0"/>
-              <a:t> </a:t>
+            <p:ph type="body" idx="1"/>
+          </p:nvPr>
+        </p:nvSpPr>
+        <p:spPr/>
+        <p:txBody>
+          <a:bodyPr/>
+          <a:lstStyle/>
+          <a:p>
+            <a:r>
+              <a:rPr lang="de-CH" dirty="0"/>
+              <a:t>Part 2</a:t>
             </a:r>
           </a:p>
         </p:txBody>
@@ -4547,7 +4739,7 @@
     </p:spTree>
     <p:extLst>
       <p:ext uri="{BB962C8B-B14F-4D97-AF65-F5344CB8AC3E}">
-        <p14:creationId xmlns:p14="http://schemas.microsoft.com/office/powerpoint/2010/main" val="1773095948"/>
+        <p14:creationId xmlns:p14="http://schemas.microsoft.com/office/powerpoint/2010/main" val="1475319472"/>
       </p:ext>
     </p:extLst>
   </p:cSld>
@@ -4579,6 +4771,142 @@
           <p:cNvPr id="4" name="Title 3">
             <a:extLst>
               <a:ext uri="{FF2B5EF4-FFF2-40B4-BE49-F238E27FC236}">
+                <a16:creationId xmlns:a16="http://schemas.microsoft.com/office/drawing/2014/main" id="{23B5ACEC-6D65-4944-B6DB-5376AC402641}"/>
+              </a:ext>
+            </a:extLst>
+          </p:cNvPr>
+          <p:cNvSpPr>
+            <a:spLocks noGrp="1"/>
+          </p:cNvSpPr>
+          <p:nvPr>
+            <p:ph type="title"/>
+          </p:nvPr>
+        </p:nvSpPr>
+        <p:spPr/>
+        <p:txBody>
+          <a:bodyPr/>
+          <a:lstStyle/>
+          <a:p>
+            <a:r>
+              <a:rPr lang="de-CH" dirty="0" err="1"/>
+              <a:t>Assertions</a:t>
+            </a:r>
+            <a:endParaRPr lang="de-CH" dirty="0"/>
+          </a:p>
+        </p:txBody>
+      </p:sp>
+      <p:sp>
+        <p:nvSpPr>
+          <p:cNvPr id="5" name="Content Placeholder 4">
+            <a:extLst>
+              <a:ext uri="{FF2B5EF4-FFF2-40B4-BE49-F238E27FC236}">
+                <a16:creationId xmlns:a16="http://schemas.microsoft.com/office/drawing/2014/main" id="{5B338764-D260-43D7-A955-7A89882C53F3}"/>
+              </a:ext>
+            </a:extLst>
+          </p:cNvPr>
+          <p:cNvSpPr>
+            <a:spLocks noGrp="1"/>
+          </p:cNvSpPr>
+          <p:nvPr>
+            <p:ph idx="1"/>
+          </p:nvPr>
+        </p:nvSpPr>
+        <p:spPr/>
+        <p:txBody>
+          <a:bodyPr/>
+          <a:lstStyle/>
+          <a:p>
+            <a:r>
+              <a:rPr lang="de-CH" dirty="0" err="1"/>
+              <a:t>Should</a:t>
+            </a:r>
+            <a:endParaRPr lang="de-CH" dirty="0"/>
+          </a:p>
+          <a:p>
+            <a:pPr lvl="1"/>
+            <a:r>
+              <a:rPr lang="de-CH" dirty="0"/>
+              <a:t>Be</a:t>
+            </a:r>
+          </a:p>
+          <a:p>
+            <a:pPr lvl="1"/>
+            <a:r>
+              <a:rPr lang="de-CH" dirty="0"/>
+              <a:t>Not Be</a:t>
+            </a:r>
+          </a:p>
+          <a:p>
+            <a:pPr lvl="1"/>
+            <a:r>
+              <a:rPr lang="de-CH" dirty="0" err="1"/>
+              <a:t>BeExactly</a:t>
+            </a:r>
+            <a:endParaRPr lang="de-CH" dirty="0"/>
+          </a:p>
+          <a:p>
+            <a:pPr lvl="1"/>
+            <a:r>
+              <a:rPr lang="de-CH" dirty="0" err="1"/>
+              <a:t>Exist</a:t>
+            </a:r>
+            <a:endParaRPr lang="de-CH" dirty="0"/>
+          </a:p>
+          <a:p>
+            <a:pPr marL="457200" lvl="1" indent="0">
+              <a:buNone/>
+            </a:pPr>
+            <a:endParaRPr lang="de-CH" dirty="0"/>
+          </a:p>
+          <a:p>
+            <a:r>
+              <a:rPr lang="de-CH" dirty="0">
+                <a:hlinkClick r:id="rId2"/>
+              </a:rPr>
+              <a:t>https://github.com/pester/Pester/wiki/Should</a:t>
+            </a:r>
+            <a:r>
+              <a:rPr lang="de-CH" dirty="0"/>
+              <a:t> </a:t>
+            </a:r>
+          </a:p>
+        </p:txBody>
+      </p:sp>
+    </p:spTree>
+    <p:extLst>
+      <p:ext uri="{BB962C8B-B14F-4D97-AF65-F5344CB8AC3E}">
+        <p14:creationId xmlns:p14="http://schemas.microsoft.com/office/powerpoint/2010/main" val="1773095948"/>
+      </p:ext>
+    </p:extLst>
+  </p:cSld>
+  <p:clrMapOvr>
+    <a:masterClrMapping/>
+  </p:clrMapOvr>
+</p:sld>
+</file>
+
+<file path=ppt/slides/slide16.xml><?xml version="1.0" encoding="utf-8"?>
+<p:sld xmlns:a="http://schemas.openxmlformats.org/drawingml/2006/main" xmlns:r="http://schemas.openxmlformats.org/officeDocument/2006/relationships" xmlns:p="http://schemas.openxmlformats.org/presentationml/2006/main">
+  <p:cSld>
+    <p:spTree>
+      <p:nvGrpSpPr>
+        <p:cNvPr id="1" name=""/>
+        <p:cNvGrpSpPr/>
+        <p:nvPr/>
+      </p:nvGrpSpPr>
+      <p:grpSpPr>
+        <a:xfrm>
+          <a:off x="0" y="0"/>
+          <a:ext cx="0" cy="0"/>
+          <a:chOff x="0" y="0"/>
+          <a:chExt cx="0" cy="0"/>
+        </a:xfrm>
+      </p:grpSpPr>
+      <p:sp>
+        <p:nvSpPr>
+          <p:cNvPr id="4" name="Title 3">
+            <a:extLst>
+              <a:ext uri="{FF2B5EF4-FFF2-40B4-BE49-F238E27FC236}">
                 <a16:creationId xmlns:a16="http://schemas.microsoft.com/office/drawing/2014/main" id="{53B64487-3008-4FFB-B79C-5B70D08F6908}"/>
               </a:ext>
             </a:extLst>
@@ -4643,7 +4971,7 @@
 </p:sld>
 </file>
 
-<file path=ppt/slides/slide16.xml><?xml version="1.0" encoding="utf-8"?>
+<file path=ppt/slides/slide17.xml><?xml version="1.0" encoding="utf-8"?>
 <p:sld xmlns:a="http://schemas.openxmlformats.org/drawingml/2006/main" xmlns:r="http://schemas.openxmlformats.org/officeDocument/2006/relationships" xmlns:p="http://schemas.openxmlformats.org/presentationml/2006/main">
   <p:cSld>
     <p:spTree>
@@ -4738,7 +5066,7 @@
 </p:sld>
 </file>
 
-<file path=ppt/slides/slide17.xml><?xml version="1.0" encoding="utf-8"?>
+<file path=ppt/slides/slide18.xml><?xml version="1.0" encoding="utf-8"?>
 <p:sld xmlns:a="http://schemas.openxmlformats.org/drawingml/2006/main" xmlns:r="http://schemas.openxmlformats.org/officeDocument/2006/relationships" xmlns:p="http://schemas.openxmlformats.org/presentationml/2006/main">
   <p:cSld>
     <p:spTree>
@@ -4996,7 +5324,7 @@
 </p:sld>
 </file>
 
-<file path=ppt/slides/slide18.xml><?xml version="1.0" encoding="utf-8"?>
+<file path=ppt/slides/slide19.xml><?xml version="1.0" encoding="utf-8"?>
 <p:sld xmlns:a="http://schemas.openxmlformats.org/drawingml/2006/main" xmlns:r="http://schemas.openxmlformats.org/officeDocument/2006/relationships" xmlns:p="http://schemas.openxmlformats.org/presentationml/2006/main">
   <p:cSld>
     <p:spTree>
@@ -5196,90 +5524,6 @@
 </p:sld>
 </file>
 
-<file path=ppt/slides/slide19.xml><?xml version="1.0" encoding="utf-8"?>
-<p:sld xmlns:a="http://schemas.openxmlformats.org/drawingml/2006/main" xmlns:r="http://schemas.openxmlformats.org/officeDocument/2006/relationships" xmlns:p="http://schemas.openxmlformats.org/presentationml/2006/main">
-  <p:cSld>
-    <p:spTree>
-      <p:nvGrpSpPr>
-        <p:cNvPr id="1" name=""/>
-        <p:cNvGrpSpPr/>
-        <p:nvPr/>
-      </p:nvGrpSpPr>
-      <p:grpSpPr>
-        <a:xfrm>
-          <a:off x="0" y="0"/>
-          <a:ext cx="0" cy="0"/>
-          <a:chOff x="0" y="0"/>
-          <a:chExt cx="0" cy="0"/>
-        </a:xfrm>
-      </p:grpSpPr>
-      <p:sp>
-        <p:nvSpPr>
-          <p:cNvPr id="7" name="Title 6">
-            <a:extLst>
-              <a:ext uri="{FF2B5EF4-FFF2-40B4-BE49-F238E27FC236}">
-                <a16:creationId xmlns:a16="http://schemas.microsoft.com/office/drawing/2014/main" id="{605E91A8-E3BC-477F-8F41-4C28D646C352}"/>
-              </a:ext>
-            </a:extLst>
-          </p:cNvPr>
-          <p:cNvSpPr>
-            <a:spLocks noGrp="1"/>
-          </p:cNvSpPr>
-          <p:nvPr>
-            <p:ph type="title"/>
-          </p:nvPr>
-        </p:nvSpPr>
-        <p:spPr/>
-        <p:txBody>
-          <a:bodyPr/>
-          <a:lstStyle/>
-          <a:p>
-            <a:r>
-              <a:rPr lang="de-CH" dirty="0" err="1"/>
-              <a:t>Discussion</a:t>
-            </a:r>
-            <a:endParaRPr lang="de-CH" dirty="0"/>
-          </a:p>
-        </p:txBody>
-      </p:sp>
-      <p:sp>
-        <p:nvSpPr>
-          <p:cNvPr id="8" name="Text Placeholder 7">
-            <a:extLst>
-              <a:ext uri="{FF2B5EF4-FFF2-40B4-BE49-F238E27FC236}">
-                <a16:creationId xmlns:a16="http://schemas.microsoft.com/office/drawing/2014/main" id="{3F352BAD-75E2-40AB-A294-521DC8602414}"/>
-              </a:ext>
-            </a:extLst>
-          </p:cNvPr>
-          <p:cNvSpPr>
-            <a:spLocks noGrp="1"/>
-          </p:cNvSpPr>
-          <p:nvPr>
-            <p:ph type="body" idx="1"/>
-          </p:nvPr>
-        </p:nvSpPr>
-        <p:spPr/>
-        <p:txBody>
-          <a:bodyPr/>
-          <a:lstStyle/>
-          <a:p>
-            <a:endParaRPr lang="de-CH" dirty="0"/>
-          </a:p>
-        </p:txBody>
-      </p:sp>
-    </p:spTree>
-    <p:extLst>
-      <p:ext uri="{BB962C8B-B14F-4D97-AF65-F5344CB8AC3E}">
-        <p14:creationId xmlns:p14="http://schemas.microsoft.com/office/powerpoint/2010/main" val="3013096160"/>
-      </p:ext>
-    </p:extLst>
-  </p:cSld>
-  <p:clrMapOvr>
-    <a:masterClrMapping/>
-  </p:clrMapOvr>
-</p:sld>
-</file>
-
 <file path=ppt/slides/slide2.xml><?xml version="1.0" encoding="utf-8"?>
 <p:sld xmlns:a="http://schemas.openxmlformats.org/drawingml/2006/main" xmlns:r="http://schemas.openxmlformats.org/officeDocument/2006/relationships" xmlns:p="http://schemas.openxmlformats.org/presentationml/2006/main">
   <p:cSld>
@@ -5302,7 +5546,7 @@
           <p:cNvPr id="2" name="Title 1">
             <a:extLst>
               <a:ext uri="{FF2B5EF4-FFF2-40B4-BE49-F238E27FC236}">
-                <a16:creationId xmlns:a16="http://schemas.microsoft.com/office/drawing/2014/main" id="{CEA73142-9959-4320-9017-D450680562F6}"/>
+                <a16:creationId xmlns:a16="http://schemas.microsoft.com/office/drawing/2014/main" id="{F18AA15F-21B1-42BC-A300-1947528C2538}"/>
               </a:ext>
             </a:extLst>
           </p:cNvPr>
@@ -5319,29 +5563,14 @@
           <a:lstStyle/>
           <a:p>
             <a:r>
-              <a:rPr lang="de-CH" dirty="0" err="1"/>
-              <a:t>What</a:t>
-            </a:r>
-            <a:r>
-              <a:rPr lang="de-CH" dirty="0"/>
-              <a:t> </a:t>
-            </a:r>
-            <a:r>
-              <a:rPr lang="de-CH" dirty="0" err="1"/>
-              <a:t>is</a:t>
-            </a:r>
-            <a:r>
-              <a:rPr lang="de-CH" dirty="0"/>
-              <a:t> a </a:t>
-            </a:r>
-            <a:r>
-              <a:rPr lang="de-CH" dirty="0" err="1"/>
-              <a:t>test</a:t>
-            </a:r>
-            <a:r>
-              <a:rPr lang="de-CH" dirty="0"/>
-              <a:t>?</a:t>
-            </a:r>
+              <a:rPr lang="de-CH" dirty="0"/>
+              <a:t>Stephane van </a:t>
+            </a:r>
+            <a:r>
+              <a:rPr lang="de-CH" dirty="0" err="1"/>
+              <a:t>gulick</a:t>
+            </a:r>
+            <a:endParaRPr lang="de-CH" dirty="0"/>
           </a:p>
         </p:txBody>
       </p:sp>
@@ -5350,7 +5579,7 @@
           <p:cNvPr id="3" name="Content Placeholder 2">
             <a:extLst>
               <a:ext uri="{FF2B5EF4-FFF2-40B4-BE49-F238E27FC236}">
-                <a16:creationId xmlns:a16="http://schemas.microsoft.com/office/drawing/2014/main" id="{55C94D3D-2F63-48AD-9D14-56C5060611FF}"/>
+                <a16:creationId xmlns:a16="http://schemas.microsoft.com/office/drawing/2014/main" id="{A7E8CA93-811B-47BD-9292-EE58F1646AFF}"/>
               </a:ext>
             </a:extLst>
           </p:cNvPr>
@@ -5361,30 +5590,79 @@
             <p:ph idx="1"/>
           </p:nvPr>
         </p:nvSpPr>
-        <p:spPr/>
-        <p:txBody>
-          <a:bodyPr/>
-          <a:lstStyle/>
-          <a:p>
-            <a:r>
-              <a:rPr lang="de-CH" dirty="0"/>
-              <a:t>A </a:t>
-            </a:r>
-            <a:r>
-              <a:rPr lang="de-CH" dirty="0" err="1"/>
-              <a:t>test</a:t>
-            </a:r>
-            <a:r>
-              <a:rPr lang="de-CH" dirty="0"/>
-              <a:t> </a:t>
-            </a:r>
-            <a:r>
-              <a:rPr lang="de-CH" dirty="0" err="1"/>
-              <a:t>is</a:t>
-            </a:r>
-            <a:r>
-              <a:rPr lang="de-CH" dirty="0"/>
-              <a:t> a block </a:t>
+        <p:spPr>
+          <a:xfrm>
+            <a:off x="1451579" y="2015732"/>
+            <a:ext cx="5764767" cy="3450613"/>
+          </a:xfrm>
+        </p:spPr>
+        <p:txBody>
+          <a:bodyPr>
+            <a:normAutofit lnSpcReduction="10000"/>
+          </a:bodyPr>
+          <a:lstStyle/>
+          <a:p>
+            <a:r>
+              <a:rPr lang="de-CH" dirty="0"/>
+              <a:t>Cloud &amp; Datacenter Management MVP (</a:t>
+            </a:r>
+            <a:r>
+              <a:rPr lang="de-CH" dirty="0" err="1"/>
+              <a:t>Powershell</a:t>
+            </a:r>
+            <a:r>
+              <a:rPr lang="de-CH" dirty="0"/>
+              <a:t>)</a:t>
+            </a:r>
+          </a:p>
+          <a:p>
+            <a:r>
+              <a:rPr lang="de-CH" dirty="0" err="1"/>
+              <a:t>My</a:t>
+            </a:r>
+            <a:r>
+              <a:rPr lang="de-CH" dirty="0"/>
+              <a:t> Open </a:t>
+            </a:r>
+            <a:r>
+              <a:rPr lang="de-CH" dirty="0" err="1"/>
+              <a:t>Sourced</a:t>
+            </a:r>
+            <a:r>
+              <a:rPr lang="de-CH" dirty="0"/>
+              <a:t> </a:t>
+            </a:r>
+            <a:r>
+              <a:rPr lang="de-CH" dirty="0" err="1"/>
+              <a:t>projects</a:t>
+            </a:r>
+            <a:endParaRPr lang="de-CH" dirty="0"/>
+          </a:p>
+          <a:p>
+            <a:pPr lvl="1"/>
+            <a:r>
+              <a:rPr lang="de-CH" dirty="0">
+                <a:hlinkClick r:id="rId2"/>
+              </a:rPr>
+              <a:t>https://github.com/Stephanevg/</a:t>
+            </a:r>
+            <a:r>
+              <a:rPr lang="de-CH" dirty="0"/>
+              <a:t> </a:t>
+            </a:r>
+          </a:p>
+          <a:p>
+            <a:r>
+              <a:rPr lang="de-CH" dirty="0"/>
+              <a:t>Co-</a:t>
+            </a:r>
+            <a:r>
+              <a:rPr lang="de-CH" dirty="0" err="1"/>
+              <a:t>founder</a:t>
+            </a:r>
+            <a:r>
+              <a:rPr lang="de-CH" dirty="0"/>
+              <a:t> </a:t>
             </a:r>
             <a:r>
               <a:rPr lang="de-CH" dirty="0" err="1"/>
@@ -5392,183 +5670,187 @@
             </a:r>
             <a:r>
               <a:rPr lang="de-CH" dirty="0"/>
-              <a:t> code </a:t>
-            </a:r>
-            <a:r>
-              <a:rPr lang="de-CH" dirty="0" err="1"/>
-              <a:t>that</a:t>
-            </a:r>
-            <a:r>
-              <a:rPr lang="de-CH" dirty="0"/>
-              <a:t>:</a:t>
+              <a:t> </a:t>
+            </a:r>
+            <a:r>
+              <a:rPr lang="de-CH" dirty="0" err="1"/>
+              <a:t>the</a:t>
+            </a:r>
+            <a:r>
+              <a:rPr lang="de-CH" dirty="0"/>
+              <a:t> FRPSUG </a:t>
             </a:r>
           </a:p>
           <a:p>
             <a:pPr lvl="1"/>
             <a:r>
-              <a:rPr lang="de-CH" dirty="0" err="1"/>
-              <a:t>Allows</a:t>
-            </a:r>
-            <a:r>
-              <a:rPr lang="de-CH" dirty="0"/>
-              <a:t> </a:t>
-            </a:r>
-            <a:r>
-              <a:rPr lang="de-CH" dirty="0" err="1"/>
-              <a:t>to</a:t>
-            </a:r>
-            <a:r>
-              <a:rPr lang="de-CH" dirty="0"/>
-              <a:t> </a:t>
-            </a:r>
-            <a:r>
-              <a:rPr lang="de-CH" dirty="0" err="1"/>
-              <a:t>validate</a:t>
-            </a:r>
-            <a:r>
-              <a:rPr lang="de-CH" dirty="0"/>
-              <a:t> a </a:t>
-            </a:r>
-            <a:r>
-              <a:rPr lang="de-CH" dirty="0" err="1"/>
-              <a:t>given</a:t>
-            </a:r>
-            <a:r>
-              <a:rPr lang="de-CH" dirty="0"/>
-              <a:t> </a:t>
-            </a:r>
-            <a:r>
-              <a:rPr lang="de-CH" dirty="0" err="1"/>
-              <a:t>situation</a:t>
-            </a:r>
-            <a:r>
-              <a:rPr lang="de-CH" dirty="0"/>
-              <a:t> / </a:t>
-            </a:r>
-            <a:r>
-              <a:rPr lang="de-CH" dirty="0" err="1"/>
-              <a:t>state</a:t>
-            </a:r>
-            <a:endParaRPr lang="de-CH" dirty="0"/>
+              <a:rPr lang="de-CH" dirty="0">
+                <a:hlinkClick r:id="rId3"/>
+              </a:rPr>
+              <a:t>https://frpsug.github.io/</a:t>
+            </a:r>
+            <a:r>
+              <a:rPr lang="de-CH" dirty="0"/>
+              <a:t> </a:t>
+            </a:r>
+          </a:p>
+          <a:p>
+            <a:r>
+              <a:rPr lang="de-CH" dirty="0" err="1"/>
+              <a:t>Founder</a:t>
+            </a:r>
+            <a:r>
+              <a:rPr lang="de-CH" dirty="0"/>
+              <a:t> </a:t>
+            </a:r>
+            <a:r>
+              <a:rPr lang="de-CH" dirty="0" err="1"/>
+              <a:t>of</a:t>
+            </a:r>
+            <a:r>
+              <a:rPr lang="de-CH" dirty="0"/>
+              <a:t> BPUG</a:t>
+            </a:r>
           </a:p>
           <a:p>
             <a:pPr lvl="1"/>
             <a:r>
-              <a:rPr lang="de-CH" dirty="0" err="1"/>
-              <a:t>Is</a:t>
-            </a:r>
-            <a:r>
-              <a:rPr lang="de-CH" dirty="0"/>
-              <a:t> not </a:t>
-            </a:r>
-            <a:r>
-              <a:rPr lang="de-CH" dirty="0" err="1"/>
-              <a:t>something</a:t>
-            </a:r>
-            <a:r>
-              <a:rPr lang="de-CH" dirty="0"/>
-              <a:t> </a:t>
-            </a:r>
-            <a:r>
-              <a:rPr lang="de-CH" dirty="0" err="1"/>
-              <a:t>that</a:t>
-            </a:r>
-            <a:r>
-              <a:rPr lang="de-CH" dirty="0"/>
-              <a:t> </a:t>
-            </a:r>
-            <a:r>
-              <a:rPr lang="de-CH" dirty="0" err="1"/>
-              <a:t>has</a:t>
-            </a:r>
-            <a:r>
-              <a:rPr lang="de-CH" dirty="0"/>
-              <a:t> </a:t>
-            </a:r>
-            <a:r>
-              <a:rPr lang="de-CH" dirty="0" err="1"/>
-              <a:t>to</a:t>
-            </a:r>
-            <a:r>
-              <a:rPr lang="de-CH" dirty="0"/>
-              <a:t> </a:t>
-            </a:r>
-            <a:r>
-              <a:rPr lang="de-CH" dirty="0" err="1"/>
-              <a:t>be</a:t>
-            </a:r>
-            <a:r>
-              <a:rPr lang="de-CH" dirty="0"/>
-              <a:t> </a:t>
-            </a:r>
-            <a:r>
-              <a:rPr lang="de-CH" dirty="0" err="1"/>
-              <a:t>automatic</a:t>
-            </a:r>
-            <a:endParaRPr lang="de-CH" dirty="0"/>
-          </a:p>
-          <a:p>
-            <a:pPr lvl="1"/>
-            <a:r>
-              <a:rPr lang="de-CH" dirty="0" err="1"/>
-              <a:t>Allows</a:t>
-            </a:r>
-            <a:r>
-              <a:rPr lang="de-CH" dirty="0"/>
-              <a:t> </a:t>
-            </a:r>
-            <a:r>
-              <a:rPr lang="de-CH" dirty="0" err="1"/>
-              <a:t>to</a:t>
-            </a:r>
-            <a:r>
-              <a:rPr lang="de-CH" dirty="0"/>
-              <a:t> </a:t>
-            </a:r>
-            <a:r>
-              <a:rPr lang="de-CH" dirty="0" err="1"/>
-              <a:t>build</a:t>
-            </a:r>
-            <a:r>
-              <a:rPr lang="de-CH" dirty="0"/>
-              <a:t> </a:t>
-            </a:r>
-            <a:r>
-              <a:rPr lang="de-CH" b="1" dirty="0" err="1"/>
-              <a:t>trust</a:t>
-            </a:r>
-            <a:endParaRPr lang="de-CH" dirty="0"/>
-          </a:p>
-          <a:p>
-            <a:pPr lvl="1"/>
-            <a:r>
-              <a:rPr lang="de-CH" dirty="0" err="1"/>
-              <a:t>Basically</a:t>
-            </a:r>
-            <a:r>
-              <a:rPr lang="de-CH" dirty="0"/>
-              <a:t> </a:t>
-            </a:r>
-            <a:r>
-              <a:rPr lang="de-CH" dirty="0" err="1"/>
-              <a:t>returns</a:t>
-            </a:r>
-            <a:r>
-              <a:rPr lang="de-CH" dirty="0"/>
-              <a:t>: $True / $</a:t>
-            </a:r>
-            <a:r>
-              <a:rPr lang="de-CH" dirty="0" err="1"/>
-              <a:t>False</a:t>
-            </a:r>
-            <a:endParaRPr lang="de-CH" dirty="0"/>
-          </a:p>
-        </p:txBody>
-      </p:sp>
+              <a:rPr lang="de-CH" dirty="0">
+                <a:hlinkClick r:id="rId4"/>
+              </a:rPr>
+              <a:t>http://www.bpug.ch/</a:t>
+            </a:r>
+            <a:r>
+              <a:rPr lang="de-CH" dirty="0"/>
+              <a:t> </a:t>
+            </a:r>
+          </a:p>
+        </p:txBody>
+      </p:sp>
+      <p:pic>
+        <p:nvPicPr>
+          <p:cNvPr id="4" name="Picture 3">
+            <a:extLst>
+              <a:ext uri="{FF2B5EF4-FFF2-40B4-BE49-F238E27FC236}">
+                <a16:creationId xmlns:a16="http://schemas.microsoft.com/office/drawing/2014/main" id="{00C6AE06-BDE9-49A1-9DC4-106DC0C0EE34}"/>
+              </a:ext>
+            </a:extLst>
+          </p:cNvPr>
+          <p:cNvPicPr>
+            <a:picLocks noChangeAspect="1"/>
+          </p:cNvPicPr>
+          <p:nvPr/>
+        </p:nvPicPr>
+        <p:blipFill>
+          <a:blip r:embed="rId5"/>
+          <a:stretch>
+            <a:fillRect/>
+          </a:stretch>
+        </p:blipFill>
+        <p:spPr>
+          <a:xfrm>
+            <a:off x="7386123" y="2122916"/>
+            <a:ext cx="2181225" cy="2200275"/>
+          </a:xfrm>
+          <a:prstGeom prst="rect">
+            <a:avLst/>
+          </a:prstGeom>
+        </p:spPr>
+      </p:pic>
+      <p:pic>
+        <p:nvPicPr>
+          <p:cNvPr id="5" name="Picture 4">
+            <a:extLst>
+              <a:ext uri="{FF2B5EF4-FFF2-40B4-BE49-F238E27FC236}">
+                <a16:creationId xmlns:a16="http://schemas.microsoft.com/office/drawing/2014/main" id="{B69B1E26-4F7A-4372-8174-F8956486BBB4}"/>
+              </a:ext>
+            </a:extLst>
+          </p:cNvPr>
+          <p:cNvPicPr>
+            <a:picLocks noChangeAspect="1"/>
+          </p:cNvPicPr>
+          <p:nvPr/>
+        </p:nvPicPr>
+        <p:blipFill>
+          <a:blip r:embed="rId6"/>
+          <a:stretch>
+            <a:fillRect/>
+          </a:stretch>
+        </p:blipFill>
+        <p:spPr>
+          <a:xfrm>
+            <a:off x="9855286" y="5309826"/>
+            <a:ext cx="1315127" cy="524880"/>
+          </a:xfrm>
+          <a:prstGeom prst="rect">
+            <a:avLst/>
+          </a:prstGeom>
+        </p:spPr>
+      </p:pic>
+      <p:pic>
+        <p:nvPicPr>
+          <p:cNvPr id="7" name="Picture 6">
+            <a:extLst>
+              <a:ext uri="{FF2B5EF4-FFF2-40B4-BE49-F238E27FC236}">
+                <a16:creationId xmlns:a16="http://schemas.microsoft.com/office/drawing/2014/main" id="{2227DD59-5601-42E4-9289-8D4EF0E4F9E4}"/>
+              </a:ext>
+            </a:extLst>
+          </p:cNvPr>
+          <p:cNvPicPr>
+            <a:picLocks noChangeAspect="1"/>
+          </p:cNvPicPr>
+          <p:nvPr/>
+        </p:nvPicPr>
+        <p:blipFill>
+          <a:blip r:embed="rId7"/>
+          <a:stretch>
+            <a:fillRect/>
+          </a:stretch>
+        </p:blipFill>
+        <p:spPr>
+          <a:xfrm>
+            <a:off x="7902102" y="5387546"/>
+            <a:ext cx="1693787" cy="447160"/>
+          </a:xfrm>
+          <a:prstGeom prst="rect">
+            <a:avLst/>
+          </a:prstGeom>
+        </p:spPr>
+      </p:pic>
+      <p:pic>
+        <p:nvPicPr>
+          <p:cNvPr id="9" name="Picture 8">
+            <a:extLst>
+              <a:ext uri="{FF2B5EF4-FFF2-40B4-BE49-F238E27FC236}">
+                <a16:creationId xmlns:a16="http://schemas.microsoft.com/office/drawing/2014/main" id="{69172465-A19C-46A5-A9EF-A6EEC6022FCD}"/>
+              </a:ext>
+            </a:extLst>
+          </p:cNvPr>
+          <p:cNvPicPr>
+            <a:picLocks noChangeAspect="1"/>
+          </p:cNvPicPr>
+          <p:nvPr/>
+        </p:nvPicPr>
+        <p:blipFill>
+          <a:blip r:embed="rId8"/>
+          <a:stretch>
+            <a:fillRect/>
+          </a:stretch>
+        </p:blipFill>
+        <p:spPr>
+          <a:xfrm>
+            <a:off x="6461887" y="4736757"/>
+            <a:ext cx="1090703" cy="1153151"/>
+          </a:xfrm>
+          <a:prstGeom prst="rect">
+            <a:avLst/>
+          </a:prstGeom>
+        </p:spPr>
+      </p:pic>
     </p:spTree>
     <p:extLst>
       <p:ext uri="{BB962C8B-B14F-4D97-AF65-F5344CB8AC3E}">
-        <p14:creationId xmlns:p14="http://schemas.microsoft.com/office/powerpoint/2010/main" val="3607447907"/>
+        <p14:creationId xmlns:p14="http://schemas.microsoft.com/office/powerpoint/2010/main" val="3816756964"/>
       </p:ext>
     </p:extLst>
   </p:cSld>
@@ -5597,10 +5879,10 @@
       </p:grpSpPr>
       <p:sp>
         <p:nvSpPr>
-          <p:cNvPr id="2" name="Title 1">
+          <p:cNvPr id="7" name="Title 6">
             <a:extLst>
               <a:ext uri="{FF2B5EF4-FFF2-40B4-BE49-F238E27FC236}">
-                <a16:creationId xmlns:a16="http://schemas.microsoft.com/office/drawing/2014/main" id="{FBC10BD2-2DF5-4D94-AFD6-ED4EF04B7655}"/>
+                <a16:creationId xmlns:a16="http://schemas.microsoft.com/office/drawing/2014/main" id="{605E91A8-E3BC-477F-8F41-4C28D646C352}"/>
               </a:ext>
             </a:extLst>
           </p:cNvPr>
@@ -5618,23 +5900,7 @@
           <a:p>
             <a:r>
               <a:rPr lang="de-CH" dirty="0" err="1"/>
-              <a:t>Advanced</a:t>
-            </a:r>
-            <a:r>
-              <a:rPr lang="de-CH" dirty="0"/>
-              <a:t> </a:t>
-            </a:r>
-            <a:r>
-              <a:rPr lang="de-CH" dirty="0" err="1"/>
-              <a:t>Pester</a:t>
-            </a:r>
-            <a:r>
-              <a:rPr lang="de-CH" dirty="0"/>
-              <a:t> </a:t>
-            </a:r>
-            <a:r>
-              <a:rPr lang="de-CH" dirty="0" err="1"/>
-              <a:t>concepts</a:t>
+              <a:t>Discussion</a:t>
             </a:r>
             <a:endParaRPr lang="de-CH" dirty="0"/>
           </a:p>
@@ -5642,10 +5908,10 @@
       </p:sp>
       <p:sp>
         <p:nvSpPr>
-          <p:cNvPr id="3" name="Text Placeholder 2">
+          <p:cNvPr id="8" name="Text Placeholder 7">
             <a:extLst>
               <a:ext uri="{FF2B5EF4-FFF2-40B4-BE49-F238E27FC236}">
-                <a16:creationId xmlns:a16="http://schemas.microsoft.com/office/drawing/2014/main" id="{9D3ABB81-2D9A-401A-B4AC-5D39DD0EB0E8}"/>
+                <a16:creationId xmlns:a16="http://schemas.microsoft.com/office/drawing/2014/main" id="{3F352BAD-75E2-40AB-A294-521DC8602414}"/>
               </a:ext>
             </a:extLst>
           </p:cNvPr>
@@ -5661,10 +5927,6 @@
           <a:bodyPr/>
           <a:lstStyle/>
           <a:p>
-            <a:r>
-              <a:rPr lang="de-CH" dirty="0" err="1"/>
-              <a:t>TestDrive</a:t>
-            </a:r>
             <a:endParaRPr lang="de-CH" dirty="0"/>
           </a:p>
         </p:txBody>
@@ -5672,7 +5934,7 @@
     </p:spTree>
     <p:extLst>
       <p:ext uri="{BB962C8B-B14F-4D97-AF65-F5344CB8AC3E}">
-        <p14:creationId xmlns:p14="http://schemas.microsoft.com/office/powerpoint/2010/main" val="887494177"/>
+        <p14:creationId xmlns:p14="http://schemas.microsoft.com/office/powerpoint/2010/main" val="3013096160"/>
       </p:ext>
     </p:extLst>
   </p:cSld>
@@ -5704,6 +5966,110 @@
           <p:cNvPr id="2" name="Title 1">
             <a:extLst>
               <a:ext uri="{FF2B5EF4-FFF2-40B4-BE49-F238E27FC236}">
+                <a16:creationId xmlns:a16="http://schemas.microsoft.com/office/drawing/2014/main" id="{FBC10BD2-2DF5-4D94-AFD6-ED4EF04B7655}"/>
+              </a:ext>
+            </a:extLst>
+          </p:cNvPr>
+          <p:cNvSpPr>
+            <a:spLocks noGrp="1"/>
+          </p:cNvSpPr>
+          <p:nvPr>
+            <p:ph type="title"/>
+          </p:nvPr>
+        </p:nvSpPr>
+        <p:spPr/>
+        <p:txBody>
+          <a:bodyPr/>
+          <a:lstStyle/>
+          <a:p>
+            <a:r>
+              <a:rPr lang="de-CH" dirty="0" err="1"/>
+              <a:t>Advanced</a:t>
+            </a:r>
+            <a:r>
+              <a:rPr lang="de-CH" dirty="0"/>
+              <a:t> </a:t>
+            </a:r>
+            <a:r>
+              <a:rPr lang="de-CH" dirty="0" err="1"/>
+              <a:t>Pester</a:t>
+            </a:r>
+            <a:r>
+              <a:rPr lang="de-CH" dirty="0"/>
+              <a:t> </a:t>
+            </a:r>
+            <a:r>
+              <a:rPr lang="de-CH" dirty="0" err="1"/>
+              <a:t>concepts</a:t>
+            </a:r>
+            <a:endParaRPr lang="de-CH" dirty="0"/>
+          </a:p>
+        </p:txBody>
+      </p:sp>
+      <p:sp>
+        <p:nvSpPr>
+          <p:cNvPr id="3" name="Text Placeholder 2">
+            <a:extLst>
+              <a:ext uri="{FF2B5EF4-FFF2-40B4-BE49-F238E27FC236}">
+                <a16:creationId xmlns:a16="http://schemas.microsoft.com/office/drawing/2014/main" id="{9D3ABB81-2D9A-401A-B4AC-5D39DD0EB0E8}"/>
+              </a:ext>
+            </a:extLst>
+          </p:cNvPr>
+          <p:cNvSpPr>
+            <a:spLocks noGrp="1"/>
+          </p:cNvSpPr>
+          <p:nvPr>
+            <p:ph type="body" idx="1"/>
+          </p:nvPr>
+        </p:nvSpPr>
+        <p:spPr/>
+        <p:txBody>
+          <a:bodyPr/>
+          <a:lstStyle/>
+          <a:p>
+            <a:r>
+              <a:rPr lang="de-CH" dirty="0" err="1"/>
+              <a:t>TestDrive</a:t>
+            </a:r>
+            <a:endParaRPr lang="de-CH" dirty="0"/>
+          </a:p>
+        </p:txBody>
+      </p:sp>
+    </p:spTree>
+    <p:extLst>
+      <p:ext uri="{BB962C8B-B14F-4D97-AF65-F5344CB8AC3E}">
+        <p14:creationId xmlns:p14="http://schemas.microsoft.com/office/powerpoint/2010/main" val="887494177"/>
+      </p:ext>
+    </p:extLst>
+  </p:cSld>
+  <p:clrMapOvr>
+    <a:masterClrMapping/>
+  </p:clrMapOvr>
+</p:sld>
+</file>
+
+<file path=ppt/slides/slide22.xml><?xml version="1.0" encoding="utf-8"?>
+<p:sld xmlns:a="http://schemas.openxmlformats.org/drawingml/2006/main" xmlns:r="http://schemas.openxmlformats.org/officeDocument/2006/relationships" xmlns:p="http://schemas.openxmlformats.org/presentationml/2006/main">
+  <p:cSld>
+    <p:spTree>
+      <p:nvGrpSpPr>
+        <p:cNvPr id="1" name=""/>
+        <p:cNvGrpSpPr/>
+        <p:nvPr/>
+      </p:nvGrpSpPr>
+      <p:grpSpPr>
+        <a:xfrm>
+          <a:off x="0" y="0"/>
+          <a:ext cx="0" cy="0"/>
+          <a:chOff x="0" y="0"/>
+          <a:chExt cx="0" cy="0"/>
+        </a:xfrm>
+      </p:grpSpPr>
+      <p:sp>
+        <p:nvSpPr>
+          <p:cNvPr id="2" name="Title 1">
+            <a:extLst>
+              <a:ext uri="{FF2B5EF4-FFF2-40B4-BE49-F238E27FC236}">
                 <a16:creationId xmlns:a16="http://schemas.microsoft.com/office/drawing/2014/main" id="{38D9F653-9477-45EE-B605-5E7AD119EC8F}"/>
               </a:ext>
             </a:extLst>
@@ -5773,7 +6139,7 @@
 </p:sld>
 </file>
 
-<file path=ppt/slides/slide22.xml><?xml version="1.0" encoding="utf-8"?>
+<file path=ppt/slides/slide23.xml><?xml version="1.0" encoding="utf-8"?>
 <p:sld xmlns:a="http://schemas.openxmlformats.org/drawingml/2006/main" xmlns:r="http://schemas.openxmlformats.org/officeDocument/2006/relationships" xmlns:p="http://schemas.openxmlformats.org/presentationml/2006/main">
   <p:cSld>
     <p:spTree>
@@ -5868,7 +6234,7 @@
 </p:sld>
 </file>
 
-<file path=ppt/slides/slide23.xml><?xml version="1.0" encoding="utf-8"?>
+<file path=ppt/slides/slide24.xml><?xml version="1.0" encoding="utf-8"?>
 <p:sld xmlns:a="http://schemas.openxmlformats.org/drawingml/2006/main" xmlns:r="http://schemas.openxmlformats.org/officeDocument/2006/relationships" xmlns:p="http://schemas.openxmlformats.org/presentationml/2006/main">
   <p:cSld>
     <p:spTree>
@@ -6263,7 +6629,7 @@
 </p:sld>
 </file>
 
-<file path=ppt/slides/slide24.xml><?xml version="1.0" encoding="utf-8"?>
+<file path=ppt/slides/slide25.xml><?xml version="1.0" encoding="utf-8"?>
 <p:sld xmlns:a="http://schemas.openxmlformats.org/drawingml/2006/main" xmlns:r="http://schemas.openxmlformats.org/officeDocument/2006/relationships" xmlns:p="http://schemas.openxmlformats.org/presentationml/2006/main">
   <p:cSld>
     <p:spTree>
@@ -6471,102 +6837,6 @@
 </p:sld>
 </file>
 
-<file path=ppt/slides/slide25.xml><?xml version="1.0" encoding="utf-8"?>
-<p:sld xmlns:a="http://schemas.openxmlformats.org/drawingml/2006/main" xmlns:r="http://schemas.openxmlformats.org/officeDocument/2006/relationships" xmlns:p="http://schemas.openxmlformats.org/presentationml/2006/main">
-  <p:cSld>
-    <p:spTree>
-      <p:nvGrpSpPr>
-        <p:cNvPr id="1" name=""/>
-        <p:cNvGrpSpPr/>
-        <p:nvPr/>
-      </p:nvGrpSpPr>
-      <p:grpSpPr>
-        <a:xfrm>
-          <a:off x="0" y="0"/>
-          <a:ext cx="0" cy="0"/>
-          <a:chOff x="0" y="0"/>
-          <a:chExt cx="0" cy="0"/>
-        </a:xfrm>
-      </p:grpSpPr>
-      <p:sp>
-        <p:nvSpPr>
-          <p:cNvPr id="7" name="Title 6">
-            <a:extLst>
-              <a:ext uri="{FF2B5EF4-FFF2-40B4-BE49-F238E27FC236}">
-                <a16:creationId xmlns:a16="http://schemas.microsoft.com/office/drawing/2014/main" id="{4E51EABF-44B4-4493-85C4-0F86E1951AD4}"/>
-              </a:ext>
-            </a:extLst>
-          </p:cNvPr>
-          <p:cNvSpPr>
-            <a:spLocks noGrp="1"/>
-          </p:cNvSpPr>
-          <p:nvPr>
-            <p:ph type="title"/>
-          </p:nvPr>
-        </p:nvSpPr>
-        <p:spPr/>
-        <p:txBody>
-          <a:bodyPr/>
-          <a:lstStyle/>
-          <a:p>
-            <a:r>
-              <a:rPr lang="de-CH" dirty="0"/>
-              <a:t>Demo 5: Test </a:t>
-            </a:r>
-            <a:r>
-              <a:rPr lang="de-CH" dirty="0" err="1"/>
-              <a:t>drive</a:t>
-            </a:r>
-            <a:r>
-              <a:rPr lang="de-CH" dirty="0"/>
-              <a:t> </a:t>
-            </a:r>
-            <a:r>
-              <a:rPr lang="de-CH" dirty="0" err="1"/>
-              <a:t>applied</a:t>
-            </a:r>
-            <a:endParaRPr lang="de-CH" dirty="0"/>
-          </a:p>
-        </p:txBody>
-      </p:sp>
-      <p:sp>
-        <p:nvSpPr>
-          <p:cNvPr id="8" name="Text Placeholder 7">
-            <a:extLst>
-              <a:ext uri="{FF2B5EF4-FFF2-40B4-BE49-F238E27FC236}">
-                <a16:creationId xmlns:a16="http://schemas.microsoft.com/office/drawing/2014/main" id="{598B7934-495B-4D73-BEC6-C92A88209076}"/>
-              </a:ext>
-            </a:extLst>
-          </p:cNvPr>
-          <p:cNvSpPr>
-            <a:spLocks noGrp="1"/>
-          </p:cNvSpPr>
-          <p:nvPr>
-            <p:ph type="body" idx="1"/>
-          </p:nvPr>
-        </p:nvSpPr>
-        <p:spPr/>
-        <p:txBody>
-          <a:bodyPr/>
-          <a:lstStyle/>
-          <a:p>
-            <a:endParaRPr lang="de-CH"/>
-          </a:p>
-        </p:txBody>
-      </p:sp>
-    </p:spTree>
-    <p:extLst>
-      <p:ext uri="{BB962C8B-B14F-4D97-AF65-F5344CB8AC3E}">
-        <p14:creationId xmlns:p14="http://schemas.microsoft.com/office/powerpoint/2010/main" val="1006635111"/>
-      </p:ext>
-    </p:extLst>
-  </p:cSld>
-  <p:clrMapOvr>
-    <a:masterClrMapping/>
-  </p:clrMapOvr>
-</p:sld>
-</file>
-
 <file path=ppt/slides/slide26.xml><?xml version="1.0" encoding="utf-8"?>
 <p:sld xmlns:a="http://schemas.openxmlformats.org/drawingml/2006/main" xmlns:r="http://schemas.openxmlformats.org/officeDocument/2006/relationships" xmlns:p="http://schemas.openxmlformats.org/presentationml/2006/main">
   <p:cSld>
@@ -6586,10 +6856,10 @@
       </p:grpSpPr>
       <p:sp>
         <p:nvSpPr>
-          <p:cNvPr id="4" name="Title 3">
+          <p:cNvPr id="7" name="Title 6">
             <a:extLst>
               <a:ext uri="{FF2B5EF4-FFF2-40B4-BE49-F238E27FC236}">
-                <a16:creationId xmlns:a16="http://schemas.microsoft.com/office/drawing/2014/main" id="{DFB1DEA9-D601-40DA-AB53-8B8320CCD889}"/>
+                <a16:creationId xmlns:a16="http://schemas.microsoft.com/office/drawing/2014/main" id="{4E51EABF-44B4-4493-85C4-0F86E1951AD4}"/>
               </a:ext>
             </a:extLst>
           </p:cNvPr>
@@ -6607,11 +6877,19 @@
           <a:p>
             <a:r>
               <a:rPr lang="de-CH" dirty="0"/>
-              <a:t>Testdrive  </a:t>
-            </a:r>
-            <a:r>
-              <a:rPr lang="de-CH" dirty="0" err="1"/>
-              <a:t>takeaways</a:t>
+              <a:t>Demo 5: Test </a:t>
+            </a:r>
+            <a:r>
+              <a:rPr lang="de-CH" dirty="0" err="1"/>
+              <a:t>drive</a:t>
+            </a:r>
+            <a:r>
+              <a:rPr lang="de-CH" dirty="0"/>
+              <a:t> </a:t>
+            </a:r>
+            <a:r>
+              <a:rPr lang="de-CH" dirty="0" err="1"/>
+              <a:t>applied</a:t>
             </a:r>
             <a:endParaRPr lang="de-CH" dirty="0"/>
           </a:p>
@@ -6619,10 +6897,10 @@
       </p:sp>
       <p:sp>
         <p:nvSpPr>
-          <p:cNvPr id="5" name="Content Placeholder 4">
+          <p:cNvPr id="8" name="Text Placeholder 7">
             <a:extLst>
               <a:ext uri="{FF2B5EF4-FFF2-40B4-BE49-F238E27FC236}">
-                <a16:creationId xmlns:a16="http://schemas.microsoft.com/office/drawing/2014/main" id="{0D96386A-FE08-4F95-878F-969FE68D96F1}"/>
+                <a16:creationId xmlns:a16="http://schemas.microsoft.com/office/drawing/2014/main" id="{598B7934-495B-4D73-BEC6-C92A88209076}"/>
               </a:ext>
             </a:extLst>
           </p:cNvPr>
@@ -6630,65 +6908,22 @@
             <a:spLocks noGrp="1"/>
           </p:cNvSpPr>
           <p:nvPr>
-            <p:ph idx="1"/>
-          </p:nvPr>
-        </p:nvSpPr>
-        <p:spPr/>
-        <p:txBody>
-          <a:bodyPr/>
-          <a:lstStyle/>
-          <a:p>
-            <a:r>
-              <a:rPr lang="de-CH" dirty="0"/>
-              <a:t>Variable $Testdrive</a:t>
-            </a:r>
-          </a:p>
-          <a:p>
-            <a:r>
-              <a:rPr lang="de-CH" dirty="0"/>
-              <a:t>Drive </a:t>
-            </a:r>
-            <a:r>
-              <a:rPr lang="de-CH" dirty="0" err="1"/>
-              <a:t>TestDrive</a:t>
-            </a:r>
-            <a:r>
-              <a:rPr lang="de-CH" dirty="0"/>
-              <a:t>:</a:t>
-            </a:r>
-          </a:p>
-          <a:p>
-            <a:r>
-              <a:rPr lang="de-CH" dirty="0" err="1"/>
-              <a:t>Scope</a:t>
-            </a:r>
-            <a:r>
-              <a:rPr lang="de-CH" dirty="0"/>
-              <a:t> -&gt; </a:t>
-            </a:r>
-            <a:r>
-              <a:rPr lang="de-CH" dirty="0" err="1"/>
-              <a:t>Describe</a:t>
-            </a:r>
-            <a:r>
-              <a:rPr lang="de-CH" dirty="0"/>
-              <a:t> </a:t>
-            </a:r>
-            <a:r>
-              <a:rPr lang="de-CH" dirty="0" err="1"/>
-              <a:t>blocks</a:t>
-            </a:r>
-            <a:endParaRPr lang="de-CH" dirty="0"/>
-          </a:p>
-          <a:p>
-            <a:endParaRPr lang="de-CH" dirty="0"/>
+            <p:ph type="body" idx="1"/>
+          </p:nvPr>
+        </p:nvSpPr>
+        <p:spPr/>
+        <p:txBody>
+          <a:bodyPr/>
+          <a:lstStyle/>
+          <a:p>
+            <a:endParaRPr lang="de-CH"/>
           </a:p>
         </p:txBody>
       </p:sp>
     </p:spTree>
     <p:extLst>
       <p:ext uri="{BB962C8B-B14F-4D97-AF65-F5344CB8AC3E}">
-        <p14:creationId xmlns:p14="http://schemas.microsoft.com/office/powerpoint/2010/main" val="1421438109"/>
+        <p14:creationId xmlns:p14="http://schemas.microsoft.com/office/powerpoint/2010/main" val="1006635111"/>
       </p:ext>
     </p:extLst>
   </p:cSld>
@@ -6720,7 +6955,7 @@
           <p:cNvPr id="4" name="Title 3">
             <a:extLst>
               <a:ext uri="{FF2B5EF4-FFF2-40B4-BE49-F238E27FC236}">
-                <a16:creationId xmlns:a16="http://schemas.microsoft.com/office/drawing/2014/main" id="{8399F740-F908-4614-9D38-2236AB6A48D2}"/>
+                <a16:creationId xmlns:a16="http://schemas.microsoft.com/office/drawing/2014/main" id="{DFB1DEA9-D601-40DA-AB53-8B8320CCD889}"/>
               </a:ext>
             </a:extLst>
           </p:cNvPr>
@@ -6728,31 +6963,32 @@
             <a:spLocks noGrp="1"/>
           </p:cNvSpPr>
           <p:nvPr>
-            <p:ph type="ctrTitle"/>
-          </p:nvPr>
-        </p:nvSpPr>
-        <p:spPr/>
-        <p:txBody>
-          <a:bodyPr/>
-          <a:lstStyle/>
-          <a:p>
-            <a:r>
-              <a:rPr lang="de-CH" dirty="0" err="1"/>
-              <a:t>Caffe</a:t>
-            </a:r>
-            <a:r>
-              <a:rPr lang="de-CH" dirty="0"/>
-              <a:t>?</a:t>
-            </a:r>
-          </a:p>
-        </p:txBody>
-      </p:sp>
-      <p:sp>
-        <p:nvSpPr>
-          <p:cNvPr id="5" name="Subtitle 4">
+            <p:ph type="title"/>
+          </p:nvPr>
+        </p:nvSpPr>
+        <p:spPr/>
+        <p:txBody>
+          <a:bodyPr/>
+          <a:lstStyle/>
+          <a:p>
+            <a:r>
+              <a:rPr lang="de-CH" dirty="0"/>
+              <a:t>Testdrive  </a:t>
+            </a:r>
+            <a:r>
+              <a:rPr lang="de-CH" dirty="0" err="1"/>
+              <a:t>takeaways</a:t>
+            </a:r>
+            <a:endParaRPr lang="de-CH" dirty="0"/>
+          </a:p>
+        </p:txBody>
+      </p:sp>
+      <p:sp>
+        <p:nvSpPr>
+          <p:cNvPr id="5" name="Content Placeholder 4">
             <a:extLst>
               <a:ext uri="{FF2B5EF4-FFF2-40B4-BE49-F238E27FC236}">
-                <a16:creationId xmlns:a16="http://schemas.microsoft.com/office/drawing/2014/main" id="{151F8763-A058-42B1-AD94-C1BEC29A1B43}"/>
+                <a16:creationId xmlns:a16="http://schemas.microsoft.com/office/drawing/2014/main" id="{0D96386A-FE08-4F95-878F-969FE68D96F1}"/>
               </a:ext>
             </a:extLst>
           </p:cNvPr>
@@ -6760,45 +6996,65 @@
             <a:spLocks noGrp="1"/>
           </p:cNvSpPr>
           <p:nvPr>
-            <p:ph type="subTitle" idx="1"/>
-          </p:nvPr>
-        </p:nvSpPr>
-        <p:spPr/>
-        <p:txBody>
-          <a:bodyPr/>
-          <a:lstStyle/>
-          <a:p>
-            <a:r>
-              <a:rPr lang="de-CH" dirty="0" err="1"/>
-              <a:t>Une</a:t>
-            </a:r>
-            <a:r>
-              <a:rPr lang="de-CH" dirty="0"/>
-              <a:t> pause </a:t>
-            </a:r>
-            <a:r>
-              <a:rPr lang="de-CH" dirty="0" err="1"/>
-              <a:t>bien</a:t>
-            </a:r>
-            <a:r>
-              <a:rPr lang="de-CH" dirty="0"/>
-              <a:t> </a:t>
-            </a:r>
-            <a:r>
-              <a:rPr lang="de-CH" dirty="0" err="1"/>
-              <a:t>Méritée</a:t>
-            </a:r>
-            <a:r>
-              <a:rPr lang="de-CH" dirty="0"/>
-              <a:t> ;)</a:t>
-            </a:r>
+            <p:ph idx="1"/>
+          </p:nvPr>
+        </p:nvSpPr>
+        <p:spPr/>
+        <p:txBody>
+          <a:bodyPr/>
+          <a:lstStyle/>
+          <a:p>
+            <a:r>
+              <a:rPr lang="de-CH" dirty="0"/>
+              <a:t>Variable $Testdrive</a:t>
+            </a:r>
+          </a:p>
+          <a:p>
+            <a:r>
+              <a:rPr lang="de-CH" dirty="0"/>
+              <a:t>Drive </a:t>
+            </a:r>
+            <a:r>
+              <a:rPr lang="de-CH" dirty="0" err="1"/>
+              <a:t>TestDrive</a:t>
+            </a:r>
+            <a:r>
+              <a:rPr lang="de-CH" dirty="0"/>
+              <a:t>:</a:t>
+            </a:r>
+          </a:p>
+          <a:p>
+            <a:r>
+              <a:rPr lang="de-CH" dirty="0" err="1"/>
+              <a:t>Scope</a:t>
+            </a:r>
+            <a:r>
+              <a:rPr lang="de-CH" dirty="0"/>
+              <a:t> -&gt; </a:t>
+            </a:r>
+            <a:r>
+              <a:rPr lang="de-CH" dirty="0" err="1"/>
+              <a:t>Describe</a:t>
+            </a:r>
+            <a:r>
+              <a:rPr lang="de-CH" dirty="0"/>
+              <a:t> </a:t>
+            </a:r>
+            <a:r>
+              <a:rPr lang="de-CH" dirty="0" err="1"/>
+              <a:t>blocks</a:t>
+            </a:r>
+            <a:endParaRPr lang="de-CH" dirty="0"/>
+          </a:p>
+          <a:p>
+            <a:endParaRPr lang="de-CH" dirty="0"/>
           </a:p>
         </p:txBody>
       </p:sp>
     </p:spTree>
     <p:extLst>
       <p:ext uri="{BB962C8B-B14F-4D97-AF65-F5344CB8AC3E}">
-        <p14:creationId xmlns:p14="http://schemas.microsoft.com/office/powerpoint/2010/main" val="149691696"/>
+        <p14:creationId xmlns:p14="http://schemas.microsoft.com/office/powerpoint/2010/main" val="1421438109"/>
       </p:ext>
     </p:extLst>
   </p:cSld>
@@ -6827,10 +7083,10 @@
       </p:grpSpPr>
       <p:sp>
         <p:nvSpPr>
-          <p:cNvPr id="2" name="Title 1">
+          <p:cNvPr id="4" name="Title 3">
             <a:extLst>
               <a:ext uri="{FF2B5EF4-FFF2-40B4-BE49-F238E27FC236}">
-                <a16:creationId xmlns:a16="http://schemas.microsoft.com/office/drawing/2014/main" id="{FBC10BD2-2DF5-4D94-AFD6-ED4EF04B7655}"/>
+                <a16:creationId xmlns:a16="http://schemas.microsoft.com/office/drawing/2014/main" id="{8399F740-F908-4614-9D38-2236AB6A48D2}"/>
               </a:ext>
             </a:extLst>
           </p:cNvPr>
@@ -6838,44 +7094,31 @@
             <a:spLocks noGrp="1"/>
           </p:cNvSpPr>
           <p:nvPr>
-            <p:ph type="title"/>
-          </p:nvPr>
-        </p:nvSpPr>
-        <p:spPr/>
-        <p:txBody>
-          <a:bodyPr/>
-          <a:lstStyle/>
-          <a:p>
-            <a:r>
-              <a:rPr lang="de-CH" dirty="0" err="1"/>
-              <a:t>Advanced</a:t>
-            </a:r>
-            <a:r>
-              <a:rPr lang="de-CH" dirty="0"/>
-              <a:t> </a:t>
-            </a:r>
-            <a:r>
-              <a:rPr lang="de-CH" dirty="0" err="1"/>
-              <a:t>Pester</a:t>
-            </a:r>
-            <a:r>
-              <a:rPr lang="de-CH" dirty="0"/>
-              <a:t> </a:t>
-            </a:r>
-            <a:r>
-              <a:rPr lang="de-CH" dirty="0" err="1"/>
-              <a:t>concepts</a:t>
-            </a:r>
-            <a:endParaRPr lang="de-CH" dirty="0"/>
-          </a:p>
-        </p:txBody>
-      </p:sp>
-      <p:sp>
-        <p:nvSpPr>
-          <p:cNvPr id="3" name="Text Placeholder 2">
+            <p:ph type="ctrTitle"/>
+          </p:nvPr>
+        </p:nvSpPr>
+        <p:spPr/>
+        <p:txBody>
+          <a:bodyPr/>
+          <a:lstStyle/>
+          <a:p>
+            <a:r>
+              <a:rPr lang="de-CH" dirty="0" err="1"/>
+              <a:t>Caffe</a:t>
+            </a:r>
+            <a:r>
+              <a:rPr lang="de-CH" dirty="0"/>
+              <a:t>?</a:t>
+            </a:r>
+          </a:p>
+        </p:txBody>
+      </p:sp>
+      <p:sp>
+        <p:nvSpPr>
+          <p:cNvPr id="5" name="Subtitle 4">
             <a:extLst>
               <a:ext uri="{FF2B5EF4-FFF2-40B4-BE49-F238E27FC236}">
-                <a16:creationId xmlns:a16="http://schemas.microsoft.com/office/drawing/2014/main" id="{9D3ABB81-2D9A-401A-B4AC-5D39DD0EB0E8}"/>
+                <a16:creationId xmlns:a16="http://schemas.microsoft.com/office/drawing/2014/main" id="{151F8763-A058-42B1-AD94-C1BEC29A1B43}"/>
               </a:ext>
             </a:extLst>
           </p:cNvPr>
@@ -6883,26 +7126,45 @@
             <a:spLocks noGrp="1"/>
           </p:cNvSpPr>
           <p:nvPr>
-            <p:ph type="body" idx="1"/>
-          </p:nvPr>
-        </p:nvSpPr>
-        <p:spPr/>
-        <p:txBody>
-          <a:bodyPr/>
-          <a:lstStyle/>
-          <a:p>
-            <a:r>
-              <a:rPr lang="de-CH" dirty="0" err="1"/>
-              <a:t>Mocking</a:t>
-            </a:r>
-            <a:endParaRPr lang="de-CH" dirty="0"/>
+            <p:ph type="subTitle" idx="1"/>
+          </p:nvPr>
+        </p:nvSpPr>
+        <p:spPr/>
+        <p:txBody>
+          <a:bodyPr/>
+          <a:lstStyle/>
+          <a:p>
+            <a:r>
+              <a:rPr lang="de-CH" dirty="0" err="1"/>
+              <a:t>Une</a:t>
+            </a:r>
+            <a:r>
+              <a:rPr lang="de-CH" dirty="0"/>
+              <a:t> pause </a:t>
+            </a:r>
+            <a:r>
+              <a:rPr lang="de-CH" dirty="0" err="1"/>
+              <a:t>bien</a:t>
+            </a:r>
+            <a:r>
+              <a:rPr lang="de-CH" dirty="0"/>
+              <a:t> </a:t>
+            </a:r>
+            <a:r>
+              <a:rPr lang="de-CH" dirty="0" err="1"/>
+              <a:t>Méritée</a:t>
+            </a:r>
+            <a:r>
+              <a:rPr lang="de-CH" dirty="0"/>
+              <a:t> ;)</a:t>
+            </a:r>
           </a:p>
         </p:txBody>
       </p:sp>
     </p:spTree>
     <p:extLst>
       <p:ext uri="{BB962C8B-B14F-4D97-AF65-F5344CB8AC3E}">
-        <p14:creationId xmlns:p14="http://schemas.microsoft.com/office/powerpoint/2010/main" val="1856352953"/>
+        <p14:creationId xmlns:p14="http://schemas.microsoft.com/office/powerpoint/2010/main" val="149691696"/>
       </p:ext>
     </p:extLst>
   </p:cSld>
@@ -6931,10 +7193,10 @@
       </p:grpSpPr>
       <p:sp>
         <p:nvSpPr>
-          <p:cNvPr id="4" name="Title 3">
+          <p:cNvPr id="2" name="Title 1">
             <a:extLst>
               <a:ext uri="{FF2B5EF4-FFF2-40B4-BE49-F238E27FC236}">
-                <a16:creationId xmlns:a16="http://schemas.microsoft.com/office/drawing/2014/main" id="{CDE89788-8C3E-4E85-8C16-024CD7306964}"/>
+                <a16:creationId xmlns:a16="http://schemas.microsoft.com/office/drawing/2014/main" id="{FBC10BD2-2DF5-4D94-AFD6-ED4EF04B7655}"/>
               </a:ext>
             </a:extLst>
           </p:cNvPr>
@@ -6942,17 +7204,33 @@
             <a:spLocks noGrp="1"/>
           </p:cNvSpPr>
           <p:nvPr>
-            <p:ph type="ctrTitle"/>
-          </p:nvPr>
-        </p:nvSpPr>
-        <p:spPr/>
-        <p:txBody>
-          <a:bodyPr/>
-          <a:lstStyle/>
-          <a:p>
-            <a:r>
-              <a:rPr lang="de-CH" dirty="0" err="1"/>
-              <a:t>Discussion</a:t>
+            <p:ph type="title"/>
+          </p:nvPr>
+        </p:nvSpPr>
+        <p:spPr/>
+        <p:txBody>
+          <a:bodyPr/>
+          <a:lstStyle/>
+          <a:p>
+            <a:r>
+              <a:rPr lang="de-CH" dirty="0" err="1"/>
+              <a:t>Advanced</a:t>
+            </a:r>
+            <a:r>
+              <a:rPr lang="de-CH" dirty="0"/>
+              <a:t> </a:t>
+            </a:r>
+            <a:r>
+              <a:rPr lang="de-CH" dirty="0" err="1"/>
+              <a:t>Pester</a:t>
+            </a:r>
+            <a:r>
+              <a:rPr lang="de-CH" dirty="0"/>
+              <a:t> </a:t>
+            </a:r>
+            <a:r>
+              <a:rPr lang="de-CH" dirty="0" err="1"/>
+              <a:t>concepts</a:t>
             </a:r>
             <a:endParaRPr lang="de-CH" dirty="0"/>
           </a:p>
@@ -6960,10 +7238,10 @@
       </p:sp>
       <p:sp>
         <p:nvSpPr>
-          <p:cNvPr id="5" name="Subtitle 4">
+          <p:cNvPr id="3" name="Text Placeholder 2">
             <a:extLst>
               <a:ext uri="{FF2B5EF4-FFF2-40B4-BE49-F238E27FC236}">
-                <a16:creationId xmlns:a16="http://schemas.microsoft.com/office/drawing/2014/main" id="{53E8AEAD-D972-4760-8DB2-B84C3297DF50}"/>
+                <a16:creationId xmlns:a16="http://schemas.microsoft.com/office/drawing/2014/main" id="{9D3ABB81-2D9A-401A-B4AC-5D39DD0EB0E8}"/>
               </a:ext>
             </a:extLst>
           </p:cNvPr>
@@ -6971,45 +7249,26 @@
             <a:spLocks noGrp="1"/>
           </p:cNvSpPr>
           <p:nvPr>
-            <p:ph type="subTitle" idx="1"/>
-          </p:nvPr>
-        </p:nvSpPr>
-        <p:spPr/>
-        <p:txBody>
-          <a:bodyPr/>
-          <a:lstStyle/>
-          <a:p>
-            <a:r>
-              <a:rPr lang="de-CH" dirty="0" err="1"/>
-              <a:t>What</a:t>
-            </a:r>
-            <a:r>
-              <a:rPr lang="de-CH" dirty="0"/>
-              <a:t> </a:t>
-            </a:r>
-            <a:r>
-              <a:rPr lang="de-CH" dirty="0" err="1"/>
-              <a:t>is</a:t>
-            </a:r>
-            <a:r>
-              <a:rPr lang="de-CH" dirty="0"/>
-              <a:t> </a:t>
-            </a:r>
-            <a:r>
-              <a:rPr lang="de-CH" dirty="0" err="1"/>
-              <a:t>mocking</a:t>
-            </a:r>
-            <a:r>
-              <a:rPr lang="de-CH" dirty="0"/>
-              <a:t>?</a:t>
-            </a:r>
+            <p:ph type="body" idx="1"/>
+          </p:nvPr>
+        </p:nvSpPr>
+        <p:spPr/>
+        <p:txBody>
+          <a:bodyPr/>
+          <a:lstStyle/>
+          <a:p>
+            <a:r>
+              <a:rPr lang="de-CH" dirty="0" err="1"/>
+              <a:t>Mocking</a:t>
+            </a:r>
+            <a:endParaRPr lang="de-CH" dirty="0"/>
           </a:p>
         </p:txBody>
       </p:sp>
     </p:spTree>
     <p:extLst>
       <p:ext uri="{BB962C8B-B14F-4D97-AF65-F5344CB8AC3E}">
-        <p14:creationId xmlns:p14="http://schemas.microsoft.com/office/powerpoint/2010/main" val="3475172770"/>
+        <p14:creationId xmlns:p14="http://schemas.microsoft.com/office/powerpoint/2010/main" val="1856352953"/>
       </p:ext>
     </p:extLst>
   </p:cSld>
@@ -7041,7 +7300,7 @@
           <p:cNvPr id="2" name="Title 1">
             <a:extLst>
               <a:ext uri="{FF2B5EF4-FFF2-40B4-BE49-F238E27FC236}">
-                <a16:creationId xmlns:a16="http://schemas.microsoft.com/office/drawing/2014/main" id="{C8788AE2-B683-4554-B7D7-82C9792171D8}"/>
+                <a16:creationId xmlns:a16="http://schemas.microsoft.com/office/drawing/2014/main" id="{CEA73142-9959-4320-9017-D450680562F6}"/>
               </a:ext>
             </a:extLst>
           </p:cNvPr>
@@ -7059,17 +7318,28 @@
           <a:p>
             <a:r>
               <a:rPr lang="de-CH" dirty="0" err="1"/>
-              <a:t>Testing</a:t>
-            </a:r>
-            <a:r>
-              <a:rPr lang="de-CH" dirty="0"/>
-              <a:t> </a:t>
-            </a:r>
-            <a:r>
-              <a:rPr lang="de-CH" dirty="0" err="1"/>
-              <a:t>frameworks</a:t>
-            </a:r>
-            <a:endParaRPr lang="de-CH" dirty="0"/>
+              <a:t>What</a:t>
+            </a:r>
+            <a:r>
+              <a:rPr lang="de-CH" dirty="0"/>
+              <a:t> </a:t>
+            </a:r>
+            <a:r>
+              <a:rPr lang="de-CH" dirty="0" err="1"/>
+              <a:t>is</a:t>
+            </a:r>
+            <a:r>
+              <a:rPr lang="de-CH" dirty="0"/>
+              <a:t> a </a:t>
+            </a:r>
+            <a:r>
+              <a:rPr lang="de-CH" dirty="0" err="1"/>
+              <a:t>test</a:t>
+            </a:r>
+            <a:r>
+              <a:rPr lang="de-CH" dirty="0"/>
+              <a:t>?</a:t>
+            </a:r>
           </a:p>
         </p:txBody>
       </p:sp>
@@ -7078,7 +7348,7 @@
           <p:cNvPr id="3" name="Content Placeholder 2">
             <a:extLst>
               <a:ext uri="{FF2B5EF4-FFF2-40B4-BE49-F238E27FC236}">
-                <a16:creationId xmlns:a16="http://schemas.microsoft.com/office/drawing/2014/main" id="{90A62F4A-880A-4B26-9861-F8D81B0CCB1D}"/>
+                <a16:creationId xmlns:a16="http://schemas.microsoft.com/office/drawing/2014/main" id="{55C94D3D-2F63-48AD-9D14-56C5060611FF}"/>
               </a:ext>
             </a:extLst>
           </p:cNvPr>
@@ -7096,11 +7366,110 @@
           <a:p>
             <a:r>
               <a:rPr lang="de-CH" dirty="0"/>
-              <a:t>Every </a:t>
-            </a:r>
-            <a:r>
-              <a:rPr lang="de-CH" dirty="0" err="1"/>
-              <a:t>language</a:t>
+              <a:t>A </a:t>
+            </a:r>
+            <a:r>
+              <a:rPr lang="de-CH" dirty="0" err="1"/>
+              <a:t>test</a:t>
+            </a:r>
+            <a:r>
+              <a:rPr lang="de-CH" dirty="0"/>
+              <a:t> </a:t>
+            </a:r>
+            <a:r>
+              <a:rPr lang="de-CH" dirty="0" err="1"/>
+              <a:t>is</a:t>
+            </a:r>
+            <a:r>
+              <a:rPr lang="de-CH" dirty="0"/>
+              <a:t> a block </a:t>
+            </a:r>
+            <a:r>
+              <a:rPr lang="de-CH" dirty="0" err="1"/>
+              <a:t>of</a:t>
+            </a:r>
+            <a:r>
+              <a:rPr lang="de-CH" dirty="0"/>
+              <a:t> code </a:t>
+            </a:r>
+            <a:r>
+              <a:rPr lang="de-CH" dirty="0" err="1"/>
+              <a:t>that</a:t>
+            </a:r>
+            <a:r>
+              <a:rPr lang="de-CH" dirty="0"/>
+              <a:t>:</a:t>
+            </a:r>
+          </a:p>
+          <a:p>
+            <a:pPr lvl="1"/>
+            <a:r>
+              <a:rPr lang="de-CH" dirty="0" err="1"/>
+              <a:t>Allows</a:t>
+            </a:r>
+            <a:r>
+              <a:rPr lang="de-CH" dirty="0"/>
+              <a:t> </a:t>
+            </a:r>
+            <a:r>
+              <a:rPr lang="de-CH" dirty="0" err="1"/>
+              <a:t>to</a:t>
+            </a:r>
+            <a:r>
+              <a:rPr lang="de-CH" dirty="0"/>
+              <a:t> </a:t>
+            </a:r>
+            <a:r>
+              <a:rPr lang="de-CH" dirty="0" err="1"/>
+              <a:t>validate</a:t>
+            </a:r>
+            <a:r>
+              <a:rPr lang="de-CH" dirty="0"/>
+              <a:t> a </a:t>
+            </a:r>
+            <a:r>
+              <a:rPr lang="de-CH" dirty="0" err="1"/>
+              <a:t>given</a:t>
+            </a:r>
+            <a:r>
+              <a:rPr lang="de-CH" dirty="0"/>
+              <a:t> </a:t>
+            </a:r>
+            <a:r>
+              <a:rPr lang="de-CH" dirty="0" err="1"/>
+              <a:t>situation</a:t>
+            </a:r>
+            <a:r>
+              <a:rPr lang="de-CH" dirty="0"/>
+              <a:t> / </a:t>
+            </a:r>
+            <a:r>
+              <a:rPr lang="de-CH" dirty="0" err="1"/>
+              <a:t>state</a:t>
+            </a:r>
+            <a:endParaRPr lang="de-CH" dirty="0"/>
+          </a:p>
+          <a:p>
+            <a:pPr lvl="1"/>
+            <a:r>
+              <a:rPr lang="de-CH" dirty="0" err="1"/>
+              <a:t>Is</a:t>
+            </a:r>
+            <a:r>
+              <a:rPr lang="de-CH" dirty="0"/>
+              <a:t> not </a:t>
+            </a:r>
+            <a:r>
+              <a:rPr lang="de-CH" dirty="0" err="1"/>
+              <a:t>something</a:t>
+            </a:r>
+            <a:r>
+              <a:rPr lang="de-CH" dirty="0"/>
+              <a:t> </a:t>
+            </a:r>
+            <a:r>
+              <a:rPr lang="de-CH" dirty="0" err="1"/>
+              <a:t>that</a:t>
             </a:r>
             <a:r>
               <a:rPr lang="de-CH" dirty="0"/>
@@ -7116,89 +7485,79 @@
             </a:r>
             <a:r>
               <a:rPr lang="de-CH" dirty="0" err="1"/>
-              <a:t>it's</a:t>
-            </a:r>
-            <a:r>
-              <a:rPr lang="de-CH" dirty="0"/>
-              <a:t> </a:t>
-            </a:r>
-            <a:r>
-              <a:rPr lang="de-CH" dirty="0" err="1"/>
-              <a:t>testing</a:t>
-            </a:r>
-            <a:r>
-              <a:rPr lang="de-CH" dirty="0"/>
-              <a:t> </a:t>
-            </a:r>
-            <a:r>
-              <a:rPr lang="de-CH" dirty="0" err="1"/>
-              <a:t>framework</a:t>
-            </a:r>
-            <a:r>
-              <a:rPr lang="de-CH" dirty="0"/>
-              <a:t>(s)</a:t>
-            </a:r>
+              <a:t>to</a:t>
+            </a:r>
+            <a:r>
+              <a:rPr lang="de-CH" dirty="0"/>
+              <a:t> </a:t>
+            </a:r>
+            <a:r>
+              <a:rPr lang="de-CH" dirty="0" err="1"/>
+              <a:t>be</a:t>
+            </a:r>
+            <a:r>
+              <a:rPr lang="de-CH" dirty="0"/>
+              <a:t> </a:t>
+            </a:r>
+            <a:r>
+              <a:rPr lang="de-CH" dirty="0" err="1"/>
+              <a:t>automatic</a:t>
+            </a:r>
+            <a:endParaRPr lang="de-CH" dirty="0"/>
           </a:p>
           <a:p>
             <a:pPr lvl="1"/>
             <a:r>
-              <a:rPr lang="de-CH" dirty="0"/>
-              <a:t>Ruby: </a:t>
-            </a:r>
-            <a:r>
-              <a:rPr lang="de-CH" dirty="0" err="1"/>
-              <a:t>Rspec,Shoulda,Test</a:t>
-            </a:r>
-            <a:r>
-              <a:rPr lang="de-CH" dirty="0"/>
-              <a:t>::Unit</a:t>
-            </a:r>
+              <a:rPr lang="de-CH" dirty="0" err="1"/>
+              <a:t>Allows</a:t>
+            </a:r>
+            <a:r>
+              <a:rPr lang="de-CH" dirty="0"/>
+              <a:t> </a:t>
+            </a:r>
+            <a:r>
+              <a:rPr lang="de-CH" dirty="0" err="1"/>
+              <a:t>to</a:t>
+            </a:r>
+            <a:r>
+              <a:rPr lang="de-CH" dirty="0"/>
+              <a:t> </a:t>
+            </a:r>
+            <a:r>
+              <a:rPr lang="de-CH" dirty="0" err="1"/>
+              <a:t>build</a:t>
+            </a:r>
+            <a:r>
+              <a:rPr lang="de-CH" dirty="0"/>
+              <a:t> </a:t>
+            </a:r>
+            <a:r>
+              <a:rPr lang="de-CH" b="1" dirty="0" err="1"/>
+              <a:t>trust</a:t>
+            </a:r>
+            <a:endParaRPr lang="de-CH" dirty="0"/>
           </a:p>
           <a:p>
             <a:pPr lvl="1"/>
             <a:r>
-              <a:rPr lang="de-CH" dirty="0"/>
-              <a:t>Java: </a:t>
-            </a:r>
-            <a:r>
-              <a:rPr lang="de-CH" dirty="0" err="1"/>
-              <a:t>Junit</a:t>
-            </a:r>
-            <a:r>
-              <a:rPr lang="de-CH" dirty="0"/>
-              <a:t>, </a:t>
-            </a:r>
-            <a:r>
-              <a:rPr lang="de-CH" dirty="0" err="1"/>
-              <a:t>Selenium</a:t>
-            </a:r>
-            <a:endParaRPr lang="de-CH" dirty="0"/>
-          </a:p>
-          <a:p>
-            <a:pPr lvl="1"/>
-            <a:r>
-              <a:rPr lang="de-CH" dirty="0" err="1"/>
-              <a:t>Csharp</a:t>
-            </a:r>
-            <a:r>
-              <a:rPr lang="de-CH" dirty="0"/>
-              <a:t>: </a:t>
-            </a:r>
-            <a:r>
-              <a:rPr lang="de-CH" dirty="0" err="1"/>
-              <a:t>Nunit,Xunit</a:t>
-            </a:r>
-            <a:endParaRPr lang="de-CH" dirty="0"/>
-          </a:p>
-          <a:p>
-            <a:pPr lvl="1"/>
-            <a:r>
-              <a:rPr lang="de-CH" dirty="0"/>
-              <a:t>PowerShell: </a:t>
-            </a:r>
-            <a:r>
-              <a:rPr lang="de-CH" dirty="0" err="1"/>
-              <a:t>Pester</a:t>
+              <a:rPr lang="de-CH" dirty="0" err="1"/>
+              <a:t>Basically</a:t>
+            </a:r>
+            <a:r>
+              <a:rPr lang="de-CH" dirty="0"/>
+              <a:t> </a:t>
+            </a:r>
+            <a:r>
+              <a:rPr lang="de-CH" dirty="0" err="1"/>
+              <a:t>returns</a:t>
+            </a:r>
+            <a:r>
+              <a:rPr lang="de-CH" dirty="0"/>
+              <a:t>: $True / $</a:t>
+            </a:r>
+            <a:r>
+              <a:rPr lang="de-CH" dirty="0" err="1"/>
+              <a:t>False</a:t>
             </a:r>
             <a:endParaRPr lang="de-CH" dirty="0"/>
           </a:p>
@@ -7207,7 +7566,7 @@
     </p:spTree>
     <p:extLst>
       <p:ext uri="{BB962C8B-B14F-4D97-AF65-F5344CB8AC3E}">
-        <p14:creationId xmlns:p14="http://schemas.microsoft.com/office/powerpoint/2010/main" val="2789125734"/>
+        <p14:creationId xmlns:p14="http://schemas.microsoft.com/office/powerpoint/2010/main" val="3607447907"/>
       </p:ext>
     </p:extLst>
   </p:cSld>
@@ -7236,10 +7595,10 @@
       </p:grpSpPr>
       <p:sp>
         <p:nvSpPr>
-          <p:cNvPr id="2" name="Title 1">
+          <p:cNvPr id="4" name="Title 3">
             <a:extLst>
               <a:ext uri="{FF2B5EF4-FFF2-40B4-BE49-F238E27FC236}">
-                <a16:creationId xmlns:a16="http://schemas.microsoft.com/office/drawing/2014/main" id="{38D9F653-9477-45EE-B605-5E7AD119EC8F}"/>
+                <a16:creationId xmlns:a16="http://schemas.microsoft.com/office/drawing/2014/main" id="{CDE89788-8C3E-4E85-8C16-024CD7306964}"/>
               </a:ext>
             </a:extLst>
           </p:cNvPr>
@@ -7247,21 +7606,17 @@
             <a:spLocks noGrp="1"/>
           </p:cNvSpPr>
           <p:nvPr>
-            <p:ph type="title"/>
-          </p:nvPr>
-        </p:nvSpPr>
-        <p:spPr/>
-        <p:txBody>
-          <a:bodyPr/>
-          <a:lstStyle/>
-          <a:p>
-            <a:r>
-              <a:rPr lang="de-CH" dirty="0"/>
-              <a:t>Demo 6: </a:t>
-            </a:r>
-            <a:r>
-              <a:rPr lang="de-CH" dirty="0" err="1"/>
-              <a:t>Mocking</a:t>
+            <p:ph type="ctrTitle"/>
+          </p:nvPr>
+        </p:nvSpPr>
+        <p:spPr/>
+        <p:txBody>
+          <a:bodyPr/>
+          <a:lstStyle/>
+          <a:p>
+            <a:r>
+              <a:rPr lang="de-CH" dirty="0" err="1"/>
+              <a:t>Discussion</a:t>
             </a:r>
             <a:endParaRPr lang="de-CH" dirty="0"/>
           </a:p>
@@ -7269,10 +7624,10 @@
       </p:sp>
       <p:sp>
         <p:nvSpPr>
-          <p:cNvPr id="3" name="Text Placeholder 2">
+          <p:cNvPr id="5" name="Subtitle 4">
             <a:extLst>
               <a:ext uri="{FF2B5EF4-FFF2-40B4-BE49-F238E27FC236}">
-                <a16:creationId xmlns:a16="http://schemas.microsoft.com/office/drawing/2014/main" id="{59A634E7-4C07-4324-86B0-530CB853A9F3}"/>
+                <a16:creationId xmlns:a16="http://schemas.microsoft.com/office/drawing/2014/main" id="{53E8AEAD-D972-4760-8DB2-B84C3297DF50}"/>
               </a:ext>
             </a:extLst>
           </p:cNvPr>
@@ -7280,17 +7635,37 @@
             <a:spLocks noGrp="1"/>
           </p:cNvSpPr>
           <p:nvPr>
-            <p:ph type="body" idx="1"/>
-          </p:nvPr>
-        </p:nvSpPr>
-        <p:spPr/>
-        <p:txBody>
-          <a:bodyPr/>
-          <a:lstStyle/>
-          <a:p>
-            <a:r>
-              <a:rPr lang="de-CH" dirty="0"/>
-              <a:t>Part 6</a:t>
+            <p:ph type="subTitle" idx="1"/>
+          </p:nvPr>
+        </p:nvSpPr>
+        <p:spPr/>
+        <p:txBody>
+          <a:bodyPr/>
+          <a:lstStyle/>
+          <a:p>
+            <a:r>
+              <a:rPr lang="de-CH" dirty="0" err="1"/>
+              <a:t>What</a:t>
+            </a:r>
+            <a:r>
+              <a:rPr lang="de-CH" dirty="0"/>
+              <a:t> </a:t>
+            </a:r>
+            <a:r>
+              <a:rPr lang="de-CH" dirty="0" err="1"/>
+              <a:t>is</a:t>
+            </a:r>
+            <a:r>
+              <a:rPr lang="de-CH" dirty="0"/>
+              <a:t> </a:t>
+            </a:r>
+            <a:r>
+              <a:rPr lang="de-CH" dirty="0" err="1"/>
+              <a:t>mocking</a:t>
+            </a:r>
+            <a:r>
+              <a:rPr lang="de-CH" dirty="0"/>
+              <a:t>?</a:t>
             </a:r>
           </a:p>
         </p:txBody>
@@ -7298,7 +7673,7 @@
     </p:spTree>
     <p:extLst>
       <p:ext uri="{BB962C8B-B14F-4D97-AF65-F5344CB8AC3E}">
-        <p14:creationId xmlns:p14="http://schemas.microsoft.com/office/powerpoint/2010/main" val="1487407980"/>
+        <p14:creationId xmlns:p14="http://schemas.microsoft.com/office/powerpoint/2010/main" val="3475172770"/>
       </p:ext>
     </p:extLst>
   </p:cSld>
@@ -7327,10 +7702,10 @@
       </p:grpSpPr>
       <p:sp>
         <p:nvSpPr>
-          <p:cNvPr id="4" name="Title 3">
+          <p:cNvPr id="2" name="Title 1">
             <a:extLst>
               <a:ext uri="{FF2B5EF4-FFF2-40B4-BE49-F238E27FC236}">
-                <a16:creationId xmlns:a16="http://schemas.microsoft.com/office/drawing/2014/main" id="{CDE89788-8C3E-4E85-8C16-024CD7306964}"/>
+                <a16:creationId xmlns:a16="http://schemas.microsoft.com/office/drawing/2014/main" id="{38D9F653-9477-45EE-B605-5E7AD119EC8F}"/>
               </a:ext>
             </a:extLst>
           </p:cNvPr>
@@ -7338,17 +7713,21 @@
             <a:spLocks noGrp="1"/>
           </p:cNvSpPr>
           <p:nvPr>
-            <p:ph type="ctrTitle"/>
-          </p:nvPr>
-        </p:nvSpPr>
-        <p:spPr/>
-        <p:txBody>
-          <a:bodyPr/>
-          <a:lstStyle/>
-          <a:p>
-            <a:r>
-              <a:rPr lang="de-CH" dirty="0" err="1"/>
-              <a:t>Discussion</a:t>
+            <p:ph type="title"/>
+          </p:nvPr>
+        </p:nvSpPr>
+        <p:spPr/>
+        <p:txBody>
+          <a:bodyPr/>
+          <a:lstStyle/>
+          <a:p>
+            <a:r>
+              <a:rPr lang="de-CH" dirty="0"/>
+              <a:t>Demo 6: </a:t>
+            </a:r>
+            <a:r>
+              <a:rPr lang="de-CH" dirty="0" err="1"/>
+              <a:t>Mocking</a:t>
             </a:r>
             <a:endParaRPr lang="de-CH" dirty="0"/>
           </a:p>
@@ -7356,10 +7735,10 @@
       </p:sp>
       <p:sp>
         <p:nvSpPr>
-          <p:cNvPr id="5" name="Subtitle 4">
+          <p:cNvPr id="3" name="Text Placeholder 2">
             <a:extLst>
               <a:ext uri="{FF2B5EF4-FFF2-40B4-BE49-F238E27FC236}">
-                <a16:creationId xmlns:a16="http://schemas.microsoft.com/office/drawing/2014/main" id="{53E8AEAD-D972-4760-8DB2-B84C3297DF50}"/>
+                <a16:creationId xmlns:a16="http://schemas.microsoft.com/office/drawing/2014/main" id="{59A634E7-4C07-4324-86B0-530CB853A9F3}"/>
               </a:ext>
             </a:extLst>
           </p:cNvPr>
@@ -7367,69 +7746,17 @@
             <a:spLocks noGrp="1"/>
           </p:cNvSpPr>
           <p:nvPr>
-            <p:ph type="subTitle" idx="1"/>
-          </p:nvPr>
-        </p:nvSpPr>
-        <p:spPr/>
-        <p:txBody>
-          <a:bodyPr/>
-          <a:lstStyle/>
-          <a:p>
-            <a:r>
-              <a:rPr lang="de-CH" dirty="0" err="1"/>
-              <a:t>Where</a:t>
-            </a:r>
-            <a:r>
-              <a:rPr lang="de-CH" dirty="0"/>
-              <a:t> do </a:t>
-            </a:r>
-            <a:r>
-              <a:rPr lang="de-CH" dirty="0" err="1"/>
-              <a:t>you</a:t>
-            </a:r>
-            <a:r>
-              <a:rPr lang="de-CH" dirty="0"/>
-              <a:t> </a:t>
-            </a:r>
-            <a:r>
-              <a:rPr lang="de-CH" dirty="0" err="1"/>
-              <a:t>think</a:t>
-            </a:r>
-            <a:r>
-              <a:rPr lang="de-CH" dirty="0"/>
-              <a:t> </a:t>
-            </a:r>
-            <a:r>
-              <a:rPr lang="de-CH" dirty="0" err="1"/>
-              <a:t>you</a:t>
-            </a:r>
-            <a:r>
-              <a:rPr lang="de-CH" dirty="0"/>
-              <a:t> </a:t>
-            </a:r>
-            <a:r>
-              <a:rPr lang="de-CH" dirty="0" err="1"/>
-              <a:t>could</a:t>
-            </a:r>
-            <a:r>
-              <a:rPr lang="de-CH" dirty="0"/>
-              <a:t> </a:t>
-            </a:r>
-            <a:r>
-              <a:rPr lang="de-CH" dirty="0" err="1"/>
-              <a:t>use</a:t>
-            </a:r>
-            <a:r>
-              <a:rPr lang="de-CH" dirty="0"/>
-              <a:t> </a:t>
-            </a:r>
-            <a:r>
-              <a:rPr lang="de-CH" dirty="0" err="1"/>
-              <a:t>mocks</a:t>
-            </a:r>
-            <a:r>
-              <a:rPr lang="de-CH" dirty="0"/>
-              <a:t>?</a:t>
+            <p:ph type="body" idx="1"/>
+          </p:nvPr>
+        </p:nvSpPr>
+        <p:spPr/>
+        <p:txBody>
+          <a:bodyPr/>
+          <a:lstStyle/>
+          <a:p>
+            <a:r>
+              <a:rPr lang="de-CH" dirty="0"/>
+              <a:t>Part 6</a:t>
             </a:r>
           </a:p>
         </p:txBody>
@@ -7437,7 +7764,7 @@
     </p:spTree>
     <p:extLst>
       <p:ext uri="{BB962C8B-B14F-4D97-AF65-F5344CB8AC3E}">
-        <p14:creationId xmlns:p14="http://schemas.microsoft.com/office/powerpoint/2010/main" val="3748805908"/>
+        <p14:creationId xmlns:p14="http://schemas.microsoft.com/office/powerpoint/2010/main" val="1487407980"/>
       </p:ext>
     </p:extLst>
   </p:cSld>
@@ -7466,6 +7793,145 @@
       </p:grpSpPr>
       <p:sp>
         <p:nvSpPr>
+          <p:cNvPr id="4" name="Title 3">
+            <a:extLst>
+              <a:ext uri="{FF2B5EF4-FFF2-40B4-BE49-F238E27FC236}">
+                <a16:creationId xmlns:a16="http://schemas.microsoft.com/office/drawing/2014/main" id="{CDE89788-8C3E-4E85-8C16-024CD7306964}"/>
+              </a:ext>
+            </a:extLst>
+          </p:cNvPr>
+          <p:cNvSpPr>
+            <a:spLocks noGrp="1"/>
+          </p:cNvSpPr>
+          <p:nvPr>
+            <p:ph type="ctrTitle"/>
+          </p:nvPr>
+        </p:nvSpPr>
+        <p:spPr/>
+        <p:txBody>
+          <a:bodyPr/>
+          <a:lstStyle/>
+          <a:p>
+            <a:r>
+              <a:rPr lang="de-CH" dirty="0" err="1"/>
+              <a:t>Discussion</a:t>
+            </a:r>
+            <a:endParaRPr lang="de-CH" dirty="0"/>
+          </a:p>
+        </p:txBody>
+      </p:sp>
+      <p:sp>
+        <p:nvSpPr>
+          <p:cNvPr id="5" name="Subtitle 4">
+            <a:extLst>
+              <a:ext uri="{FF2B5EF4-FFF2-40B4-BE49-F238E27FC236}">
+                <a16:creationId xmlns:a16="http://schemas.microsoft.com/office/drawing/2014/main" id="{53E8AEAD-D972-4760-8DB2-B84C3297DF50}"/>
+              </a:ext>
+            </a:extLst>
+          </p:cNvPr>
+          <p:cNvSpPr>
+            <a:spLocks noGrp="1"/>
+          </p:cNvSpPr>
+          <p:nvPr>
+            <p:ph type="subTitle" idx="1"/>
+          </p:nvPr>
+        </p:nvSpPr>
+        <p:spPr/>
+        <p:txBody>
+          <a:bodyPr/>
+          <a:lstStyle/>
+          <a:p>
+            <a:r>
+              <a:rPr lang="de-CH" dirty="0" err="1"/>
+              <a:t>Where</a:t>
+            </a:r>
+            <a:r>
+              <a:rPr lang="de-CH" dirty="0"/>
+              <a:t> do </a:t>
+            </a:r>
+            <a:r>
+              <a:rPr lang="de-CH" dirty="0" err="1"/>
+              <a:t>you</a:t>
+            </a:r>
+            <a:r>
+              <a:rPr lang="de-CH" dirty="0"/>
+              <a:t> </a:t>
+            </a:r>
+            <a:r>
+              <a:rPr lang="de-CH" dirty="0" err="1"/>
+              <a:t>think</a:t>
+            </a:r>
+            <a:r>
+              <a:rPr lang="de-CH" dirty="0"/>
+              <a:t> </a:t>
+            </a:r>
+            <a:r>
+              <a:rPr lang="de-CH" dirty="0" err="1"/>
+              <a:t>you</a:t>
+            </a:r>
+            <a:r>
+              <a:rPr lang="de-CH" dirty="0"/>
+              <a:t> </a:t>
+            </a:r>
+            <a:r>
+              <a:rPr lang="de-CH" dirty="0" err="1"/>
+              <a:t>could</a:t>
+            </a:r>
+            <a:r>
+              <a:rPr lang="de-CH" dirty="0"/>
+              <a:t> </a:t>
+            </a:r>
+            <a:r>
+              <a:rPr lang="de-CH" dirty="0" err="1"/>
+              <a:t>use</a:t>
+            </a:r>
+            <a:r>
+              <a:rPr lang="de-CH" dirty="0"/>
+              <a:t> </a:t>
+            </a:r>
+            <a:r>
+              <a:rPr lang="de-CH" dirty="0" err="1"/>
+              <a:t>mocks</a:t>
+            </a:r>
+            <a:r>
+              <a:rPr lang="de-CH" dirty="0"/>
+              <a:t>?</a:t>
+            </a:r>
+          </a:p>
+        </p:txBody>
+      </p:sp>
+    </p:spTree>
+    <p:extLst>
+      <p:ext uri="{BB962C8B-B14F-4D97-AF65-F5344CB8AC3E}">
+        <p14:creationId xmlns:p14="http://schemas.microsoft.com/office/powerpoint/2010/main" val="3748805908"/>
+      </p:ext>
+    </p:extLst>
+  </p:cSld>
+  <p:clrMapOvr>
+    <a:masterClrMapping/>
+  </p:clrMapOvr>
+</p:sld>
+</file>
+
+<file path=ppt/slides/slide33.xml><?xml version="1.0" encoding="utf-8"?>
+<p:sld xmlns:a="http://schemas.openxmlformats.org/drawingml/2006/main" xmlns:r="http://schemas.openxmlformats.org/officeDocument/2006/relationships" xmlns:p="http://schemas.openxmlformats.org/presentationml/2006/main">
+  <p:cSld>
+    <p:spTree>
+      <p:nvGrpSpPr>
+        <p:cNvPr id="1" name=""/>
+        <p:cNvGrpSpPr/>
+        <p:nvPr/>
+      </p:nvGrpSpPr>
+      <p:grpSpPr>
+        <a:xfrm>
+          <a:off x="0" y="0"/>
+          <a:ext cx="0" cy="0"/>
+          <a:chOff x="0" y="0"/>
+          <a:chExt cx="0" cy="0"/>
+        </a:xfrm>
+      </p:grpSpPr>
+      <p:sp>
+        <p:nvSpPr>
           <p:cNvPr id="2" name="Title 1">
             <a:extLst>
               <a:ext uri="{FF2B5EF4-FFF2-40B4-BE49-F238E27FC236}">
@@ -7554,7 +8020,7 @@
 </p:sld>
 </file>
 
-<file path=ppt/slides/slide33.xml><?xml version="1.0" encoding="utf-8"?>
+<file path=ppt/slides/slide34.xml><?xml version="1.0" encoding="utf-8"?>
 <p:sld xmlns:a="http://schemas.openxmlformats.org/drawingml/2006/main" xmlns:r="http://schemas.openxmlformats.org/officeDocument/2006/relationships" xmlns:p="http://schemas.openxmlformats.org/presentationml/2006/main">
   <p:cSld>
     <p:spTree>
@@ -7653,97 +8119,6 @@
 </p:sld>
 </file>
 
-<file path=ppt/slides/slide34.xml><?xml version="1.0" encoding="utf-8"?>
-<p:sld xmlns:a="http://schemas.openxmlformats.org/drawingml/2006/main" xmlns:r="http://schemas.openxmlformats.org/officeDocument/2006/relationships" xmlns:p="http://schemas.openxmlformats.org/presentationml/2006/main">
-  <p:cSld>
-    <p:spTree>
-      <p:nvGrpSpPr>
-        <p:cNvPr id="1" name=""/>
-        <p:cNvGrpSpPr/>
-        <p:nvPr/>
-      </p:nvGrpSpPr>
-      <p:grpSpPr>
-        <a:xfrm>
-          <a:off x="0" y="0"/>
-          <a:ext cx="0" cy="0"/>
-          <a:chOff x="0" y="0"/>
-          <a:chExt cx="0" cy="0"/>
-        </a:xfrm>
-      </p:grpSpPr>
-      <p:sp>
-        <p:nvSpPr>
-          <p:cNvPr id="2" name="Title 1">
-            <a:extLst>
-              <a:ext uri="{FF2B5EF4-FFF2-40B4-BE49-F238E27FC236}">
-                <a16:creationId xmlns:a16="http://schemas.microsoft.com/office/drawing/2014/main" id="{38D9F653-9477-45EE-B605-5E7AD119EC8F}"/>
-              </a:ext>
-            </a:extLst>
-          </p:cNvPr>
-          <p:cNvSpPr>
-            <a:spLocks noGrp="1"/>
-          </p:cNvSpPr>
-          <p:nvPr>
-            <p:ph type="title"/>
-          </p:nvPr>
-        </p:nvSpPr>
-        <p:spPr/>
-        <p:txBody>
-          <a:bodyPr/>
-          <a:lstStyle/>
-          <a:p>
-            <a:r>
-              <a:rPr lang="de-CH" dirty="0"/>
-              <a:t>Demo 7: </a:t>
-            </a:r>
-            <a:r>
-              <a:rPr lang="de-CH" dirty="0" err="1"/>
-              <a:t>Passthru</a:t>
-            </a:r>
-            <a:endParaRPr lang="de-CH" dirty="0"/>
-          </a:p>
-        </p:txBody>
-      </p:sp>
-      <p:sp>
-        <p:nvSpPr>
-          <p:cNvPr id="3" name="Text Placeholder 2">
-            <a:extLst>
-              <a:ext uri="{FF2B5EF4-FFF2-40B4-BE49-F238E27FC236}">
-                <a16:creationId xmlns:a16="http://schemas.microsoft.com/office/drawing/2014/main" id="{59A634E7-4C07-4324-86B0-530CB853A9F3}"/>
-              </a:ext>
-            </a:extLst>
-          </p:cNvPr>
-          <p:cNvSpPr>
-            <a:spLocks noGrp="1"/>
-          </p:cNvSpPr>
-          <p:nvPr>
-            <p:ph type="body" idx="1"/>
-          </p:nvPr>
-        </p:nvSpPr>
-        <p:spPr/>
-        <p:txBody>
-          <a:bodyPr/>
-          <a:lstStyle/>
-          <a:p>
-            <a:r>
-              <a:rPr lang="de-CH" dirty="0"/>
-              <a:t>Part 7</a:t>
-            </a:r>
-          </a:p>
-        </p:txBody>
-      </p:sp>
-    </p:spTree>
-    <p:extLst>
-      <p:ext uri="{BB962C8B-B14F-4D97-AF65-F5344CB8AC3E}">
-        <p14:creationId xmlns:p14="http://schemas.microsoft.com/office/powerpoint/2010/main" val="3323166805"/>
-      </p:ext>
-    </p:extLst>
-  </p:cSld>
-  <p:clrMapOvr>
-    <a:masterClrMapping/>
-  </p:clrMapOvr>
-</p:sld>
-</file>
-
 <file path=ppt/slides/slide35.xml><?xml version="1.0" encoding="utf-8"?>
 <p:sld xmlns:a="http://schemas.openxmlformats.org/drawingml/2006/main" xmlns:r="http://schemas.openxmlformats.org/officeDocument/2006/relationships" xmlns:p="http://schemas.openxmlformats.org/presentationml/2006/main">
   <p:cSld>
@@ -7763,10 +8138,10 @@
       </p:grpSpPr>
       <p:sp>
         <p:nvSpPr>
-          <p:cNvPr id="4" name="Title 3">
+          <p:cNvPr id="2" name="Title 1">
             <a:extLst>
               <a:ext uri="{FF2B5EF4-FFF2-40B4-BE49-F238E27FC236}">
-                <a16:creationId xmlns:a16="http://schemas.microsoft.com/office/drawing/2014/main" id="{CDE89788-8C3E-4E85-8C16-024CD7306964}"/>
+                <a16:creationId xmlns:a16="http://schemas.microsoft.com/office/drawing/2014/main" id="{38D9F653-9477-45EE-B605-5E7AD119EC8F}"/>
               </a:ext>
             </a:extLst>
           </p:cNvPr>
@@ -7774,17 +8149,21 @@
             <a:spLocks noGrp="1"/>
           </p:cNvSpPr>
           <p:nvPr>
-            <p:ph type="ctrTitle"/>
-          </p:nvPr>
-        </p:nvSpPr>
-        <p:spPr/>
-        <p:txBody>
-          <a:bodyPr/>
-          <a:lstStyle/>
-          <a:p>
-            <a:r>
-              <a:rPr lang="de-CH" dirty="0" err="1"/>
-              <a:t>Discussion</a:t>
+            <p:ph type="title"/>
+          </p:nvPr>
+        </p:nvSpPr>
+        <p:spPr/>
+        <p:txBody>
+          <a:bodyPr/>
+          <a:lstStyle/>
+          <a:p>
+            <a:r>
+              <a:rPr lang="de-CH" dirty="0"/>
+              <a:t>Demo 7: </a:t>
+            </a:r>
+            <a:r>
+              <a:rPr lang="de-CH" dirty="0" err="1"/>
+              <a:t>Passthru</a:t>
             </a:r>
             <a:endParaRPr lang="de-CH" dirty="0"/>
           </a:p>
@@ -7792,10 +8171,10 @@
       </p:sp>
       <p:sp>
         <p:nvSpPr>
-          <p:cNvPr id="5" name="Subtitle 4">
+          <p:cNvPr id="3" name="Text Placeholder 2">
             <a:extLst>
               <a:ext uri="{FF2B5EF4-FFF2-40B4-BE49-F238E27FC236}">
-                <a16:creationId xmlns:a16="http://schemas.microsoft.com/office/drawing/2014/main" id="{53E8AEAD-D972-4760-8DB2-B84C3297DF50}"/>
+                <a16:creationId xmlns:a16="http://schemas.microsoft.com/office/drawing/2014/main" id="{59A634E7-4C07-4324-86B0-530CB853A9F3}"/>
               </a:ext>
             </a:extLst>
           </p:cNvPr>
@@ -7803,69 +8182,17 @@
             <a:spLocks noGrp="1"/>
           </p:cNvSpPr>
           <p:nvPr>
-            <p:ph type="subTitle" idx="1"/>
-          </p:nvPr>
-        </p:nvSpPr>
-        <p:spPr/>
-        <p:txBody>
-          <a:bodyPr/>
-          <a:lstStyle/>
-          <a:p>
-            <a:r>
-              <a:rPr lang="de-CH" dirty="0" err="1"/>
-              <a:t>Where</a:t>
-            </a:r>
-            <a:r>
-              <a:rPr lang="de-CH" dirty="0"/>
-              <a:t> do </a:t>
-            </a:r>
-            <a:r>
-              <a:rPr lang="de-CH" dirty="0" err="1"/>
-              <a:t>you</a:t>
-            </a:r>
-            <a:r>
-              <a:rPr lang="de-CH" dirty="0"/>
-              <a:t> </a:t>
-            </a:r>
-            <a:r>
-              <a:rPr lang="de-CH" dirty="0" err="1"/>
-              <a:t>think</a:t>
-            </a:r>
-            <a:r>
-              <a:rPr lang="de-CH" dirty="0"/>
-              <a:t> </a:t>
-            </a:r>
-            <a:r>
-              <a:rPr lang="de-CH" dirty="0" err="1"/>
-              <a:t>you</a:t>
-            </a:r>
-            <a:r>
-              <a:rPr lang="de-CH" dirty="0"/>
-              <a:t> </a:t>
-            </a:r>
-            <a:r>
-              <a:rPr lang="de-CH" dirty="0" err="1"/>
-              <a:t>could</a:t>
-            </a:r>
-            <a:r>
-              <a:rPr lang="de-CH" dirty="0"/>
-              <a:t> </a:t>
-            </a:r>
-            <a:r>
-              <a:rPr lang="de-CH" dirty="0" err="1"/>
-              <a:t>use</a:t>
-            </a:r>
-            <a:r>
-              <a:rPr lang="de-CH" dirty="0"/>
-              <a:t> </a:t>
-            </a:r>
-            <a:r>
-              <a:rPr lang="de-CH" dirty="0" err="1"/>
-              <a:t>Passthru</a:t>
-            </a:r>
-            <a:r>
-              <a:rPr lang="de-CH" dirty="0"/>
-              <a:t>?</a:t>
+            <p:ph type="body" idx="1"/>
+          </p:nvPr>
+        </p:nvSpPr>
+        <p:spPr/>
+        <p:txBody>
+          <a:bodyPr/>
+          <a:lstStyle/>
+          <a:p>
+            <a:r>
+              <a:rPr lang="de-CH" dirty="0"/>
+              <a:t>Part 7</a:t>
             </a:r>
           </a:p>
         </p:txBody>
@@ -7873,7 +8200,7 @@
     </p:spTree>
     <p:extLst>
       <p:ext uri="{BB962C8B-B14F-4D97-AF65-F5344CB8AC3E}">
-        <p14:creationId xmlns:p14="http://schemas.microsoft.com/office/powerpoint/2010/main" val="3998066515"/>
+        <p14:creationId xmlns:p14="http://schemas.microsoft.com/office/powerpoint/2010/main" val="3323166805"/>
       </p:ext>
     </p:extLst>
   </p:cSld>
@@ -7902,10 +8229,10 @@
       </p:grpSpPr>
       <p:sp>
         <p:nvSpPr>
-          <p:cNvPr id="2" name="Title 1">
+          <p:cNvPr id="4" name="Title 3">
             <a:extLst>
               <a:ext uri="{FF2B5EF4-FFF2-40B4-BE49-F238E27FC236}">
-                <a16:creationId xmlns:a16="http://schemas.microsoft.com/office/drawing/2014/main" id="{FBC10BD2-2DF5-4D94-AFD6-ED4EF04B7655}"/>
+                <a16:creationId xmlns:a16="http://schemas.microsoft.com/office/drawing/2014/main" id="{CDE89788-8C3E-4E85-8C16-024CD7306964}"/>
               </a:ext>
             </a:extLst>
           </p:cNvPr>
@@ -7913,33 +8240,17 @@
             <a:spLocks noGrp="1"/>
           </p:cNvSpPr>
           <p:nvPr>
-            <p:ph type="title"/>
-          </p:nvPr>
-        </p:nvSpPr>
-        <p:spPr/>
-        <p:txBody>
-          <a:bodyPr/>
-          <a:lstStyle/>
-          <a:p>
-            <a:r>
-              <a:rPr lang="de-CH" dirty="0" err="1"/>
-              <a:t>Advanced</a:t>
-            </a:r>
-            <a:r>
-              <a:rPr lang="de-CH" dirty="0"/>
-              <a:t> </a:t>
-            </a:r>
-            <a:r>
-              <a:rPr lang="de-CH" dirty="0" err="1"/>
-              <a:t>Pester</a:t>
-            </a:r>
-            <a:r>
-              <a:rPr lang="de-CH" dirty="0"/>
-              <a:t> </a:t>
-            </a:r>
-            <a:r>
-              <a:rPr lang="de-CH" dirty="0" err="1"/>
-              <a:t>concepts</a:t>
+            <p:ph type="ctrTitle"/>
+          </p:nvPr>
+        </p:nvSpPr>
+        <p:spPr/>
+        <p:txBody>
+          <a:bodyPr/>
+          <a:lstStyle/>
+          <a:p>
+            <a:r>
+              <a:rPr lang="de-CH" dirty="0" err="1"/>
+              <a:t>Discussion</a:t>
             </a:r>
             <a:endParaRPr lang="de-CH" dirty="0"/>
           </a:p>
@@ -7947,10 +8258,10 @@
       </p:sp>
       <p:sp>
         <p:nvSpPr>
-          <p:cNvPr id="3" name="Text Placeholder 2">
+          <p:cNvPr id="5" name="Subtitle 4">
             <a:extLst>
               <a:ext uri="{FF2B5EF4-FFF2-40B4-BE49-F238E27FC236}">
-                <a16:creationId xmlns:a16="http://schemas.microsoft.com/office/drawing/2014/main" id="{9D3ABB81-2D9A-401A-B4AC-5D39DD0EB0E8}"/>
+                <a16:creationId xmlns:a16="http://schemas.microsoft.com/office/drawing/2014/main" id="{53E8AEAD-D972-4760-8DB2-B84C3297DF50}"/>
               </a:ext>
             </a:extLst>
           </p:cNvPr>
@@ -7958,29 +8269,77 @@
             <a:spLocks noGrp="1"/>
           </p:cNvSpPr>
           <p:nvPr>
-            <p:ph type="body" idx="1"/>
-          </p:nvPr>
-        </p:nvSpPr>
-        <p:spPr/>
-        <p:txBody>
-          <a:bodyPr/>
-          <a:lstStyle/>
-          <a:p>
+            <p:ph type="subTitle" idx="1"/>
+          </p:nvPr>
+        </p:nvSpPr>
+        <p:spPr/>
+        <p:txBody>
+          <a:bodyPr/>
+          <a:lstStyle/>
+          <a:p>
+            <a:r>
+              <a:rPr lang="de-CH" dirty="0" err="1"/>
+              <a:t>Where</a:t>
+            </a:r>
+            <a:r>
+              <a:rPr lang="de-CH" dirty="0"/>
+              <a:t> do </a:t>
+            </a:r>
+            <a:r>
+              <a:rPr lang="de-CH" dirty="0" err="1"/>
+              <a:t>you</a:t>
+            </a:r>
+            <a:r>
+              <a:rPr lang="de-CH" dirty="0"/>
+              <a:t> </a:t>
+            </a:r>
+            <a:r>
+              <a:rPr lang="de-CH" dirty="0" err="1"/>
+              <a:t>think</a:t>
+            </a:r>
+            <a:r>
+              <a:rPr lang="de-CH" dirty="0"/>
+              <a:t> </a:t>
+            </a:r>
+            <a:r>
+              <a:rPr lang="de-CH" dirty="0" err="1"/>
+              <a:t>you</a:t>
+            </a:r>
+            <a:r>
+              <a:rPr lang="de-CH" dirty="0"/>
+              <a:t> </a:t>
+            </a:r>
+            <a:r>
+              <a:rPr lang="de-CH" dirty="0" err="1"/>
+              <a:t>could</a:t>
+            </a:r>
+            <a:r>
+              <a:rPr lang="de-CH" dirty="0"/>
+              <a:t> </a:t>
+            </a:r>
+            <a:r>
+              <a:rPr lang="de-CH" dirty="0" err="1"/>
+              <a:t>use</a:t>
+            </a:r>
+            <a:r>
+              <a:rPr lang="de-CH" dirty="0"/>
+              <a:t> </a:t>
+            </a:r>
             <a:r>
               <a:rPr lang="de-CH" dirty="0" err="1"/>
               <a:t>Passthru</a:t>
             </a:r>
-            <a:endParaRPr lang="de-CH" dirty="0"/>
-          </a:p>
-          <a:p>
-            <a:endParaRPr lang="de-CH" dirty="0"/>
+            <a:r>
+              <a:rPr lang="de-CH" dirty="0"/>
+              <a:t>?</a:t>
+            </a:r>
           </a:p>
         </p:txBody>
       </p:sp>
     </p:spTree>
     <p:extLst>
       <p:ext uri="{BB962C8B-B14F-4D97-AF65-F5344CB8AC3E}">
-        <p14:creationId xmlns:p14="http://schemas.microsoft.com/office/powerpoint/2010/main" val="322583968"/>
+        <p14:creationId xmlns:p14="http://schemas.microsoft.com/office/powerpoint/2010/main" val="3998066515"/>
       </p:ext>
     </p:extLst>
   </p:cSld>
@@ -8012,7 +8371,7 @@
           <p:cNvPr id="2" name="Title 1">
             <a:extLst>
               <a:ext uri="{FF2B5EF4-FFF2-40B4-BE49-F238E27FC236}">
-                <a16:creationId xmlns:a16="http://schemas.microsoft.com/office/drawing/2014/main" id="{38D9F653-9477-45EE-B605-5E7AD119EC8F}"/>
+                <a16:creationId xmlns:a16="http://schemas.microsoft.com/office/drawing/2014/main" id="{FBC10BD2-2DF5-4D94-AFD6-ED4EF04B7655}"/>
               </a:ext>
             </a:extLst>
           </p:cNvPr>
@@ -8029,9 +8388,26 @@
           <a:lstStyle/>
           <a:p>
             <a:r>
-              <a:rPr lang="de-CH" dirty="0"/>
-              <a:t>Demo 8: Show</a:t>
-            </a:r>
+              <a:rPr lang="de-CH" dirty="0" err="1"/>
+              <a:t>Advanced</a:t>
+            </a:r>
+            <a:r>
+              <a:rPr lang="de-CH" dirty="0"/>
+              <a:t> </a:t>
+            </a:r>
+            <a:r>
+              <a:rPr lang="de-CH" dirty="0" err="1"/>
+              <a:t>Pester</a:t>
+            </a:r>
+            <a:r>
+              <a:rPr lang="de-CH" dirty="0"/>
+              <a:t> </a:t>
+            </a:r>
+            <a:r>
+              <a:rPr lang="de-CH" dirty="0" err="1"/>
+              <a:t>concepts</a:t>
+            </a:r>
+            <a:endParaRPr lang="de-CH" dirty="0"/>
           </a:p>
         </p:txBody>
       </p:sp>
@@ -8040,7 +8416,7 @@
           <p:cNvPr id="3" name="Text Placeholder 2">
             <a:extLst>
               <a:ext uri="{FF2B5EF4-FFF2-40B4-BE49-F238E27FC236}">
-                <a16:creationId xmlns:a16="http://schemas.microsoft.com/office/drawing/2014/main" id="{59A634E7-4C07-4324-86B0-530CB853A9F3}"/>
+                <a16:creationId xmlns:a16="http://schemas.microsoft.com/office/drawing/2014/main" id="{9D3ABB81-2D9A-401A-B4AC-5D39DD0EB0E8}"/>
               </a:ext>
             </a:extLst>
           </p:cNvPr>
@@ -8058,15 +8434,18 @@
           <a:p>
             <a:r>
               <a:rPr lang="de-CH" dirty="0"/>
-              <a:t>Part 8</a:t>
-            </a:r>
+              <a:t>Show</a:t>
+            </a:r>
+          </a:p>
+          <a:p>
+            <a:endParaRPr lang="de-CH" dirty="0"/>
           </a:p>
         </p:txBody>
       </p:sp>
     </p:spTree>
     <p:extLst>
       <p:ext uri="{BB962C8B-B14F-4D97-AF65-F5344CB8AC3E}">
-        <p14:creationId xmlns:p14="http://schemas.microsoft.com/office/powerpoint/2010/main" val="2024026934"/>
+        <p14:creationId xmlns:p14="http://schemas.microsoft.com/office/powerpoint/2010/main" val="322583968"/>
       </p:ext>
     </p:extLst>
   </p:cSld>
@@ -8095,10 +8474,10 @@
       </p:grpSpPr>
       <p:sp>
         <p:nvSpPr>
-          <p:cNvPr id="4" name="Title 3">
+          <p:cNvPr id="2" name="Title 1">
             <a:extLst>
               <a:ext uri="{FF2B5EF4-FFF2-40B4-BE49-F238E27FC236}">
-                <a16:creationId xmlns:a16="http://schemas.microsoft.com/office/drawing/2014/main" id="{CDE89788-8C3E-4E85-8C16-024CD7306964}"/>
+                <a16:creationId xmlns:a16="http://schemas.microsoft.com/office/drawing/2014/main" id="{38D9F653-9477-45EE-B605-5E7AD119EC8F}"/>
               </a:ext>
             </a:extLst>
           </p:cNvPr>
@@ -8106,28 +8485,27 @@
             <a:spLocks noGrp="1"/>
           </p:cNvSpPr>
           <p:nvPr>
-            <p:ph type="ctrTitle"/>
-          </p:nvPr>
-        </p:nvSpPr>
-        <p:spPr/>
-        <p:txBody>
-          <a:bodyPr/>
-          <a:lstStyle/>
-          <a:p>
-            <a:r>
-              <a:rPr lang="de-CH" dirty="0" err="1"/>
-              <a:t>Discussion</a:t>
-            </a:r>
-            <a:endParaRPr lang="de-CH" dirty="0"/>
-          </a:p>
-        </p:txBody>
-      </p:sp>
-      <p:sp>
-        <p:nvSpPr>
-          <p:cNvPr id="5" name="Subtitle 4">
+            <p:ph type="title"/>
+          </p:nvPr>
+        </p:nvSpPr>
+        <p:spPr/>
+        <p:txBody>
+          <a:bodyPr/>
+          <a:lstStyle/>
+          <a:p>
+            <a:r>
+              <a:rPr lang="de-CH" dirty="0"/>
+              <a:t>Demo 8: Show</a:t>
+            </a:r>
+          </a:p>
+        </p:txBody>
+      </p:sp>
+      <p:sp>
+        <p:nvSpPr>
+          <p:cNvPr id="3" name="Text Placeholder 2">
             <a:extLst>
               <a:ext uri="{FF2B5EF4-FFF2-40B4-BE49-F238E27FC236}">
-                <a16:creationId xmlns:a16="http://schemas.microsoft.com/office/drawing/2014/main" id="{53E8AEAD-D972-4760-8DB2-B84C3297DF50}"/>
+                <a16:creationId xmlns:a16="http://schemas.microsoft.com/office/drawing/2014/main" id="{59A634E7-4C07-4324-86B0-530CB853A9F3}"/>
               </a:ext>
             </a:extLst>
           </p:cNvPr>
@@ -8135,69 +8513,17 @@
             <a:spLocks noGrp="1"/>
           </p:cNvSpPr>
           <p:nvPr>
-            <p:ph type="subTitle" idx="1"/>
-          </p:nvPr>
-        </p:nvSpPr>
-        <p:spPr/>
-        <p:txBody>
-          <a:bodyPr/>
-          <a:lstStyle/>
-          <a:p>
-            <a:r>
-              <a:rPr lang="de-CH" dirty="0" err="1"/>
-              <a:t>Where</a:t>
-            </a:r>
-            <a:r>
-              <a:rPr lang="de-CH" dirty="0"/>
-              <a:t> do </a:t>
-            </a:r>
-            <a:r>
-              <a:rPr lang="de-CH" dirty="0" err="1"/>
-              <a:t>you</a:t>
-            </a:r>
-            <a:r>
-              <a:rPr lang="de-CH" dirty="0"/>
-              <a:t> </a:t>
-            </a:r>
-            <a:r>
-              <a:rPr lang="de-CH" dirty="0" err="1"/>
-              <a:t>think</a:t>
-            </a:r>
-            <a:r>
-              <a:rPr lang="de-CH" dirty="0"/>
-              <a:t> </a:t>
-            </a:r>
-            <a:r>
-              <a:rPr lang="de-CH" dirty="0" err="1"/>
-              <a:t>you</a:t>
-            </a:r>
-            <a:r>
-              <a:rPr lang="de-CH" dirty="0"/>
-              <a:t> </a:t>
-            </a:r>
-            <a:r>
-              <a:rPr lang="de-CH" dirty="0" err="1"/>
-              <a:t>could</a:t>
-            </a:r>
-            <a:r>
-              <a:rPr lang="de-CH" dirty="0"/>
-              <a:t> </a:t>
-            </a:r>
-            <a:r>
-              <a:rPr lang="de-CH" dirty="0" err="1"/>
-              <a:t>use</a:t>
-            </a:r>
-            <a:r>
-              <a:rPr lang="de-CH" dirty="0"/>
-              <a:t> </a:t>
-            </a:r>
-            <a:r>
-              <a:rPr lang="de-CH" dirty="0" err="1"/>
-              <a:t>Passthru</a:t>
-            </a:r>
-            <a:r>
-              <a:rPr lang="de-CH" dirty="0"/>
-              <a:t>?</a:t>
+            <p:ph type="body" idx="1"/>
+          </p:nvPr>
+        </p:nvSpPr>
+        <p:spPr/>
+        <p:txBody>
+          <a:bodyPr/>
+          <a:lstStyle/>
+          <a:p>
+            <a:r>
+              <a:rPr lang="de-CH" dirty="0"/>
+              <a:t>Part 8</a:t>
             </a:r>
           </a:p>
         </p:txBody>
@@ -8205,7 +8531,7 @@
     </p:spTree>
     <p:extLst>
       <p:ext uri="{BB962C8B-B14F-4D97-AF65-F5344CB8AC3E}">
-        <p14:creationId xmlns:p14="http://schemas.microsoft.com/office/powerpoint/2010/main" val="4249566839"/>
+        <p14:creationId xmlns:p14="http://schemas.microsoft.com/office/powerpoint/2010/main" val="2024026934"/>
       </p:ext>
     </p:extLst>
   </p:cSld>
@@ -8234,10 +8560,10 @@
       </p:grpSpPr>
       <p:sp>
         <p:nvSpPr>
-          <p:cNvPr id="2" name="Title 1">
+          <p:cNvPr id="4" name="Title 3">
             <a:extLst>
               <a:ext uri="{FF2B5EF4-FFF2-40B4-BE49-F238E27FC236}">
-                <a16:creationId xmlns:a16="http://schemas.microsoft.com/office/drawing/2014/main" id="{FBC10BD2-2DF5-4D94-AFD6-ED4EF04B7655}"/>
+                <a16:creationId xmlns:a16="http://schemas.microsoft.com/office/drawing/2014/main" id="{CDE89788-8C3E-4E85-8C16-024CD7306964}"/>
               </a:ext>
             </a:extLst>
           </p:cNvPr>
@@ -8245,58 +8571,28 @@
             <a:spLocks noGrp="1"/>
           </p:cNvSpPr>
           <p:nvPr>
-            <p:ph type="title"/>
-          </p:nvPr>
-        </p:nvSpPr>
-        <p:spPr/>
-        <p:txBody>
-          <a:bodyPr/>
-          <a:lstStyle/>
-          <a:p>
-            <a:r>
-              <a:rPr lang="de-CH" dirty="0" err="1"/>
-              <a:t>Advanced</a:t>
-            </a:r>
-            <a:r>
-              <a:rPr lang="de-CH" dirty="0"/>
-              <a:t> </a:t>
-            </a:r>
-            <a:r>
-              <a:rPr lang="de-CH" dirty="0" err="1"/>
-              <a:t>Pester</a:t>
-            </a:r>
-            <a:r>
-              <a:rPr lang="de-CH" dirty="0"/>
-              <a:t> </a:t>
-            </a:r>
-            <a:r>
-              <a:rPr lang="de-CH" dirty="0" err="1"/>
-              <a:t>concepts</a:t>
-            </a:r>
-            <a:r>
-              <a:rPr lang="de-CH" dirty="0"/>
-              <a:t>:</a:t>
-            </a:r>
-            <a:br>
-              <a:rPr lang="de-CH" dirty="0"/>
-            </a:br>
-            <a:r>
-              <a:rPr lang="de-CH" dirty="0" err="1"/>
-              <a:t>exporting</a:t>
-            </a:r>
-            <a:r>
-              <a:rPr lang="de-CH" dirty="0"/>
-              <a:t> Tests</a:t>
-            </a:r>
-          </a:p>
-        </p:txBody>
-      </p:sp>
-      <p:sp>
-        <p:nvSpPr>
-          <p:cNvPr id="3" name="Text Placeholder 2">
+            <p:ph type="ctrTitle"/>
+          </p:nvPr>
+        </p:nvSpPr>
+        <p:spPr/>
+        <p:txBody>
+          <a:bodyPr/>
+          <a:lstStyle/>
+          <a:p>
+            <a:r>
+              <a:rPr lang="de-CH" dirty="0" err="1"/>
+              <a:t>Discussion</a:t>
+            </a:r>
+            <a:endParaRPr lang="de-CH" dirty="0"/>
+          </a:p>
+        </p:txBody>
+      </p:sp>
+      <p:sp>
+        <p:nvSpPr>
+          <p:cNvPr id="5" name="Subtitle 4">
             <a:extLst>
               <a:ext uri="{FF2B5EF4-FFF2-40B4-BE49-F238E27FC236}">
-                <a16:creationId xmlns:a16="http://schemas.microsoft.com/office/drawing/2014/main" id="{9D3ABB81-2D9A-401A-B4AC-5D39DD0EB0E8}"/>
+                <a16:creationId xmlns:a16="http://schemas.microsoft.com/office/drawing/2014/main" id="{53E8AEAD-D972-4760-8DB2-B84C3297DF50}"/>
               </a:ext>
             </a:extLst>
           </p:cNvPr>
@@ -8304,24 +8600,62 @@
             <a:spLocks noGrp="1"/>
           </p:cNvSpPr>
           <p:nvPr>
-            <p:ph type="body" idx="1"/>
-          </p:nvPr>
-        </p:nvSpPr>
-        <p:spPr/>
-        <p:txBody>
-          <a:bodyPr/>
-          <a:lstStyle/>
-          <a:p>
-            <a:r>
-              <a:rPr lang="de-CH" dirty="0" err="1"/>
-              <a:t>NunitXML</a:t>
-            </a:r>
-            <a:r>
-              <a:rPr lang="de-CH" dirty="0"/>
-              <a:t> </a:t>
-            </a:r>
-          </a:p>
-          <a:p>
+            <p:ph type="subTitle" idx="1"/>
+          </p:nvPr>
+        </p:nvSpPr>
+        <p:spPr/>
+        <p:txBody>
+          <a:bodyPr/>
+          <a:lstStyle/>
+          <a:p>
+            <a:r>
+              <a:rPr lang="de-CH" dirty="0" err="1"/>
+              <a:t>Where</a:t>
+            </a:r>
+            <a:r>
+              <a:rPr lang="de-CH" dirty="0"/>
+              <a:t> do </a:t>
+            </a:r>
+            <a:r>
+              <a:rPr lang="de-CH" dirty="0" err="1"/>
+              <a:t>you</a:t>
+            </a:r>
+            <a:r>
+              <a:rPr lang="de-CH" dirty="0"/>
+              <a:t> </a:t>
+            </a:r>
+            <a:r>
+              <a:rPr lang="de-CH" dirty="0" err="1"/>
+              <a:t>think</a:t>
+            </a:r>
+            <a:r>
+              <a:rPr lang="de-CH" dirty="0"/>
+              <a:t> </a:t>
+            </a:r>
+            <a:r>
+              <a:rPr lang="de-CH" dirty="0" err="1"/>
+              <a:t>you</a:t>
+            </a:r>
+            <a:r>
+              <a:rPr lang="de-CH" dirty="0"/>
+              <a:t> </a:t>
+            </a:r>
+            <a:r>
+              <a:rPr lang="de-CH" dirty="0" err="1"/>
+              <a:t>could</a:t>
+            </a:r>
+            <a:r>
+              <a:rPr lang="de-CH" dirty="0"/>
+              <a:t> </a:t>
+            </a:r>
+            <a:r>
+              <a:rPr lang="de-CH" dirty="0" err="1"/>
+              <a:t>use</a:t>
+            </a:r>
+            <a:r>
+              <a:rPr lang="de-CH"/>
+              <a:t> Show?</a:t>
+            </a:r>
             <a:endParaRPr lang="de-CH" dirty="0"/>
           </a:p>
         </p:txBody>
@@ -8329,7 +8663,7 @@
     </p:spTree>
     <p:extLst>
       <p:ext uri="{BB962C8B-B14F-4D97-AF65-F5344CB8AC3E}">
-        <p14:creationId xmlns:p14="http://schemas.microsoft.com/office/powerpoint/2010/main" val="3851242426"/>
+        <p14:creationId xmlns:p14="http://schemas.microsoft.com/office/powerpoint/2010/main" val="4249566839"/>
       </p:ext>
     </p:extLst>
   </p:cSld>
@@ -8358,10 +8692,10 @@
       </p:grpSpPr>
       <p:sp>
         <p:nvSpPr>
-          <p:cNvPr id="4" name="Title 3">
+          <p:cNvPr id="2" name="Title 1">
             <a:extLst>
               <a:ext uri="{FF2B5EF4-FFF2-40B4-BE49-F238E27FC236}">
-                <a16:creationId xmlns:a16="http://schemas.microsoft.com/office/drawing/2014/main" id="{CAB813E8-756C-4470-8E83-4275EA0B4EA0}"/>
+                <a16:creationId xmlns:a16="http://schemas.microsoft.com/office/drawing/2014/main" id="{C8788AE2-B683-4554-B7D7-82C9792171D8}"/>
               </a:ext>
             </a:extLst>
           </p:cNvPr>
@@ -8369,31 +8703,36 @@
             <a:spLocks noGrp="1"/>
           </p:cNvSpPr>
           <p:nvPr>
-            <p:ph type="ctrTitle"/>
-          </p:nvPr>
-        </p:nvSpPr>
-        <p:spPr/>
-        <p:txBody>
-          <a:bodyPr/>
-          <a:lstStyle/>
-          <a:p>
-            <a:r>
-              <a:rPr lang="de-CH" dirty="0" err="1"/>
-              <a:t>Why</a:t>
-            </a:r>
-            <a:r>
-              <a:rPr lang="de-CH" dirty="0"/>
-              <a:t> Test?</a:t>
-            </a:r>
-          </a:p>
-        </p:txBody>
-      </p:sp>
-      <p:sp>
-        <p:nvSpPr>
-          <p:cNvPr id="5" name="Subtitle 4">
+            <p:ph type="title"/>
+          </p:nvPr>
+        </p:nvSpPr>
+        <p:spPr/>
+        <p:txBody>
+          <a:bodyPr/>
+          <a:lstStyle/>
+          <a:p>
+            <a:r>
+              <a:rPr lang="de-CH" dirty="0" err="1"/>
+              <a:t>Testing</a:t>
+            </a:r>
+            <a:r>
+              <a:rPr lang="de-CH" dirty="0"/>
+              <a:t> </a:t>
+            </a:r>
+            <a:r>
+              <a:rPr lang="de-CH" dirty="0" err="1"/>
+              <a:t>frameworks</a:t>
+            </a:r>
+            <a:endParaRPr lang="de-CH" dirty="0"/>
+          </a:p>
+        </p:txBody>
+      </p:sp>
+      <p:sp>
+        <p:nvSpPr>
+          <p:cNvPr id="3" name="Content Placeholder 2">
             <a:extLst>
               <a:ext uri="{FF2B5EF4-FFF2-40B4-BE49-F238E27FC236}">
-                <a16:creationId xmlns:a16="http://schemas.microsoft.com/office/drawing/2014/main" id="{83CF8022-CA50-4278-AA0E-45A3B454BAAF}"/>
+                <a16:creationId xmlns:a16="http://schemas.microsoft.com/office/drawing/2014/main" id="{90A62F4A-880A-4B26-9861-F8D81B0CCB1D}"/>
               </a:ext>
             </a:extLst>
           </p:cNvPr>
@@ -8401,29 +8740,128 @@
             <a:spLocks noGrp="1"/>
           </p:cNvSpPr>
           <p:nvPr>
-            <p:ph type="subTitle" idx="1"/>
-          </p:nvPr>
-        </p:nvSpPr>
-        <p:spPr/>
-        <p:txBody>
-          <a:bodyPr/>
-          <a:lstStyle/>
-          <a:p>
-            <a:r>
-              <a:rPr lang="de-CH" dirty="0" err="1"/>
-              <a:t>Why</a:t>
-            </a:r>
-            <a:r>
-              <a:rPr lang="de-CH" dirty="0"/>
-              <a:t> not?</a:t>
-            </a:r>
+            <p:ph idx="1"/>
+          </p:nvPr>
+        </p:nvSpPr>
+        <p:spPr/>
+        <p:txBody>
+          <a:bodyPr/>
+          <a:lstStyle/>
+          <a:p>
+            <a:r>
+              <a:rPr lang="de-CH" dirty="0"/>
+              <a:t>Every </a:t>
+            </a:r>
+            <a:r>
+              <a:rPr lang="de-CH" dirty="0" err="1"/>
+              <a:t>language</a:t>
+            </a:r>
+            <a:r>
+              <a:rPr lang="de-CH" dirty="0"/>
+              <a:t> </a:t>
+            </a:r>
+            <a:r>
+              <a:rPr lang="de-CH" dirty="0" err="1"/>
+              <a:t>has</a:t>
+            </a:r>
+            <a:r>
+              <a:rPr lang="de-CH" dirty="0"/>
+              <a:t> </a:t>
+            </a:r>
+            <a:r>
+              <a:rPr lang="de-CH" dirty="0" err="1"/>
+              <a:t>it's</a:t>
+            </a:r>
+            <a:r>
+              <a:rPr lang="de-CH" dirty="0"/>
+              <a:t> </a:t>
+            </a:r>
+            <a:r>
+              <a:rPr lang="de-CH" dirty="0" err="1"/>
+              <a:t>testing</a:t>
+            </a:r>
+            <a:r>
+              <a:rPr lang="de-CH" dirty="0"/>
+              <a:t> </a:t>
+            </a:r>
+            <a:r>
+              <a:rPr lang="de-CH" dirty="0" err="1"/>
+              <a:t>framework</a:t>
+            </a:r>
+            <a:r>
+              <a:rPr lang="de-CH" dirty="0"/>
+              <a:t>(s)</a:t>
+            </a:r>
+          </a:p>
+          <a:p>
+            <a:pPr lvl="1"/>
+            <a:r>
+              <a:rPr lang="de-CH" dirty="0"/>
+              <a:t>Ruby: </a:t>
+            </a:r>
+            <a:r>
+              <a:rPr lang="de-CH" dirty="0" err="1"/>
+              <a:t>Rspec,Shoulda,Test</a:t>
+            </a:r>
+            <a:r>
+              <a:rPr lang="de-CH" dirty="0"/>
+              <a:t>::Unit</a:t>
+            </a:r>
+          </a:p>
+          <a:p>
+            <a:pPr lvl="1"/>
+            <a:r>
+              <a:rPr lang="de-CH" dirty="0"/>
+              <a:t>Java: </a:t>
+            </a:r>
+            <a:r>
+              <a:rPr lang="de-CH" dirty="0" err="1"/>
+              <a:t>Junit</a:t>
+            </a:r>
+            <a:r>
+              <a:rPr lang="de-CH" dirty="0"/>
+              <a:t>, </a:t>
+            </a:r>
+            <a:r>
+              <a:rPr lang="de-CH" dirty="0" err="1"/>
+              <a:t>Selenium</a:t>
+            </a:r>
+            <a:endParaRPr lang="de-CH" dirty="0"/>
+          </a:p>
+          <a:p>
+            <a:pPr lvl="1"/>
+            <a:r>
+              <a:rPr lang="de-CH" dirty="0" err="1"/>
+              <a:t>Csharp</a:t>
+            </a:r>
+            <a:r>
+              <a:rPr lang="de-CH" dirty="0"/>
+              <a:t>: </a:t>
+            </a:r>
+            <a:r>
+              <a:rPr lang="de-CH" dirty="0" err="1"/>
+              <a:t>Nunit,Xunit</a:t>
+            </a:r>
+            <a:endParaRPr lang="de-CH" dirty="0"/>
+          </a:p>
+          <a:p>
+            <a:pPr lvl="1"/>
+            <a:r>
+              <a:rPr lang="de-CH" dirty="0"/>
+              <a:t>PowerShell: </a:t>
+            </a:r>
+            <a:r>
+              <a:rPr lang="de-CH" dirty="0" err="1"/>
+              <a:t>Pester,PSUnit</a:t>
+            </a:r>
+            <a:endParaRPr lang="de-CH" dirty="0"/>
           </a:p>
         </p:txBody>
       </p:sp>
     </p:spTree>
     <p:extLst>
       <p:ext uri="{BB962C8B-B14F-4D97-AF65-F5344CB8AC3E}">
-        <p14:creationId xmlns:p14="http://schemas.microsoft.com/office/powerpoint/2010/main" val="188649551"/>
+        <p14:creationId xmlns:p14="http://schemas.microsoft.com/office/powerpoint/2010/main" val="2789125734"/>
       </p:ext>
     </p:extLst>
   </p:cSld>
@@ -8452,10 +8890,10 @@
       </p:grpSpPr>
       <p:sp>
         <p:nvSpPr>
-          <p:cNvPr id="4" name="Title 3">
+          <p:cNvPr id="2" name="Title 1">
             <a:extLst>
               <a:ext uri="{FF2B5EF4-FFF2-40B4-BE49-F238E27FC236}">
-                <a16:creationId xmlns:a16="http://schemas.microsoft.com/office/drawing/2014/main" id="{FCCE094E-59E3-42B2-9951-8B72C2EDD5E8}"/>
+                <a16:creationId xmlns:a16="http://schemas.microsoft.com/office/drawing/2014/main" id="{FBC10BD2-2DF5-4D94-AFD6-ED4EF04B7655}"/>
               </a:ext>
             </a:extLst>
           </p:cNvPr>
@@ -8473,18 +8911,48 @@
           <a:p>
             <a:r>
               <a:rPr lang="de-CH" dirty="0" err="1"/>
-              <a:t>NunitXML</a:t>
-            </a:r>
-            <a:endParaRPr lang="de-CH" dirty="0"/>
-          </a:p>
-        </p:txBody>
-      </p:sp>
-      <p:sp>
-        <p:nvSpPr>
-          <p:cNvPr id="5" name="Content Placeholder 4">
+              <a:t>Advanced</a:t>
+            </a:r>
+            <a:r>
+              <a:rPr lang="de-CH" dirty="0"/>
+              <a:t> </a:t>
+            </a:r>
+            <a:r>
+              <a:rPr lang="de-CH" dirty="0" err="1"/>
+              <a:t>Pester</a:t>
+            </a:r>
+            <a:r>
+              <a:rPr lang="de-CH" dirty="0"/>
+              <a:t> </a:t>
+            </a:r>
+            <a:r>
+              <a:rPr lang="de-CH" dirty="0" err="1"/>
+              <a:t>concepts</a:t>
+            </a:r>
+            <a:r>
+              <a:rPr lang="de-CH" dirty="0"/>
+              <a:t>:</a:t>
+            </a:r>
+            <a:br>
+              <a:rPr lang="de-CH" dirty="0"/>
+            </a:br>
+            <a:r>
+              <a:rPr lang="de-CH" dirty="0" err="1"/>
+              <a:t>exporting</a:t>
+            </a:r>
+            <a:r>
+              <a:rPr lang="de-CH" dirty="0"/>
+              <a:t> Tests</a:t>
+            </a:r>
+          </a:p>
+        </p:txBody>
+      </p:sp>
+      <p:sp>
+        <p:nvSpPr>
+          <p:cNvPr id="3" name="Text Placeholder 2">
             <a:extLst>
               <a:ext uri="{FF2B5EF4-FFF2-40B4-BE49-F238E27FC236}">
-                <a16:creationId xmlns:a16="http://schemas.microsoft.com/office/drawing/2014/main" id="{F6CAA504-DB19-483B-A6ED-A2B16E37CF4C}"/>
+                <a16:creationId xmlns:a16="http://schemas.microsoft.com/office/drawing/2014/main" id="{9D3ABB81-2D9A-401A-B4AC-5D39DD0EB0E8}"/>
               </a:ext>
             </a:extLst>
           </p:cNvPr>
@@ -8492,38 +8960,14 @@
             <a:spLocks noGrp="1"/>
           </p:cNvSpPr>
           <p:nvPr>
-            <p:ph idx="1"/>
-          </p:nvPr>
-        </p:nvSpPr>
-        <p:spPr/>
-        <p:txBody>
-          <a:bodyPr/>
-          <a:lstStyle/>
-          <a:p>
-            <a:r>
-              <a:rPr lang="de-CH" dirty="0" err="1"/>
-              <a:t>Exporting</a:t>
-            </a:r>
-            <a:r>
-              <a:rPr lang="de-CH" dirty="0"/>
-              <a:t> Tests </a:t>
-            </a:r>
-            <a:r>
-              <a:rPr lang="de-CH" dirty="0" err="1"/>
-              <a:t>results</a:t>
-            </a:r>
-            <a:r>
-              <a:rPr lang="de-CH" dirty="0"/>
-              <a:t> </a:t>
-            </a:r>
-            <a:r>
-              <a:rPr lang="de-CH" dirty="0" err="1"/>
-              <a:t>to</a:t>
-            </a:r>
-            <a:r>
-              <a:rPr lang="de-CH" dirty="0"/>
-              <a:t> </a:t>
-            </a:r>
+            <p:ph type="body" idx="1"/>
+          </p:nvPr>
+        </p:nvSpPr>
+        <p:spPr/>
+        <p:txBody>
+          <a:bodyPr/>
+          <a:lstStyle/>
+          <a:p>
             <a:r>
               <a:rPr lang="de-CH" dirty="0" err="1"/>
               <a:t>NunitXML</a:t>
@@ -8532,180 +8976,8 @@
               <a:rPr lang="de-CH" dirty="0"/>
               <a:t> </a:t>
             </a:r>
-            <a:r>
-              <a:rPr lang="de-CH" dirty="0" err="1"/>
-              <a:t>allow</a:t>
-            </a:r>
-            <a:r>
-              <a:rPr lang="de-CH" dirty="0"/>
-              <a:t> </a:t>
-            </a:r>
-            <a:r>
-              <a:rPr lang="de-CH" dirty="0" err="1"/>
-              <a:t>to</a:t>
-            </a:r>
-            <a:r>
-              <a:rPr lang="de-CH" dirty="0"/>
-              <a:t> </a:t>
-            </a:r>
-            <a:r>
-              <a:rPr lang="de-CH" dirty="0" err="1"/>
-              <a:t>persists</a:t>
-            </a:r>
-            <a:r>
-              <a:rPr lang="de-CH" dirty="0"/>
-              <a:t> </a:t>
-            </a:r>
-            <a:r>
-              <a:rPr lang="de-CH" dirty="0" err="1"/>
-              <a:t>tests</a:t>
-            </a:r>
-            <a:r>
-              <a:rPr lang="de-CH" dirty="0"/>
-              <a:t> </a:t>
-            </a:r>
-            <a:r>
-              <a:rPr lang="de-CH" dirty="0" err="1"/>
-              <a:t>results</a:t>
-            </a:r>
-            <a:r>
-              <a:rPr lang="de-CH" dirty="0"/>
-              <a:t> </a:t>
-            </a:r>
-            <a:r>
-              <a:rPr lang="de-CH" dirty="0" err="1"/>
-              <a:t>over</a:t>
-            </a:r>
-            <a:r>
-              <a:rPr lang="de-CH" dirty="0"/>
-              <a:t> time.</a:t>
-            </a:r>
-          </a:p>
-          <a:p>
-            <a:r>
-              <a:rPr lang="de-CH" dirty="0" err="1"/>
-              <a:t>NunitXML</a:t>
-            </a:r>
-            <a:r>
-              <a:rPr lang="de-CH" dirty="0"/>
-              <a:t> </a:t>
-            </a:r>
-            <a:r>
-              <a:rPr lang="de-CH" dirty="0" err="1"/>
-              <a:t>is</a:t>
-            </a:r>
-            <a:r>
-              <a:rPr lang="de-CH" dirty="0"/>
-              <a:t> a </a:t>
-            </a:r>
-            <a:r>
-              <a:rPr lang="de-CH" dirty="0" err="1"/>
-              <a:t>standard</a:t>
-            </a:r>
-            <a:r>
-              <a:rPr lang="de-CH" dirty="0"/>
-              <a:t> Test </a:t>
-            </a:r>
-            <a:r>
-              <a:rPr lang="de-CH" dirty="0" err="1"/>
-              <a:t>format</a:t>
-            </a:r>
-            <a:endParaRPr lang="de-CH" dirty="0"/>
-          </a:p>
-          <a:p>
-            <a:r>
-              <a:rPr lang="de-CH" dirty="0" err="1"/>
-              <a:t>It</a:t>
-            </a:r>
-            <a:r>
-              <a:rPr lang="de-CH" dirty="0"/>
-              <a:t> </a:t>
-            </a:r>
-            <a:r>
-              <a:rPr lang="de-CH" dirty="0" err="1"/>
-              <a:t>can</a:t>
-            </a:r>
-            <a:r>
-              <a:rPr lang="de-CH" dirty="0"/>
-              <a:t> </a:t>
-            </a:r>
-            <a:r>
-              <a:rPr lang="de-CH" dirty="0" err="1"/>
-              <a:t>be</a:t>
-            </a:r>
-            <a:r>
-              <a:rPr lang="de-CH" dirty="0"/>
-              <a:t> </a:t>
-            </a:r>
-            <a:r>
-              <a:rPr lang="de-CH" dirty="0" err="1"/>
-              <a:t>read</a:t>
-            </a:r>
-            <a:r>
-              <a:rPr lang="de-CH" dirty="0"/>
-              <a:t> </a:t>
-            </a:r>
-            <a:r>
-              <a:rPr lang="de-CH" dirty="0" err="1"/>
-              <a:t>by</a:t>
-            </a:r>
-            <a:r>
-              <a:rPr lang="de-CH" dirty="0"/>
-              <a:t> </a:t>
-            </a:r>
-            <a:r>
-              <a:rPr lang="de-CH" dirty="0" err="1"/>
-              <a:t>most</a:t>
-            </a:r>
-            <a:r>
-              <a:rPr lang="de-CH" dirty="0"/>
-              <a:t> </a:t>
-            </a:r>
-            <a:r>
-              <a:rPr lang="de-CH" dirty="0" err="1"/>
-              <a:t>standard</a:t>
-            </a:r>
-            <a:r>
-              <a:rPr lang="de-CH" dirty="0"/>
-              <a:t> CI </a:t>
-            </a:r>
-            <a:r>
-              <a:rPr lang="de-CH" dirty="0" err="1"/>
-              <a:t>platforms</a:t>
-            </a:r>
-            <a:r>
-              <a:rPr lang="de-CH" dirty="0"/>
-              <a:t> (Jenkins, </a:t>
-            </a:r>
-            <a:r>
-              <a:rPr lang="de-CH" dirty="0" err="1"/>
-              <a:t>Appveyor,Travis,Azure</a:t>
-            </a:r>
-            <a:r>
-              <a:rPr lang="de-CH" dirty="0"/>
-              <a:t> </a:t>
-            </a:r>
-            <a:r>
-              <a:rPr lang="de-CH" dirty="0" err="1"/>
-              <a:t>Devops</a:t>
-            </a:r>
-            <a:r>
-              <a:rPr lang="de-CH" dirty="0"/>
-              <a:t>, </a:t>
-            </a:r>
-            <a:r>
-              <a:rPr lang="de-CH" dirty="0" err="1"/>
-              <a:t>Gitlab</a:t>
-            </a:r>
-            <a:r>
-              <a:rPr lang="de-CH" dirty="0"/>
-              <a:t>(?))</a:t>
-            </a:r>
-          </a:p>
-          <a:p>
-            <a:pPr marL="0" indent="0">
-              <a:buNone/>
-            </a:pPr>
+          </a:p>
+          <a:p>
             <a:endParaRPr lang="de-CH" dirty="0"/>
           </a:p>
         </p:txBody>
@@ -8713,7 +8985,7 @@
     </p:spTree>
     <p:extLst>
       <p:ext uri="{BB962C8B-B14F-4D97-AF65-F5344CB8AC3E}">
-        <p14:creationId xmlns:p14="http://schemas.microsoft.com/office/powerpoint/2010/main" val="1696163365"/>
+        <p14:creationId xmlns:p14="http://schemas.microsoft.com/office/powerpoint/2010/main" val="3851242426"/>
       </p:ext>
     </p:extLst>
   </p:cSld>
@@ -8742,10 +9014,10 @@
       </p:grpSpPr>
       <p:sp>
         <p:nvSpPr>
-          <p:cNvPr id="2" name="Title 1">
+          <p:cNvPr id="4" name="Title 3">
             <a:extLst>
               <a:ext uri="{FF2B5EF4-FFF2-40B4-BE49-F238E27FC236}">
-                <a16:creationId xmlns:a16="http://schemas.microsoft.com/office/drawing/2014/main" id="{38D9F653-9477-45EE-B605-5E7AD119EC8F}"/>
+                <a16:creationId xmlns:a16="http://schemas.microsoft.com/office/drawing/2014/main" id="{FCCE094E-59E3-42B2-9951-8B72C2EDD5E8}"/>
               </a:ext>
             </a:extLst>
           </p:cNvPr>
@@ -8762,12 +9034,8 @@
           <a:lstStyle/>
           <a:p>
             <a:r>
-              <a:rPr lang="de-CH" dirty="0"/>
-              <a:t>Demo 9: </a:t>
-            </a:r>
-            <a:r>
-              <a:rPr lang="de-CH" dirty="0" err="1"/>
-              <a:t>Nunit</a:t>
+              <a:rPr lang="de-CH" dirty="0" err="1"/>
+              <a:t>NunitXML</a:t>
             </a:r>
             <a:endParaRPr lang="de-CH" dirty="0"/>
           </a:p>
@@ -8775,10 +9043,10 @@
       </p:sp>
       <p:sp>
         <p:nvSpPr>
-          <p:cNvPr id="3" name="Text Placeholder 2">
+          <p:cNvPr id="5" name="Content Placeholder 4">
             <a:extLst>
               <a:ext uri="{FF2B5EF4-FFF2-40B4-BE49-F238E27FC236}">
-                <a16:creationId xmlns:a16="http://schemas.microsoft.com/office/drawing/2014/main" id="{59A634E7-4C07-4324-86B0-530CB853A9F3}"/>
+                <a16:creationId xmlns:a16="http://schemas.microsoft.com/office/drawing/2014/main" id="{F6CAA504-DB19-483B-A6ED-A2B16E37CF4C}"/>
               </a:ext>
             </a:extLst>
           </p:cNvPr>
@@ -8786,25 +9054,228 @@
             <a:spLocks noGrp="1"/>
           </p:cNvSpPr>
           <p:nvPr>
-            <p:ph type="body" idx="1"/>
-          </p:nvPr>
-        </p:nvSpPr>
-        <p:spPr/>
-        <p:txBody>
-          <a:bodyPr/>
-          <a:lstStyle/>
-          <a:p>
-            <a:r>
-              <a:rPr lang="de-CH" dirty="0"/>
-              <a:t>Part 9</a:t>
-            </a:r>
+            <p:ph idx="1"/>
+          </p:nvPr>
+        </p:nvSpPr>
+        <p:spPr/>
+        <p:txBody>
+          <a:bodyPr/>
+          <a:lstStyle/>
+          <a:p>
+            <a:r>
+              <a:rPr lang="de-CH" dirty="0" err="1"/>
+              <a:t>Exporting</a:t>
+            </a:r>
+            <a:r>
+              <a:rPr lang="de-CH" dirty="0"/>
+              <a:t> Tests </a:t>
+            </a:r>
+            <a:r>
+              <a:rPr lang="de-CH" dirty="0" err="1"/>
+              <a:t>results</a:t>
+            </a:r>
+            <a:r>
+              <a:rPr lang="de-CH" dirty="0"/>
+              <a:t> </a:t>
+            </a:r>
+            <a:r>
+              <a:rPr lang="de-CH" dirty="0" err="1"/>
+              <a:t>to</a:t>
+            </a:r>
+            <a:r>
+              <a:rPr lang="de-CH" dirty="0"/>
+              <a:t> </a:t>
+            </a:r>
+            <a:r>
+              <a:rPr lang="de-CH" dirty="0" err="1"/>
+              <a:t>NunitXML</a:t>
+            </a:r>
+            <a:r>
+              <a:rPr lang="de-CH" dirty="0"/>
+              <a:t> </a:t>
+            </a:r>
+            <a:r>
+              <a:rPr lang="de-CH" dirty="0" err="1"/>
+              <a:t>allow</a:t>
+            </a:r>
+            <a:r>
+              <a:rPr lang="de-CH" dirty="0"/>
+              <a:t> </a:t>
+            </a:r>
+            <a:r>
+              <a:rPr lang="de-CH" dirty="0" err="1"/>
+              <a:t>to</a:t>
+            </a:r>
+            <a:r>
+              <a:rPr lang="de-CH" dirty="0"/>
+              <a:t> </a:t>
+            </a:r>
+            <a:r>
+              <a:rPr lang="de-CH" dirty="0" err="1"/>
+              <a:t>persists</a:t>
+            </a:r>
+            <a:r>
+              <a:rPr lang="de-CH" dirty="0"/>
+              <a:t> </a:t>
+            </a:r>
+            <a:r>
+              <a:rPr lang="de-CH" dirty="0" err="1"/>
+              <a:t>tests</a:t>
+            </a:r>
+            <a:r>
+              <a:rPr lang="de-CH" dirty="0"/>
+              <a:t> </a:t>
+            </a:r>
+            <a:r>
+              <a:rPr lang="de-CH" dirty="0" err="1"/>
+              <a:t>results</a:t>
+            </a:r>
+            <a:r>
+              <a:rPr lang="de-CH" dirty="0"/>
+              <a:t> </a:t>
+            </a:r>
+            <a:r>
+              <a:rPr lang="de-CH" dirty="0" err="1"/>
+              <a:t>over</a:t>
+            </a:r>
+            <a:r>
+              <a:rPr lang="de-CH" dirty="0"/>
+              <a:t> time.</a:t>
+            </a:r>
+          </a:p>
+          <a:p>
+            <a:r>
+              <a:rPr lang="de-CH" dirty="0" err="1"/>
+              <a:t>NunitXML</a:t>
+            </a:r>
+            <a:r>
+              <a:rPr lang="de-CH" dirty="0"/>
+              <a:t> </a:t>
+            </a:r>
+            <a:r>
+              <a:rPr lang="de-CH" dirty="0" err="1"/>
+              <a:t>is</a:t>
+            </a:r>
+            <a:r>
+              <a:rPr lang="de-CH" dirty="0"/>
+              <a:t> a </a:t>
+            </a:r>
+            <a:r>
+              <a:rPr lang="de-CH" dirty="0" err="1"/>
+              <a:t>standard</a:t>
+            </a:r>
+            <a:r>
+              <a:rPr lang="de-CH" dirty="0"/>
+              <a:t> Test </a:t>
+            </a:r>
+            <a:r>
+              <a:rPr lang="de-CH" dirty="0" err="1"/>
+              <a:t>format</a:t>
+            </a:r>
+            <a:endParaRPr lang="de-CH" dirty="0"/>
+          </a:p>
+          <a:p>
+            <a:r>
+              <a:rPr lang="de-CH" dirty="0" err="1"/>
+              <a:t>It</a:t>
+            </a:r>
+            <a:r>
+              <a:rPr lang="de-CH" dirty="0"/>
+              <a:t> </a:t>
+            </a:r>
+            <a:r>
+              <a:rPr lang="de-CH" dirty="0" err="1"/>
+              <a:t>can</a:t>
+            </a:r>
+            <a:r>
+              <a:rPr lang="de-CH" dirty="0"/>
+              <a:t> </a:t>
+            </a:r>
+            <a:r>
+              <a:rPr lang="de-CH" dirty="0" err="1"/>
+              <a:t>be</a:t>
+            </a:r>
+            <a:r>
+              <a:rPr lang="de-CH" dirty="0"/>
+              <a:t> </a:t>
+            </a:r>
+            <a:r>
+              <a:rPr lang="de-CH" dirty="0" err="1"/>
+              <a:t>read</a:t>
+            </a:r>
+            <a:r>
+              <a:rPr lang="de-CH" dirty="0"/>
+              <a:t> </a:t>
+            </a:r>
+            <a:r>
+              <a:rPr lang="de-CH" dirty="0" err="1"/>
+              <a:t>by</a:t>
+            </a:r>
+            <a:r>
+              <a:rPr lang="de-CH" dirty="0"/>
+              <a:t> </a:t>
+            </a:r>
+            <a:r>
+              <a:rPr lang="de-CH" dirty="0" err="1"/>
+              <a:t>most</a:t>
+            </a:r>
+            <a:r>
+              <a:rPr lang="de-CH" dirty="0"/>
+              <a:t> </a:t>
+            </a:r>
+            <a:r>
+              <a:rPr lang="de-CH" dirty="0" err="1"/>
+              <a:t>standard</a:t>
+            </a:r>
+            <a:r>
+              <a:rPr lang="de-CH" dirty="0"/>
+              <a:t> CI </a:t>
+            </a:r>
+            <a:r>
+              <a:rPr lang="de-CH" dirty="0" err="1"/>
+              <a:t>platforms</a:t>
+            </a:r>
+            <a:r>
+              <a:rPr lang="de-CH" dirty="0"/>
+              <a:t> (Jenkins, </a:t>
+            </a:r>
+            <a:r>
+              <a:rPr lang="de-CH" dirty="0" err="1"/>
+              <a:t>Appveyor,Travis,Azure</a:t>
+            </a:r>
+            <a:r>
+              <a:rPr lang="de-CH" dirty="0"/>
+              <a:t> </a:t>
+            </a:r>
+            <a:r>
+              <a:rPr lang="de-CH" dirty="0" err="1"/>
+              <a:t>Devops</a:t>
+            </a:r>
+            <a:r>
+              <a:rPr lang="de-CH" dirty="0"/>
+              <a:t>, </a:t>
+            </a:r>
+            <a:r>
+              <a:rPr lang="de-CH" dirty="0" err="1"/>
+              <a:t>Gitlab</a:t>
+            </a:r>
+            <a:r>
+              <a:rPr lang="de-CH" dirty="0"/>
+              <a:t>(?))</a:t>
+            </a:r>
+          </a:p>
+          <a:p>
+            <a:pPr marL="0" indent="0">
+              <a:buNone/>
+            </a:pPr>
+            <a:endParaRPr lang="de-CH" dirty="0"/>
           </a:p>
         </p:txBody>
       </p:sp>
     </p:spTree>
     <p:extLst>
       <p:ext uri="{BB962C8B-B14F-4D97-AF65-F5344CB8AC3E}">
-        <p14:creationId xmlns:p14="http://schemas.microsoft.com/office/powerpoint/2010/main" val="1170555603"/>
+        <p14:creationId xmlns:p14="http://schemas.microsoft.com/office/powerpoint/2010/main" val="1696163365"/>
       </p:ext>
     </p:extLst>
   </p:cSld>
@@ -8833,10 +9304,10 @@
       </p:grpSpPr>
       <p:sp>
         <p:nvSpPr>
-          <p:cNvPr id="4" name="Title 3">
+          <p:cNvPr id="2" name="Title 1">
             <a:extLst>
               <a:ext uri="{FF2B5EF4-FFF2-40B4-BE49-F238E27FC236}">
-                <a16:creationId xmlns:a16="http://schemas.microsoft.com/office/drawing/2014/main" id="{CDE89788-8C3E-4E85-8C16-024CD7306964}"/>
+                <a16:creationId xmlns:a16="http://schemas.microsoft.com/office/drawing/2014/main" id="{38D9F653-9477-45EE-B605-5E7AD119EC8F}"/>
               </a:ext>
             </a:extLst>
           </p:cNvPr>
@@ -8844,17 +9315,21 @@
             <a:spLocks noGrp="1"/>
           </p:cNvSpPr>
           <p:nvPr>
-            <p:ph type="ctrTitle"/>
-          </p:nvPr>
-        </p:nvSpPr>
-        <p:spPr/>
-        <p:txBody>
-          <a:bodyPr/>
-          <a:lstStyle/>
-          <a:p>
-            <a:r>
-              <a:rPr lang="de-CH" dirty="0" err="1"/>
-              <a:t>Discussion</a:t>
+            <p:ph type="title"/>
+          </p:nvPr>
+        </p:nvSpPr>
+        <p:spPr/>
+        <p:txBody>
+          <a:bodyPr/>
+          <a:lstStyle/>
+          <a:p>
+            <a:r>
+              <a:rPr lang="de-CH" dirty="0"/>
+              <a:t>Demo 9: </a:t>
+            </a:r>
+            <a:r>
+              <a:rPr lang="de-CH" dirty="0" err="1"/>
+              <a:t>Nunit</a:t>
             </a:r>
             <a:endParaRPr lang="de-CH" dirty="0"/>
           </a:p>
@@ -8862,10 +9337,10 @@
       </p:sp>
       <p:sp>
         <p:nvSpPr>
-          <p:cNvPr id="5" name="Subtitle 4">
+          <p:cNvPr id="3" name="Text Placeholder 2">
             <a:extLst>
               <a:ext uri="{FF2B5EF4-FFF2-40B4-BE49-F238E27FC236}">
-                <a16:creationId xmlns:a16="http://schemas.microsoft.com/office/drawing/2014/main" id="{53E8AEAD-D972-4760-8DB2-B84C3297DF50}"/>
+                <a16:creationId xmlns:a16="http://schemas.microsoft.com/office/drawing/2014/main" id="{59A634E7-4C07-4324-86B0-530CB853A9F3}"/>
               </a:ext>
             </a:extLst>
           </p:cNvPr>
@@ -8873,143 +9348,17 @@
             <a:spLocks noGrp="1"/>
           </p:cNvSpPr>
           <p:nvPr>
-            <p:ph type="subTitle" idx="1"/>
-          </p:nvPr>
-        </p:nvSpPr>
-        <p:spPr/>
-        <p:txBody>
-          <a:bodyPr/>
-          <a:lstStyle/>
-          <a:p>
-            <a:r>
-              <a:rPr lang="de-CH" dirty="0" err="1"/>
-              <a:t>What</a:t>
-            </a:r>
-            <a:r>
-              <a:rPr lang="de-CH" dirty="0"/>
-              <a:t> do </a:t>
-            </a:r>
-            <a:r>
-              <a:rPr lang="de-CH" dirty="0" err="1"/>
-              <a:t>exporting</a:t>
-            </a:r>
-            <a:r>
-              <a:rPr lang="de-CH" dirty="0"/>
-              <a:t> </a:t>
-            </a:r>
-            <a:r>
-              <a:rPr lang="de-CH" dirty="0" err="1"/>
-              <a:t>test</a:t>
-            </a:r>
-            <a:r>
-              <a:rPr lang="de-CH" dirty="0"/>
-              <a:t> </a:t>
-            </a:r>
-            <a:r>
-              <a:rPr lang="de-CH" dirty="0" err="1"/>
-              <a:t>to</a:t>
-            </a:r>
-            <a:r>
-              <a:rPr lang="de-CH" dirty="0"/>
-              <a:t> </a:t>
-            </a:r>
-            <a:r>
-              <a:rPr lang="de-CH" dirty="0" err="1"/>
-              <a:t>nunitxml</a:t>
-            </a:r>
-            <a:r>
-              <a:rPr lang="de-CH" dirty="0"/>
-              <a:t> </a:t>
-            </a:r>
-            <a:r>
-              <a:rPr lang="de-CH" dirty="0" err="1"/>
-              <a:t>file</a:t>
-            </a:r>
-            <a:r>
-              <a:rPr lang="de-CH" dirty="0"/>
-              <a:t> </a:t>
-            </a:r>
-            <a:r>
-              <a:rPr lang="de-CH" dirty="0" err="1"/>
-              <a:t>allows</a:t>
-            </a:r>
-            <a:r>
-              <a:rPr lang="de-CH" dirty="0"/>
-              <a:t>?</a:t>
-            </a:r>
-          </a:p>
-          <a:p>
-            <a:r>
-              <a:rPr lang="de-CH" dirty="0" err="1"/>
-              <a:t>What</a:t>
-            </a:r>
-            <a:r>
-              <a:rPr lang="de-CH" dirty="0"/>
-              <a:t> </a:t>
-            </a:r>
-            <a:r>
-              <a:rPr lang="de-CH" dirty="0" err="1"/>
-              <a:t>are</a:t>
-            </a:r>
-            <a:r>
-              <a:rPr lang="de-CH" dirty="0"/>
-              <a:t> </a:t>
-            </a:r>
-            <a:r>
-              <a:rPr lang="de-CH" dirty="0" err="1"/>
-              <a:t>the</a:t>
-            </a:r>
-            <a:r>
-              <a:rPr lang="de-CH" dirty="0"/>
-              <a:t> </a:t>
-            </a:r>
-            <a:r>
-              <a:rPr lang="de-CH" dirty="0" err="1"/>
-              <a:t>drawback</a:t>
-            </a:r>
-            <a:r>
-              <a:rPr lang="de-CH" dirty="0"/>
-              <a:t> </a:t>
-            </a:r>
-            <a:r>
-              <a:rPr lang="de-CH" dirty="0" err="1"/>
-              <a:t>with</a:t>
-            </a:r>
-            <a:r>
-              <a:rPr lang="de-CH" dirty="0"/>
-              <a:t> </a:t>
-            </a:r>
-            <a:r>
-              <a:rPr lang="de-CH" dirty="0" err="1"/>
-              <a:t>working</a:t>
-            </a:r>
-            <a:r>
-              <a:rPr lang="de-CH" dirty="0"/>
-              <a:t> </a:t>
-            </a:r>
-            <a:r>
-              <a:rPr lang="de-CH" dirty="0" err="1"/>
-              <a:t>with</a:t>
-            </a:r>
-            <a:r>
-              <a:rPr lang="de-CH" dirty="0"/>
-              <a:t> </a:t>
-            </a:r>
-            <a:r>
-              <a:rPr lang="de-CH" dirty="0" err="1"/>
-              <a:t>Nunit</a:t>
-            </a:r>
-            <a:r>
-              <a:rPr lang="de-CH" dirty="0"/>
-              <a:t> XML </a:t>
-            </a:r>
-            <a:r>
-              <a:rPr lang="de-CH" dirty="0" err="1"/>
-              <a:t>files</a:t>
-            </a:r>
-            <a:r>
-              <a:rPr lang="de-CH" dirty="0"/>
-              <a:t>?</a:t>
+            <p:ph type="body" idx="1"/>
+          </p:nvPr>
+        </p:nvSpPr>
+        <p:spPr/>
+        <p:txBody>
+          <a:bodyPr/>
+          <a:lstStyle/>
+          <a:p>
+            <a:r>
+              <a:rPr lang="de-CH" dirty="0"/>
+              <a:t>Part 9</a:t>
             </a:r>
           </a:p>
         </p:txBody>
@@ -9017,7 +9366,7 @@
     </p:spTree>
     <p:extLst>
       <p:ext uri="{BB962C8B-B14F-4D97-AF65-F5344CB8AC3E}">
-        <p14:creationId xmlns:p14="http://schemas.microsoft.com/office/powerpoint/2010/main" val="2250668228"/>
+        <p14:creationId xmlns:p14="http://schemas.microsoft.com/office/powerpoint/2010/main" val="1170555603"/>
       </p:ext>
     </p:extLst>
   </p:cSld>
@@ -9046,10 +9395,10 @@
       </p:grpSpPr>
       <p:sp>
         <p:nvSpPr>
-          <p:cNvPr id="2" name="Title 1">
+          <p:cNvPr id="5" name="Title 4">
             <a:extLst>
               <a:ext uri="{FF2B5EF4-FFF2-40B4-BE49-F238E27FC236}">
-                <a16:creationId xmlns:a16="http://schemas.microsoft.com/office/drawing/2014/main" id="{FBC10BD2-2DF5-4D94-AFD6-ED4EF04B7655}"/>
+                <a16:creationId xmlns:a16="http://schemas.microsoft.com/office/drawing/2014/main" id="{0FCE7D00-79A6-4BBC-85F4-50DCBBE4569E}"/>
               </a:ext>
             </a:extLst>
           </p:cNvPr>
@@ -9066,79 +9415,73 @@
           <a:lstStyle/>
           <a:p>
             <a:r>
-              <a:rPr lang="de-CH" dirty="0" err="1"/>
-              <a:t>Advanced</a:t>
-            </a:r>
-            <a:r>
-              <a:rPr lang="de-CH" dirty="0"/>
-              <a:t> </a:t>
-            </a:r>
-            <a:r>
-              <a:rPr lang="de-CH" dirty="0" err="1"/>
-              <a:t>Pester</a:t>
-            </a:r>
-            <a:r>
-              <a:rPr lang="de-CH" dirty="0"/>
-              <a:t> </a:t>
-            </a:r>
-            <a:r>
-              <a:rPr lang="de-CH" dirty="0" err="1"/>
-              <a:t>concepts</a:t>
-            </a:r>
-            <a:r>
-              <a:rPr lang="de-CH" dirty="0"/>
-              <a:t>:</a:t>
-            </a:r>
-            <a:br>
-              <a:rPr lang="de-CH" dirty="0"/>
-            </a:br>
-            <a:r>
-              <a:rPr lang="de-CH" dirty="0" err="1"/>
-              <a:t>POSHNunitXML</a:t>
-            </a:r>
-            <a:endParaRPr lang="de-CH" dirty="0"/>
-          </a:p>
-        </p:txBody>
-      </p:sp>
-      <p:sp>
-        <p:nvSpPr>
-          <p:cNvPr id="3" name="Text Placeholder 2">
+              <a:rPr lang="de-CH" dirty="0"/>
+              <a:t>Pair </a:t>
+            </a:r>
+            <a:r>
+              <a:rPr lang="de-CH" dirty="0" err="1"/>
+              <a:t>programming</a:t>
+            </a:r>
+            <a:r>
+              <a:rPr lang="de-CH" dirty="0"/>
+              <a:t>: Laurel &amp; Hardy Style!</a:t>
+            </a:r>
+          </a:p>
+        </p:txBody>
+      </p:sp>
+      <p:pic>
+        <p:nvPicPr>
+          <p:cNvPr id="1026" name="Picture 2" descr="RÃ©sultat de recherche d'images pour &quot;laurel et hardy png&quot;">
             <a:extLst>
               <a:ext uri="{FF2B5EF4-FFF2-40B4-BE49-F238E27FC236}">
-                <a16:creationId xmlns:a16="http://schemas.microsoft.com/office/drawing/2014/main" id="{9D3ABB81-2D9A-401A-B4AC-5D39DD0EB0E8}"/>
+                <a16:creationId xmlns:a16="http://schemas.microsoft.com/office/drawing/2014/main" id="{AAE182E5-7F28-4FA0-B913-048F807EC3B1}"/>
               </a:ext>
             </a:extLst>
           </p:cNvPr>
-          <p:cNvSpPr>
-            <a:spLocks noGrp="1"/>
-          </p:cNvSpPr>
-          <p:nvPr>
-            <p:ph type="body" idx="1"/>
-          </p:nvPr>
-        </p:nvSpPr>
-        <p:spPr/>
-        <p:txBody>
-          <a:bodyPr/>
-          <a:lstStyle/>
-          <a:p>
-            <a:r>
-              <a:rPr lang="de-CH" dirty="0" err="1"/>
-              <a:t>NunitXML</a:t>
-            </a:r>
-            <a:r>
-              <a:rPr lang="de-CH" dirty="0"/>
-              <a:t> </a:t>
-            </a:r>
-          </a:p>
-          <a:p>
-            <a:endParaRPr lang="de-CH" dirty="0"/>
-          </a:p>
-        </p:txBody>
-      </p:sp>
+          <p:cNvPicPr>
+            <a:picLocks noGrp="1" noChangeAspect="1" noChangeArrowheads="1"/>
+          </p:cNvPicPr>
+          <p:nvPr>
+            <p:ph idx="1"/>
+          </p:nvPr>
+        </p:nvPicPr>
+        <p:blipFill>
+          <a:blip r:embed="rId2">
+            <a:extLst>
+              <a:ext uri="{28A0092B-C50C-407E-A947-70E740481C1C}">
+                <a14:useLocalDpi xmlns:a14="http://schemas.microsoft.com/office/drawing/2010/main" val="0"/>
+              </a:ext>
+            </a:extLst>
+          </a:blip>
+          <a:srcRect/>
+          <a:stretch>
+            <a:fillRect/>
+          </a:stretch>
+        </p:blipFill>
+        <p:spPr bwMode="auto">
+          <a:xfrm>
+            <a:off x="3007762" y="2106742"/>
+            <a:ext cx="5749396" cy="3449638"/>
+          </a:xfrm>
+          <a:prstGeom prst="rect">
+            <a:avLst/>
+          </a:prstGeom>
+          <a:noFill/>
+          <a:extLst>
+            <a:ext uri="{909E8E84-426E-40DD-AFC4-6F175D3DCCD1}">
+              <a14:hiddenFill xmlns:a14="http://schemas.microsoft.com/office/drawing/2010/main">
+                <a:solidFill>
+                  <a:srgbClr val="FFFFFF"/>
+                </a:solidFill>
+              </a14:hiddenFill>
+            </a:ext>
+          </a:extLst>
+        </p:spPr>
+      </p:pic>
     </p:spTree>
     <p:extLst>
       <p:ext uri="{BB962C8B-B14F-4D97-AF65-F5344CB8AC3E}">
-        <p14:creationId xmlns:p14="http://schemas.microsoft.com/office/powerpoint/2010/main" val="3421202765"/>
+        <p14:creationId xmlns:p14="http://schemas.microsoft.com/office/powerpoint/2010/main" val="1020816388"/>
       </p:ext>
     </p:extLst>
   </p:cSld>
@@ -9167,6 +9510,789 @@
       </p:grpSpPr>
       <p:sp>
         <p:nvSpPr>
+          <p:cNvPr id="6" name="Title 5">
+            <a:extLst>
+              <a:ext uri="{FF2B5EF4-FFF2-40B4-BE49-F238E27FC236}">
+                <a16:creationId xmlns:a16="http://schemas.microsoft.com/office/drawing/2014/main" id="{528DB269-C1C5-46D1-92BC-A7B8F374363B}"/>
+              </a:ext>
+            </a:extLst>
+          </p:cNvPr>
+          <p:cNvSpPr>
+            <a:spLocks noGrp="1"/>
+          </p:cNvSpPr>
+          <p:nvPr>
+            <p:ph type="title"/>
+          </p:nvPr>
+        </p:nvSpPr>
+        <p:spPr/>
+        <p:txBody>
+          <a:bodyPr/>
+          <a:lstStyle/>
+          <a:p>
+            <a:r>
+              <a:rPr lang="de-CH" dirty="0"/>
+              <a:t>Laurel &amp; Hardy: Printers</a:t>
+            </a:r>
+          </a:p>
+        </p:txBody>
+      </p:sp>
+      <p:sp>
+        <p:nvSpPr>
+          <p:cNvPr id="7" name="Text Placeholder 6">
+            <a:extLst>
+              <a:ext uri="{FF2B5EF4-FFF2-40B4-BE49-F238E27FC236}">
+                <a16:creationId xmlns:a16="http://schemas.microsoft.com/office/drawing/2014/main" id="{5473E0DF-CCEF-4C2E-9D4F-7EEF003B813B}"/>
+              </a:ext>
+            </a:extLst>
+          </p:cNvPr>
+          <p:cNvSpPr>
+            <a:spLocks noGrp="1"/>
+          </p:cNvSpPr>
+          <p:nvPr>
+            <p:ph type="body" idx="1"/>
+          </p:nvPr>
+        </p:nvSpPr>
+        <p:spPr/>
+        <p:txBody>
+          <a:bodyPr/>
+          <a:lstStyle/>
+          <a:p>
+            <a:r>
+              <a:rPr lang="de-CH" dirty="0"/>
+              <a:t>Laurel	</a:t>
+            </a:r>
+          </a:p>
+        </p:txBody>
+      </p:sp>
+      <p:sp>
+        <p:nvSpPr>
+          <p:cNvPr id="8" name="Content Placeholder 7">
+            <a:extLst>
+              <a:ext uri="{FF2B5EF4-FFF2-40B4-BE49-F238E27FC236}">
+                <a16:creationId xmlns:a16="http://schemas.microsoft.com/office/drawing/2014/main" id="{BBDBDC24-4AC2-4139-9432-FCC738BB0DCE}"/>
+              </a:ext>
+            </a:extLst>
+          </p:cNvPr>
+          <p:cNvSpPr>
+            <a:spLocks noGrp="1"/>
+          </p:cNvSpPr>
+          <p:nvPr>
+            <p:ph sz="half" idx="2"/>
+          </p:nvPr>
+        </p:nvSpPr>
+        <p:spPr/>
+        <p:txBody>
+          <a:bodyPr>
+            <a:normAutofit fontScale="85000" lnSpcReduction="20000"/>
+          </a:bodyPr>
+          <a:lstStyle/>
+          <a:p>
+            <a:r>
+              <a:rPr lang="de-CH" dirty="0"/>
+              <a:t>Create </a:t>
+            </a:r>
+            <a:r>
+              <a:rPr lang="de-CH" dirty="0" err="1"/>
+              <a:t>Pester</a:t>
+            </a:r>
+            <a:r>
+              <a:rPr lang="de-CH" dirty="0"/>
+              <a:t> </a:t>
+            </a:r>
+            <a:r>
+              <a:rPr lang="de-CH" dirty="0" err="1"/>
+              <a:t>test</a:t>
+            </a:r>
+            <a:r>
+              <a:rPr lang="de-CH" dirty="0"/>
+              <a:t> 1 (Test must fail)</a:t>
+            </a:r>
+          </a:p>
+          <a:p>
+            <a:pPr lvl="1"/>
+            <a:r>
+              <a:rPr lang="de-CH" dirty="0" err="1"/>
+              <a:t>Should</a:t>
+            </a:r>
+            <a:r>
+              <a:rPr lang="de-CH" dirty="0"/>
+              <a:t> </a:t>
+            </a:r>
+            <a:r>
+              <a:rPr lang="de-CH" dirty="0" err="1"/>
+              <a:t>contain</a:t>
+            </a:r>
+            <a:r>
+              <a:rPr lang="de-CH" dirty="0"/>
+              <a:t> </a:t>
+            </a:r>
+            <a:r>
+              <a:rPr lang="de-CH" dirty="0" err="1"/>
+              <a:t>printers</a:t>
+            </a:r>
+            <a:r>
+              <a:rPr lang="de-CH" dirty="0"/>
+              <a:t> (Location)</a:t>
+            </a:r>
+          </a:p>
+          <a:p>
+            <a:r>
+              <a:rPr lang="de-CH" dirty="0"/>
+              <a:t>Create </a:t>
+            </a:r>
+            <a:r>
+              <a:rPr lang="de-CH" dirty="0" err="1"/>
+              <a:t>Function</a:t>
+            </a:r>
+            <a:r>
+              <a:rPr lang="de-CH" dirty="0"/>
+              <a:t> 2 (Test must pass)</a:t>
+            </a:r>
+          </a:p>
+          <a:p>
+            <a:endParaRPr lang="de-CH" dirty="0"/>
+          </a:p>
+          <a:p>
+            <a:r>
+              <a:rPr lang="de-CH" dirty="0" err="1"/>
+              <a:t>Hide</a:t>
+            </a:r>
+            <a:r>
+              <a:rPr lang="de-CH" dirty="0"/>
+              <a:t> </a:t>
+            </a:r>
+            <a:r>
+              <a:rPr lang="de-CH" dirty="0" err="1"/>
+              <a:t>output</a:t>
+            </a:r>
+            <a:r>
+              <a:rPr lang="de-CH" dirty="0"/>
+              <a:t>, </a:t>
+            </a:r>
+            <a:r>
+              <a:rPr lang="de-CH" dirty="0" err="1"/>
+              <a:t>export</a:t>
+            </a:r>
+            <a:r>
+              <a:rPr lang="de-CH" dirty="0"/>
+              <a:t> </a:t>
+            </a:r>
+            <a:r>
+              <a:rPr lang="de-CH" dirty="0" err="1"/>
+              <a:t>NunitXML</a:t>
+            </a:r>
+            <a:endParaRPr lang="de-CH" dirty="0"/>
+          </a:p>
+          <a:p>
+            <a:endParaRPr lang="de-CH" dirty="0"/>
+          </a:p>
+          <a:p>
+            <a:r>
+              <a:rPr lang="de-CH" dirty="0" err="1"/>
+              <a:t>Tip</a:t>
+            </a:r>
+            <a:r>
+              <a:rPr lang="de-CH" dirty="0"/>
+              <a:t>: Win32_Printer</a:t>
+            </a:r>
+          </a:p>
+        </p:txBody>
+      </p:sp>
+      <p:sp>
+        <p:nvSpPr>
+          <p:cNvPr id="9" name="Text Placeholder 8">
+            <a:extLst>
+              <a:ext uri="{FF2B5EF4-FFF2-40B4-BE49-F238E27FC236}">
+                <a16:creationId xmlns:a16="http://schemas.microsoft.com/office/drawing/2014/main" id="{3BFFCF81-30B2-434F-9378-0570C5C3D6DC}"/>
+              </a:ext>
+            </a:extLst>
+          </p:cNvPr>
+          <p:cNvSpPr>
+            <a:spLocks noGrp="1"/>
+          </p:cNvSpPr>
+          <p:nvPr>
+            <p:ph type="body" sz="quarter" idx="3"/>
+          </p:nvPr>
+        </p:nvSpPr>
+        <p:spPr/>
+        <p:txBody>
+          <a:bodyPr/>
+          <a:lstStyle/>
+          <a:p>
+            <a:r>
+              <a:rPr lang="de-CH" dirty="0"/>
+              <a:t>Hardy</a:t>
+            </a:r>
+          </a:p>
+        </p:txBody>
+      </p:sp>
+      <p:sp>
+        <p:nvSpPr>
+          <p:cNvPr id="10" name="Content Placeholder 9">
+            <a:extLst>
+              <a:ext uri="{FF2B5EF4-FFF2-40B4-BE49-F238E27FC236}">
+                <a16:creationId xmlns:a16="http://schemas.microsoft.com/office/drawing/2014/main" id="{BBA8F408-7EE2-49B0-8EDD-6EFF872D468D}"/>
+              </a:ext>
+            </a:extLst>
+          </p:cNvPr>
+          <p:cNvSpPr>
+            <a:spLocks noGrp="1"/>
+          </p:cNvSpPr>
+          <p:nvPr>
+            <p:ph sz="quarter" idx="4"/>
+          </p:nvPr>
+        </p:nvSpPr>
+        <p:spPr/>
+        <p:txBody>
+          <a:bodyPr>
+            <a:normAutofit fontScale="85000" lnSpcReduction="20000"/>
+          </a:bodyPr>
+          <a:lstStyle/>
+          <a:p>
+            <a:r>
+              <a:rPr lang="de-CH" dirty="0"/>
+              <a:t>Create </a:t>
+            </a:r>
+            <a:r>
+              <a:rPr lang="de-CH" dirty="0" err="1"/>
+              <a:t>function</a:t>
+            </a:r>
+            <a:r>
+              <a:rPr lang="de-CH" dirty="0"/>
+              <a:t> 1 (Test must pass)</a:t>
+            </a:r>
+          </a:p>
+          <a:p>
+            <a:pPr lvl="1"/>
+            <a:r>
+              <a:rPr lang="de-CH" dirty="0"/>
+              <a:t>Return a </a:t>
+            </a:r>
+            <a:r>
+              <a:rPr lang="de-CH" dirty="0" err="1"/>
+              <a:t>list</a:t>
+            </a:r>
+            <a:r>
+              <a:rPr lang="de-CH" dirty="0"/>
+              <a:t> </a:t>
+            </a:r>
+            <a:r>
+              <a:rPr lang="de-CH" dirty="0" err="1"/>
+              <a:t>of</a:t>
+            </a:r>
+            <a:r>
+              <a:rPr lang="de-CH" dirty="0"/>
+              <a:t> </a:t>
+            </a:r>
+            <a:r>
+              <a:rPr lang="de-CH" dirty="0" err="1"/>
+              <a:t>attached</a:t>
+            </a:r>
+            <a:r>
+              <a:rPr lang="de-CH" dirty="0"/>
+              <a:t> </a:t>
+            </a:r>
+            <a:r>
+              <a:rPr lang="de-CH" dirty="0" err="1"/>
+              <a:t>printers</a:t>
+            </a:r>
+            <a:endParaRPr lang="de-CH" dirty="0"/>
+          </a:p>
+          <a:p>
+            <a:r>
+              <a:rPr lang="de-CH" dirty="0"/>
+              <a:t>Create </a:t>
+            </a:r>
+            <a:r>
+              <a:rPr lang="de-CH" dirty="0" err="1"/>
+              <a:t>Pester</a:t>
+            </a:r>
+            <a:r>
+              <a:rPr lang="de-CH" dirty="0"/>
+              <a:t> </a:t>
+            </a:r>
+            <a:r>
+              <a:rPr lang="de-CH" dirty="0" err="1"/>
+              <a:t>test</a:t>
+            </a:r>
+            <a:r>
+              <a:rPr lang="de-CH" dirty="0"/>
+              <a:t> 2 (Test must fail)</a:t>
+            </a:r>
+          </a:p>
+          <a:p>
+            <a:pPr lvl="1"/>
+            <a:r>
+              <a:rPr lang="de-CH" dirty="0"/>
+              <a:t>Add </a:t>
+            </a:r>
+            <a:r>
+              <a:rPr lang="de-CH" dirty="0" err="1"/>
+              <a:t>ability</a:t>
+            </a:r>
+            <a:r>
+              <a:rPr lang="de-CH" dirty="0"/>
+              <a:t> </a:t>
+            </a:r>
+            <a:r>
+              <a:rPr lang="de-CH" dirty="0" err="1"/>
+              <a:t>to</a:t>
+            </a:r>
+            <a:r>
+              <a:rPr lang="de-CH" dirty="0"/>
+              <a:t> </a:t>
+            </a:r>
+            <a:r>
+              <a:rPr lang="de-CH" dirty="0" err="1"/>
+              <a:t>list</a:t>
+            </a:r>
+            <a:r>
+              <a:rPr lang="de-CH" dirty="0"/>
+              <a:t> network </a:t>
+            </a:r>
+            <a:r>
+              <a:rPr lang="de-CH" dirty="0" err="1"/>
+              <a:t>printers</a:t>
+            </a:r>
+            <a:r>
+              <a:rPr lang="de-CH" dirty="0"/>
+              <a:t> </a:t>
+            </a:r>
+            <a:r>
+              <a:rPr lang="de-CH" dirty="0" err="1"/>
+              <a:t>only</a:t>
+            </a:r>
+            <a:endParaRPr lang="de-CH" dirty="0"/>
+          </a:p>
+          <a:p>
+            <a:endParaRPr lang="de-CH" dirty="0"/>
+          </a:p>
+          <a:p>
+            <a:r>
+              <a:rPr lang="de-CH" dirty="0" err="1"/>
+              <a:t>Analyze</a:t>
+            </a:r>
+            <a:r>
+              <a:rPr lang="de-CH" dirty="0"/>
+              <a:t> </a:t>
+            </a:r>
+            <a:r>
+              <a:rPr lang="de-CH" dirty="0" err="1"/>
+              <a:t>pester</a:t>
+            </a:r>
+            <a:r>
+              <a:rPr lang="de-CH" dirty="0"/>
+              <a:t> </a:t>
+            </a:r>
+            <a:r>
+              <a:rPr lang="de-CH" dirty="0" err="1"/>
+              <a:t>tests</a:t>
+            </a:r>
+            <a:r>
+              <a:rPr lang="de-CH" dirty="0"/>
+              <a:t> </a:t>
+            </a:r>
+            <a:r>
+              <a:rPr lang="de-CH" dirty="0" err="1"/>
+              <a:t>based</a:t>
+            </a:r>
+            <a:r>
+              <a:rPr lang="de-CH" dirty="0"/>
+              <a:t> on </a:t>
+            </a:r>
+            <a:r>
+              <a:rPr lang="de-CH" dirty="0" err="1"/>
+              <a:t>NunitXML</a:t>
+            </a:r>
+            <a:r>
+              <a:rPr lang="de-CH" dirty="0"/>
+              <a:t> (</a:t>
+            </a:r>
+            <a:r>
+              <a:rPr lang="de-CH" dirty="0" err="1"/>
+              <a:t>From</a:t>
+            </a:r>
+            <a:r>
+              <a:rPr lang="de-CH" dirty="0"/>
+              <a:t> </a:t>
+            </a:r>
+            <a:r>
+              <a:rPr lang="de-CH" dirty="0" err="1"/>
+              <a:t>powershell</a:t>
+            </a:r>
+            <a:r>
+              <a:rPr lang="de-CH" dirty="0"/>
+              <a:t>)</a:t>
+            </a:r>
+          </a:p>
+        </p:txBody>
+      </p:sp>
+    </p:spTree>
+    <p:extLst>
+      <p:ext uri="{BB962C8B-B14F-4D97-AF65-F5344CB8AC3E}">
+        <p14:creationId xmlns:p14="http://schemas.microsoft.com/office/powerpoint/2010/main" val="989431211"/>
+      </p:ext>
+    </p:extLst>
+  </p:cSld>
+  <p:clrMapOvr>
+    <a:masterClrMapping/>
+  </p:clrMapOvr>
+</p:sld>
+</file>
+
+<file path=ppt/slides/slide45.xml><?xml version="1.0" encoding="utf-8"?>
+<p:sld xmlns:a="http://schemas.openxmlformats.org/drawingml/2006/main" xmlns:r="http://schemas.openxmlformats.org/officeDocument/2006/relationships" xmlns:p="http://schemas.openxmlformats.org/presentationml/2006/main">
+  <p:cSld>
+    <p:spTree>
+      <p:nvGrpSpPr>
+        <p:cNvPr id="1" name=""/>
+        <p:cNvGrpSpPr/>
+        <p:nvPr/>
+      </p:nvGrpSpPr>
+      <p:grpSpPr>
+        <a:xfrm>
+          <a:off x="0" y="0"/>
+          <a:ext cx="0" cy="0"/>
+          <a:chOff x="0" y="0"/>
+          <a:chExt cx="0" cy="0"/>
+        </a:xfrm>
+      </p:grpSpPr>
+      <p:sp>
+        <p:nvSpPr>
+          <p:cNvPr id="4" name="Title 3">
+            <a:extLst>
+              <a:ext uri="{FF2B5EF4-FFF2-40B4-BE49-F238E27FC236}">
+                <a16:creationId xmlns:a16="http://schemas.microsoft.com/office/drawing/2014/main" id="{CDE89788-8C3E-4E85-8C16-024CD7306964}"/>
+              </a:ext>
+            </a:extLst>
+          </p:cNvPr>
+          <p:cNvSpPr>
+            <a:spLocks noGrp="1"/>
+          </p:cNvSpPr>
+          <p:nvPr>
+            <p:ph type="ctrTitle"/>
+          </p:nvPr>
+        </p:nvSpPr>
+        <p:spPr/>
+        <p:txBody>
+          <a:bodyPr/>
+          <a:lstStyle/>
+          <a:p>
+            <a:r>
+              <a:rPr lang="de-CH" dirty="0" err="1"/>
+              <a:t>Discussion</a:t>
+            </a:r>
+            <a:endParaRPr lang="de-CH" dirty="0"/>
+          </a:p>
+        </p:txBody>
+      </p:sp>
+      <p:sp>
+        <p:nvSpPr>
+          <p:cNvPr id="5" name="Subtitle 4">
+            <a:extLst>
+              <a:ext uri="{FF2B5EF4-FFF2-40B4-BE49-F238E27FC236}">
+                <a16:creationId xmlns:a16="http://schemas.microsoft.com/office/drawing/2014/main" id="{53E8AEAD-D972-4760-8DB2-B84C3297DF50}"/>
+              </a:ext>
+            </a:extLst>
+          </p:cNvPr>
+          <p:cNvSpPr>
+            <a:spLocks noGrp="1"/>
+          </p:cNvSpPr>
+          <p:nvPr>
+            <p:ph type="subTitle" idx="1"/>
+          </p:nvPr>
+        </p:nvSpPr>
+        <p:spPr/>
+        <p:txBody>
+          <a:bodyPr/>
+          <a:lstStyle/>
+          <a:p>
+            <a:r>
+              <a:rPr lang="de-CH" dirty="0" err="1"/>
+              <a:t>What</a:t>
+            </a:r>
+            <a:r>
+              <a:rPr lang="de-CH" dirty="0"/>
+              <a:t> do </a:t>
+            </a:r>
+            <a:r>
+              <a:rPr lang="de-CH" dirty="0" err="1"/>
+              <a:t>exporting</a:t>
+            </a:r>
+            <a:r>
+              <a:rPr lang="de-CH" dirty="0"/>
+              <a:t> </a:t>
+            </a:r>
+            <a:r>
+              <a:rPr lang="de-CH" dirty="0" err="1"/>
+              <a:t>test</a:t>
+            </a:r>
+            <a:r>
+              <a:rPr lang="de-CH" dirty="0"/>
+              <a:t> </a:t>
+            </a:r>
+            <a:r>
+              <a:rPr lang="de-CH" dirty="0" err="1"/>
+              <a:t>to</a:t>
+            </a:r>
+            <a:r>
+              <a:rPr lang="de-CH" dirty="0"/>
+              <a:t> </a:t>
+            </a:r>
+            <a:r>
+              <a:rPr lang="de-CH" dirty="0" err="1"/>
+              <a:t>nunitxml</a:t>
+            </a:r>
+            <a:r>
+              <a:rPr lang="de-CH" dirty="0"/>
+              <a:t> </a:t>
+            </a:r>
+            <a:r>
+              <a:rPr lang="de-CH" dirty="0" err="1"/>
+              <a:t>file</a:t>
+            </a:r>
+            <a:r>
+              <a:rPr lang="de-CH" dirty="0"/>
+              <a:t> </a:t>
+            </a:r>
+            <a:r>
+              <a:rPr lang="de-CH" dirty="0" err="1"/>
+              <a:t>allows</a:t>
+            </a:r>
+            <a:r>
+              <a:rPr lang="de-CH" dirty="0"/>
+              <a:t>?</a:t>
+            </a:r>
+          </a:p>
+          <a:p>
+            <a:r>
+              <a:rPr lang="de-CH" dirty="0" err="1"/>
+              <a:t>What</a:t>
+            </a:r>
+            <a:r>
+              <a:rPr lang="de-CH" dirty="0"/>
+              <a:t> </a:t>
+            </a:r>
+            <a:r>
+              <a:rPr lang="de-CH" dirty="0" err="1"/>
+              <a:t>are</a:t>
+            </a:r>
+            <a:r>
+              <a:rPr lang="de-CH" dirty="0"/>
+              <a:t> </a:t>
+            </a:r>
+            <a:r>
+              <a:rPr lang="de-CH" dirty="0" err="1"/>
+              <a:t>the</a:t>
+            </a:r>
+            <a:r>
+              <a:rPr lang="de-CH" dirty="0"/>
+              <a:t> </a:t>
+            </a:r>
+            <a:r>
+              <a:rPr lang="de-CH" dirty="0" err="1"/>
+              <a:t>drawback</a:t>
+            </a:r>
+            <a:r>
+              <a:rPr lang="de-CH" dirty="0"/>
+              <a:t> </a:t>
+            </a:r>
+            <a:r>
+              <a:rPr lang="de-CH" dirty="0" err="1"/>
+              <a:t>with</a:t>
+            </a:r>
+            <a:r>
+              <a:rPr lang="de-CH" dirty="0"/>
+              <a:t> </a:t>
+            </a:r>
+            <a:r>
+              <a:rPr lang="de-CH" dirty="0" err="1"/>
+              <a:t>working</a:t>
+            </a:r>
+            <a:r>
+              <a:rPr lang="de-CH" dirty="0"/>
+              <a:t> </a:t>
+            </a:r>
+            <a:r>
+              <a:rPr lang="de-CH" dirty="0" err="1"/>
+              <a:t>with</a:t>
+            </a:r>
+            <a:r>
+              <a:rPr lang="de-CH" dirty="0"/>
+              <a:t> </a:t>
+            </a:r>
+            <a:r>
+              <a:rPr lang="de-CH" dirty="0" err="1"/>
+              <a:t>Nunit</a:t>
+            </a:r>
+            <a:r>
+              <a:rPr lang="de-CH" dirty="0"/>
+              <a:t> XML </a:t>
+            </a:r>
+            <a:r>
+              <a:rPr lang="de-CH" dirty="0" err="1"/>
+              <a:t>files</a:t>
+            </a:r>
+            <a:r>
+              <a:rPr lang="de-CH" dirty="0"/>
+              <a:t>?</a:t>
+            </a:r>
+          </a:p>
+        </p:txBody>
+      </p:sp>
+    </p:spTree>
+    <p:extLst>
+      <p:ext uri="{BB962C8B-B14F-4D97-AF65-F5344CB8AC3E}">
+        <p14:creationId xmlns:p14="http://schemas.microsoft.com/office/powerpoint/2010/main" val="2250668228"/>
+      </p:ext>
+    </p:extLst>
+  </p:cSld>
+  <p:clrMapOvr>
+    <a:masterClrMapping/>
+  </p:clrMapOvr>
+</p:sld>
+</file>
+
+<file path=ppt/slides/slide46.xml><?xml version="1.0" encoding="utf-8"?>
+<p:sld xmlns:a="http://schemas.openxmlformats.org/drawingml/2006/main" xmlns:r="http://schemas.openxmlformats.org/officeDocument/2006/relationships" xmlns:p="http://schemas.openxmlformats.org/presentationml/2006/main">
+  <p:cSld>
+    <p:spTree>
+      <p:nvGrpSpPr>
+        <p:cNvPr id="1" name=""/>
+        <p:cNvGrpSpPr/>
+        <p:nvPr/>
+      </p:nvGrpSpPr>
+      <p:grpSpPr>
+        <a:xfrm>
+          <a:off x="0" y="0"/>
+          <a:ext cx="0" cy="0"/>
+          <a:chOff x="0" y="0"/>
+          <a:chExt cx="0" cy="0"/>
+        </a:xfrm>
+      </p:grpSpPr>
+      <p:sp>
+        <p:nvSpPr>
+          <p:cNvPr id="2" name="Title 1">
+            <a:extLst>
+              <a:ext uri="{FF2B5EF4-FFF2-40B4-BE49-F238E27FC236}">
+                <a16:creationId xmlns:a16="http://schemas.microsoft.com/office/drawing/2014/main" id="{FBC10BD2-2DF5-4D94-AFD6-ED4EF04B7655}"/>
+              </a:ext>
+            </a:extLst>
+          </p:cNvPr>
+          <p:cNvSpPr>
+            <a:spLocks noGrp="1"/>
+          </p:cNvSpPr>
+          <p:nvPr>
+            <p:ph type="title"/>
+          </p:nvPr>
+        </p:nvSpPr>
+        <p:spPr/>
+        <p:txBody>
+          <a:bodyPr/>
+          <a:lstStyle/>
+          <a:p>
+            <a:r>
+              <a:rPr lang="de-CH" dirty="0" err="1"/>
+              <a:t>Advanced</a:t>
+            </a:r>
+            <a:r>
+              <a:rPr lang="de-CH" dirty="0"/>
+              <a:t> </a:t>
+            </a:r>
+            <a:r>
+              <a:rPr lang="de-CH" dirty="0" err="1"/>
+              <a:t>Pester</a:t>
+            </a:r>
+            <a:r>
+              <a:rPr lang="de-CH" dirty="0"/>
+              <a:t> </a:t>
+            </a:r>
+            <a:r>
+              <a:rPr lang="de-CH" dirty="0" err="1"/>
+              <a:t>concepts</a:t>
+            </a:r>
+            <a:r>
+              <a:rPr lang="de-CH" dirty="0"/>
+              <a:t>:</a:t>
+            </a:r>
+            <a:br>
+              <a:rPr lang="de-CH" dirty="0"/>
+            </a:br>
+            <a:r>
+              <a:rPr lang="de-CH" dirty="0" err="1"/>
+              <a:t>POSHNunitXML</a:t>
+            </a:r>
+            <a:endParaRPr lang="de-CH" dirty="0"/>
+          </a:p>
+        </p:txBody>
+      </p:sp>
+      <p:sp>
+        <p:nvSpPr>
+          <p:cNvPr id="3" name="Text Placeholder 2">
+            <a:extLst>
+              <a:ext uri="{FF2B5EF4-FFF2-40B4-BE49-F238E27FC236}">
+                <a16:creationId xmlns:a16="http://schemas.microsoft.com/office/drawing/2014/main" id="{9D3ABB81-2D9A-401A-B4AC-5D39DD0EB0E8}"/>
+              </a:ext>
+            </a:extLst>
+          </p:cNvPr>
+          <p:cNvSpPr>
+            <a:spLocks noGrp="1"/>
+          </p:cNvSpPr>
+          <p:nvPr>
+            <p:ph type="body" idx="1"/>
+          </p:nvPr>
+        </p:nvSpPr>
+        <p:spPr/>
+        <p:txBody>
+          <a:bodyPr/>
+          <a:lstStyle/>
+          <a:p>
+            <a:r>
+              <a:rPr lang="de-CH" dirty="0" err="1"/>
+              <a:t>NunitXML</a:t>
+            </a:r>
+            <a:r>
+              <a:rPr lang="de-CH" dirty="0"/>
+              <a:t> </a:t>
+            </a:r>
+          </a:p>
+          <a:p>
+            <a:endParaRPr lang="de-CH" dirty="0"/>
+          </a:p>
+        </p:txBody>
+      </p:sp>
+    </p:spTree>
+    <p:extLst>
+      <p:ext uri="{BB962C8B-B14F-4D97-AF65-F5344CB8AC3E}">
+        <p14:creationId xmlns:p14="http://schemas.microsoft.com/office/powerpoint/2010/main" val="3421202765"/>
+      </p:ext>
+    </p:extLst>
+  </p:cSld>
+  <p:clrMapOvr>
+    <a:masterClrMapping/>
+  </p:clrMapOvr>
+</p:sld>
+</file>
+
+<file path=ppt/slides/slide47.xml><?xml version="1.0" encoding="utf-8"?>
+<p:sld xmlns:a="http://schemas.openxmlformats.org/drawingml/2006/main" xmlns:r="http://schemas.openxmlformats.org/officeDocument/2006/relationships" xmlns:p="http://schemas.openxmlformats.org/presentationml/2006/main">
+  <p:cSld>
+    <p:spTree>
+      <p:nvGrpSpPr>
+        <p:cNvPr id="1" name=""/>
+        <p:cNvGrpSpPr/>
+        <p:nvPr/>
+      </p:nvGrpSpPr>
+      <p:grpSpPr>
+        <a:xfrm>
+          <a:off x="0" y="0"/>
+          <a:ext cx="0" cy="0"/>
+          <a:chOff x="0" y="0"/>
+          <a:chExt cx="0" cy="0"/>
+        </a:xfrm>
+      </p:grpSpPr>
+      <p:sp>
+        <p:nvSpPr>
           <p:cNvPr id="2" name="Title 1">
             <a:extLst>
               <a:ext uri="{FF2B5EF4-FFF2-40B4-BE49-F238E27FC236}">
@@ -9348,7 +10474,7 @@
 </p:sld>
 </file>
 
-<file path=ppt/slides/slide45.xml><?xml version="1.0" encoding="utf-8"?>
+<file path=ppt/slides/slide48.xml><?xml version="1.0" encoding="utf-8"?>
 <p:sld xmlns:a="http://schemas.openxmlformats.org/drawingml/2006/main" xmlns:r="http://schemas.openxmlformats.org/officeDocument/2006/relationships" xmlns:p="http://schemas.openxmlformats.org/presentationml/2006/main">
   <p:cSld>
     <p:spTree>
@@ -9489,10 +10615,10 @@
       </p:grpSpPr>
       <p:sp>
         <p:nvSpPr>
-          <p:cNvPr id="2" name="Title 1">
+          <p:cNvPr id="4" name="Title 3">
             <a:extLst>
               <a:ext uri="{FF2B5EF4-FFF2-40B4-BE49-F238E27FC236}">
-                <a16:creationId xmlns:a16="http://schemas.microsoft.com/office/drawing/2014/main" id="{5C753384-E2DA-4D25-9F1F-3748135CB24E}"/>
+                <a16:creationId xmlns:a16="http://schemas.microsoft.com/office/drawing/2014/main" id="{CAB813E8-756C-4470-8E83-4275EA0B4EA0}"/>
               </a:ext>
             </a:extLst>
           </p:cNvPr>
@@ -9500,27 +10626,31 @@
             <a:spLocks noGrp="1"/>
           </p:cNvSpPr>
           <p:nvPr>
-            <p:ph type="title"/>
-          </p:nvPr>
-        </p:nvSpPr>
-        <p:spPr/>
-        <p:txBody>
-          <a:bodyPr/>
-          <a:lstStyle/>
-          <a:p>
-            <a:r>
-              <a:rPr lang="de-CH" dirty="0"/>
-              <a:t>Quality</a:t>
-            </a:r>
-          </a:p>
-        </p:txBody>
-      </p:sp>
-      <p:sp>
-        <p:nvSpPr>
-          <p:cNvPr id="3" name="Content Placeholder 2">
+            <p:ph type="ctrTitle"/>
+          </p:nvPr>
+        </p:nvSpPr>
+        <p:spPr/>
+        <p:txBody>
+          <a:bodyPr/>
+          <a:lstStyle/>
+          <a:p>
+            <a:r>
+              <a:rPr lang="de-CH" dirty="0" err="1"/>
+              <a:t>Why</a:t>
+            </a:r>
+            <a:r>
+              <a:rPr lang="de-CH" dirty="0"/>
+              <a:t> Test?</a:t>
+            </a:r>
+          </a:p>
+        </p:txBody>
+      </p:sp>
+      <p:sp>
+        <p:nvSpPr>
+          <p:cNvPr id="5" name="Subtitle 4">
             <a:extLst>
               <a:ext uri="{FF2B5EF4-FFF2-40B4-BE49-F238E27FC236}">
-                <a16:creationId xmlns:a16="http://schemas.microsoft.com/office/drawing/2014/main" id="{C5666F31-5A98-4A23-A7EF-DCB8E0143F4D}"/>
+                <a16:creationId xmlns:a16="http://schemas.microsoft.com/office/drawing/2014/main" id="{83CF8022-CA50-4278-AA0E-45A3B454BAAF}"/>
               </a:ext>
             </a:extLst>
           </p:cNvPr>
@@ -9528,165 +10658,29 @@
             <a:spLocks noGrp="1"/>
           </p:cNvSpPr>
           <p:nvPr>
-            <p:ph idx="1"/>
-          </p:nvPr>
-        </p:nvSpPr>
-        <p:spPr/>
-        <p:txBody>
-          <a:bodyPr/>
-          <a:lstStyle/>
-          <a:p>
-            <a:r>
-              <a:rPr lang="de-CH" dirty="0"/>
-              <a:t>Test </a:t>
-            </a:r>
-            <a:r>
-              <a:rPr lang="de-CH" dirty="0" err="1"/>
-              <a:t>every</a:t>
-            </a:r>
-            <a:r>
-              <a:rPr lang="de-CH" dirty="0"/>
-              <a:t> (</a:t>
-            </a:r>
-            <a:r>
-              <a:rPr lang="de-CH" dirty="0" err="1"/>
-              <a:t>edge</a:t>
-            </a:r>
-            <a:r>
-              <a:rPr lang="de-CH" dirty="0"/>
-              <a:t>) </a:t>
-            </a:r>
-            <a:r>
-              <a:rPr lang="de-CH" dirty="0" err="1"/>
-              <a:t>case</a:t>
-            </a:r>
-            <a:r>
-              <a:rPr lang="de-CH" dirty="0"/>
-              <a:t> </a:t>
-            </a:r>
-            <a:r>
-              <a:rPr lang="de-CH" dirty="0" err="1"/>
-              <a:t>of</a:t>
-            </a:r>
-            <a:r>
-              <a:rPr lang="de-CH" dirty="0"/>
-              <a:t> a </a:t>
-            </a:r>
-            <a:r>
-              <a:rPr lang="de-CH" dirty="0" err="1"/>
-              <a:t>function</a:t>
-            </a:r>
-            <a:endParaRPr lang="de-CH" dirty="0"/>
-          </a:p>
-          <a:p>
-            <a:r>
-              <a:rPr lang="de-CH" dirty="0" err="1"/>
-              <a:t>Avoid</a:t>
-            </a:r>
-            <a:r>
-              <a:rPr lang="de-CH" dirty="0"/>
-              <a:t> </a:t>
-            </a:r>
-            <a:r>
-              <a:rPr lang="de-CH" dirty="0" err="1"/>
-              <a:t>regression</a:t>
-            </a:r>
-            <a:r>
-              <a:rPr lang="de-CH" dirty="0"/>
-              <a:t> (</a:t>
-            </a:r>
-            <a:r>
-              <a:rPr lang="de-CH" dirty="0" err="1"/>
-              <a:t>Introducing</a:t>
-            </a:r>
-            <a:r>
-              <a:rPr lang="de-CH" dirty="0"/>
-              <a:t> </a:t>
-            </a:r>
-            <a:r>
-              <a:rPr lang="de-CH" dirty="0" err="1"/>
-              <a:t>bugs</a:t>
-            </a:r>
-            <a:r>
-              <a:rPr lang="de-CH" dirty="0"/>
-              <a:t> </a:t>
-            </a:r>
-            <a:r>
-              <a:rPr lang="de-CH" dirty="0" err="1"/>
-              <a:t>while</a:t>
-            </a:r>
-            <a:r>
-              <a:rPr lang="de-CH" dirty="0"/>
-              <a:t> </a:t>
-            </a:r>
-            <a:r>
-              <a:rPr lang="de-CH" dirty="0" err="1"/>
-              <a:t>adding</a:t>
-            </a:r>
-            <a:r>
-              <a:rPr lang="de-CH" dirty="0"/>
-              <a:t> </a:t>
-            </a:r>
-            <a:r>
-              <a:rPr lang="de-CH" dirty="0" err="1"/>
-              <a:t>features</a:t>
-            </a:r>
-            <a:r>
-              <a:rPr lang="de-CH" dirty="0"/>
-              <a:t>)</a:t>
-            </a:r>
-          </a:p>
-          <a:p>
-            <a:r>
-              <a:rPr lang="de-CH" dirty="0" err="1"/>
-              <a:t>Ensures</a:t>
-            </a:r>
-            <a:r>
-              <a:rPr lang="de-CH" dirty="0"/>
-              <a:t> </a:t>
-            </a:r>
-            <a:r>
-              <a:rPr lang="de-CH" dirty="0" err="1"/>
-              <a:t>the</a:t>
-            </a:r>
-            <a:r>
-              <a:rPr lang="de-CH" dirty="0"/>
-              <a:t> </a:t>
-            </a:r>
-            <a:r>
-              <a:rPr lang="de-CH" dirty="0" err="1"/>
-              <a:t>cohesion</a:t>
-            </a:r>
-            <a:r>
-              <a:rPr lang="de-CH" dirty="0"/>
-              <a:t> </a:t>
-            </a:r>
-            <a:r>
-              <a:rPr lang="de-CH" dirty="0" err="1"/>
-              <a:t>of</a:t>
-            </a:r>
-            <a:r>
-              <a:rPr lang="de-CH" dirty="0"/>
-              <a:t> a </a:t>
-            </a:r>
-            <a:r>
-              <a:rPr lang="de-CH" dirty="0" err="1"/>
-              <a:t>system</a:t>
-            </a:r>
-            <a:endParaRPr lang="de-CH" dirty="0"/>
-          </a:p>
-          <a:p>
-            <a:pPr marL="0" indent="0">
-              <a:buNone/>
-            </a:pPr>
-            <a:endParaRPr lang="de-CH" dirty="0"/>
+            <p:ph type="subTitle" idx="1"/>
+          </p:nvPr>
+        </p:nvSpPr>
+        <p:spPr/>
+        <p:txBody>
+          <a:bodyPr/>
+          <a:lstStyle/>
+          <a:p>
+            <a:r>
+              <a:rPr lang="de-CH" dirty="0" err="1"/>
+              <a:t>Why</a:t>
+            </a:r>
+            <a:r>
+              <a:rPr lang="de-CH" dirty="0"/>
+              <a:t> not?</a:t>
+            </a:r>
           </a:p>
         </p:txBody>
       </p:sp>
     </p:spTree>
     <p:extLst>
       <p:ext uri="{BB962C8B-B14F-4D97-AF65-F5344CB8AC3E}">
-        <p14:creationId xmlns:p14="http://schemas.microsoft.com/office/powerpoint/2010/main" val="2171330000"/>
+        <p14:creationId xmlns:p14="http://schemas.microsoft.com/office/powerpoint/2010/main" val="188649551"/>
       </p:ext>
     </p:extLst>
   </p:cSld>
@@ -9718,7 +10712,7 @@
           <p:cNvPr id="2" name="Title 1">
             <a:extLst>
               <a:ext uri="{FF2B5EF4-FFF2-40B4-BE49-F238E27FC236}">
-                <a16:creationId xmlns:a16="http://schemas.microsoft.com/office/drawing/2014/main" id="{587F4319-AAE5-4275-BE52-55F764C75655}"/>
+                <a16:creationId xmlns:a16="http://schemas.microsoft.com/office/drawing/2014/main" id="{5C753384-E2DA-4D25-9F1F-3748135CB24E}"/>
               </a:ext>
             </a:extLst>
           </p:cNvPr>
@@ -9735,10 +10729,9 @@
           <a:lstStyle/>
           <a:p>
             <a:r>
-              <a:rPr lang="de-CH" dirty="0" err="1"/>
-              <a:t>TRUSt</a:t>
-            </a:r>
-            <a:endParaRPr lang="de-CH" dirty="0"/>
+              <a:rPr lang="de-CH" dirty="0"/>
+              <a:t>Quality</a:t>
+            </a:r>
           </a:p>
         </p:txBody>
       </p:sp>
@@ -9747,7 +10740,7 @@
           <p:cNvPr id="3" name="Content Placeholder 2">
             <a:extLst>
               <a:ext uri="{FF2B5EF4-FFF2-40B4-BE49-F238E27FC236}">
-                <a16:creationId xmlns:a16="http://schemas.microsoft.com/office/drawing/2014/main" id="{397AA5D4-FC7C-4257-8D5D-E4E044A64E88}"/>
+                <a16:creationId xmlns:a16="http://schemas.microsoft.com/office/drawing/2014/main" id="{C5666F31-5A98-4A23-A7EF-DCB8E0143F4D}"/>
               </a:ext>
             </a:extLst>
           </p:cNvPr>
@@ -9764,24 +10757,109 @@
           <a:lstStyle/>
           <a:p>
             <a:r>
-              <a:rPr lang="de-CH" dirty="0" err="1"/>
-              <a:t>You</a:t>
-            </a:r>
-            <a:r>
-              <a:rPr lang="de-CH" dirty="0"/>
-              <a:t> </a:t>
-            </a:r>
-            <a:r>
-              <a:rPr lang="de-CH" dirty="0" err="1"/>
-              <a:t>can</a:t>
-            </a:r>
-            <a:r>
-              <a:rPr lang="de-CH" dirty="0"/>
-              <a:t> </a:t>
-            </a:r>
-            <a:r>
-              <a:rPr lang="de-CH" dirty="0" err="1"/>
-              <a:t>trust</a:t>
+              <a:rPr lang="de-CH" dirty="0"/>
+              <a:t>Test </a:t>
+            </a:r>
+            <a:r>
+              <a:rPr lang="de-CH" dirty="0" err="1"/>
+              <a:t>every</a:t>
+            </a:r>
+            <a:r>
+              <a:rPr lang="de-CH" dirty="0"/>
+              <a:t> (</a:t>
+            </a:r>
+            <a:r>
+              <a:rPr lang="de-CH" dirty="0" err="1"/>
+              <a:t>edge</a:t>
+            </a:r>
+            <a:r>
+              <a:rPr lang="de-CH" dirty="0"/>
+              <a:t>) </a:t>
+            </a:r>
+            <a:r>
+              <a:rPr lang="de-CH" dirty="0" err="1"/>
+              <a:t>case</a:t>
+            </a:r>
+            <a:r>
+              <a:rPr lang="de-CH" dirty="0"/>
+              <a:t> </a:t>
+            </a:r>
+            <a:r>
+              <a:rPr lang="de-CH" dirty="0" err="1"/>
+              <a:t>of</a:t>
+            </a:r>
+            <a:r>
+              <a:rPr lang="de-CH" dirty="0"/>
+              <a:t> a </a:t>
+            </a:r>
+            <a:r>
+              <a:rPr lang="de-CH" dirty="0" err="1"/>
+              <a:t>function</a:t>
+            </a:r>
+            <a:endParaRPr lang="de-CH" dirty="0"/>
+          </a:p>
+          <a:p>
+            <a:r>
+              <a:rPr lang="de-CH" dirty="0" err="1"/>
+              <a:t>Avoid</a:t>
+            </a:r>
+            <a:r>
+              <a:rPr lang="de-CH" dirty="0"/>
+              <a:t> </a:t>
+            </a:r>
+            <a:r>
+              <a:rPr lang="de-CH" dirty="0" err="1"/>
+              <a:t>regression</a:t>
+            </a:r>
+            <a:r>
+              <a:rPr lang="de-CH" dirty="0"/>
+              <a:t> (</a:t>
+            </a:r>
+            <a:r>
+              <a:rPr lang="de-CH" dirty="0" err="1"/>
+              <a:t>Introducing</a:t>
+            </a:r>
+            <a:r>
+              <a:rPr lang="de-CH" dirty="0"/>
+              <a:t> </a:t>
+            </a:r>
+            <a:r>
+              <a:rPr lang="de-CH" dirty="0" err="1"/>
+              <a:t>bugs</a:t>
+            </a:r>
+            <a:r>
+              <a:rPr lang="de-CH" dirty="0"/>
+              <a:t> </a:t>
+            </a:r>
+            <a:r>
+              <a:rPr lang="de-CH" dirty="0" err="1"/>
+              <a:t>while</a:t>
+            </a:r>
+            <a:r>
+              <a:rPr lang="de-CH" dirty="0"/>
+              <a:t> </a:t>
+            </a:r>
+            <a:r>
+              <a:rPr lang="de-CH" dirty="0" err="1"/>
+              <a:t>adding</a:t>
+            </a:r>
+            <a:r>
+              <a:rPr lang="de-CH" dirty="0"/>
+              <a:t> </a:t>
+            </a:r>
+            <a:r>
+              <a:rPr lang="de-CH" dirty="0" err="1"/>
+              <a:t>features</a:t>
+            </a:r>
+            <a:r>
+              <a:rPr lang="de-CH" dirty="0"/>
+              <a:t>)</a:t>
+            </a:r>
+          </a:p>
+          <a:p>
+            <a:r>
+              <a:rPr lang="de-CH" dirty="0" err="1"/>
+              <a:t>Ensures</a:t>
             </a:r>
             <a:r>
               <a:rPr lang="de-CH" dirty="0"/>
@@ -9793,162 +10871,29 @@
             </a:r>
             <a:r>
               <a:rPr lang="de-CH" dirty="0"/>
-              <a:t> code </a:t>
-            </a:r>
-            <a:r>
-              <a:rPr lang="de-CH" dirty="0" err="1"/>
-              <a:t>to</a:t>
-            </a:r>
-            <a:r>
-              <a:rPr lang="de-CH" dirty="0"/>
-              <a:t> </a:t>
-            </a:r>
-            <a:r>
-              <a:rPr lang="de-CH" dirty="0" err="1"/>
-              <a:t>work</a:t>
-            </a:r>
-            <a:r>
-              <a:rPr lang="de-CH" dirty="0"/>
-              <a:t> </a:t>
-            </a:r>
-            <a:r>
-              <a:rPr lang="de-CH" dirty="0" err="1"/>
-              <a:t>as</a:t>
-            </a:r>
-            <a:r>
-              <a:rPr lang="de-CH" dirty="0"/>
-              <a:t> </a:t>
-            </a:r>
-            <a:r>
-              <a:rPr lang="de-CH" dirty="0" err="1"/>
-              <a:t>expected</a:t>
+              <a:t> </a:t>
+            </a:r>
+            <a:r>
+              <a:rPr lang="de-CH" dirty="0" err="1"/>
+              <a:t>cohesion</a:t>
+            </a:r>
+            <a:r>
+              <a:rPr lang="de-CH" dirty="0"/>
+              <a:t> </a:t>
+            </a:r>
+            <a:r>
+              <a:rPr lang="de-CH" dirty="0" err="1"/>
+              <a:t>of</a:t>
+            </a:r>
+            <a:r>
+              <a:rPr lang="de-CH" dirty="0"/>
+              <a:t> a </a:t>
+            </a:r>
+            <a:r>
+              <a:rPr lang="de-CH" dirty="0" err="1"/>
+              <a:t>system</a:t>
             </a:r>
             <a:endParaRPr lang="de-CH" dirty="0"/>
-          </a:p>
-          <a:p>
-            <a:r>
-              <a:rPr lang="de-CH" dirty="0" err="1"/>
-              <a:t>Trusting</a:t>
-            </a:r>
-            <a:r>
-              <a:rPr lang="de-CH" dirty="0"/>
-              <a:t> </a:t>
-            </a:r>
-            <a:r>
-              <a:rPr lang="de-CH" dirty="0" err="1"/>
-              <a:t>that</a:t>
-            </a:r>
-            <a:r>
-              <a:rPr lang="de-CH" dirty="0"/>
-              <a:t> </a:t>
-            </a:r>
-            <a:r>
-              <a:rPr lang="de-CH" dirty="0" err="1"/>
-              <a:t>your</a:t>
-            </a:r>
-            <a:r>
-              <a:rPr lang="de-CH" dirty="0"/>
-              <a:t> last </a:t>
-            </a:r>
-            <a:r>
-              <a:rPr lang="de-CH" dirty="0" err="1"/>
-              <a:t>modification</a:t>
-            </a:r>
-            <a:r>
-              <a:rPr lang="de-CH" dirty="0"/>
-              <a:t> </a:t>
-            </a:r>
-            <a:r>
-              <a:rPr lang="de-CH" dirty="0" err="1"/>
-              <a:t>didn't</a:t>
-            </a:r>
-            <a:r>
-              <a:rPr lang="de-CH" dirty="0"/>
-              <a:t> break </a:t>
-            </a:r>
-            <a:r>
-              <a:rPr lang="de-CH" dirty="0" err="1"/>
-              <a:t>anything</a:t>
-            </a:r>
-            <a:endParaRPr lang="de-CH" dirty="0"/>
-          </a:p>
-          <a:p>
-            <a:r>
-              <a:rPr lang="de-CH" dirty="0"/>
-              <a:t>Trust </a:t>
-            </a:r>
-            <a:r>
-              <a:rPr lang="de-CH" dirty="0" err="1"/>
-              <a:t>the</a:t>
-            </a:r>
-            <a:r>
-              <a:rPr lang="de-CH" dirty="0"/>
-              <a:t> code </a:t>
-            </a:r>
-            <a:r>
-              <a:rPr lang="de-CH" dirty="0" err="1"/>
-              <a:t>that</a:t>
-            </a:r>
-            <a:r>
-              <a:rPr lang="de-CH" dirty="0"/>
-              <a:t> </a:t>
-            </a:r>
-            <a:r>
-              <a:rPr lang="de-CH" dirty="0" err="1"/>
-              <a:t>comes</a:t>
-            </a:r>
-            <a:r>
-              <a:rPr lang="de-CH" dirty="0"/>
-              <a:t> </a:t>
-            </a:r>
-            <a:r>
-              <a:rPr lang="de-CH" dirty="0" err="1"/>
-              <a:t>from</a:t>
-            </a:r>
-            <a:r>
-              <a:rPr lang="de-CH" dirty="0"/>
-              <a:t> </a:t>
-            </a:r>
-            <a:r>
-              <a:rPr lang="de-CH" dirty="0" err="1"/>
-              <a:t>another</a:t>
-            </a:r>
-            <a:r>
-              <a:rPr lang="de-CH" dirty="0"/>
-              <a:t> </a:t>
-            </a:r>
-            <a:r>
-              <a:rPr lang="de-CH" dirty="0" err="1"/>
-              <a:t>repo</a:t>
-            </a:r>
-            <a:r>
-              <a:rPr lang="de-CH" dirty="0"/>
-              <a:t>, </a:t>
-            </a:r>
-            <a:r>
-              <a:rPr lang="de-CH" dirty="0" err="1"/>
-              <a:t>is</a:t>
-            </a:r>
-            <a:r>
-              <a:rPr lang="de-CH" dirty="0"/>
-              <a:t> </a:t>
-            </a:r>
-            <a:r>
-              <a:rPr lang="de-CH" dirty="0" err="1"/>
-              <a:t>bug</a:t>
-            </a:r>
-            <a:r>
-              <a:rPr lang="de-CH" dirty="0"/>
-              <a:t> </a:t>
-            </a:r>
-            <a:r>
-              <a:rPr lang="de-CH" dirty="0" err="1"/>
-              <a:t>free</a:t>
-            </a:r>
-            <a:r>
-              <a:rPr lang="de-CH" dirty="0"/>
-              <a:t> (…)</a:t>
-            </a:r>
           </a:p>
           <a:p>
             <a:pPr marL="0" indent="0">
@@ -9956,18 +10901,12 @@
             </a:pPr>
             <a:endParaRPr lang="de-CH" dirty="0"/>
           </a:p>
-          <a:p>
-            <a:endParaRPr lang="de-CH" dirty="0"/>
-          </a:p>
-          <a:p>
-            <a:endParaRPr lang="de-CH" dirty="0"/>
-          </a:p>
         </p:txBody>
       </p:sp>
     </p:spTree>
     <p:extLst>
       <p:ext uri="{BB962C8B-B14F-4D97-AF65-F5344CB8AC3E}">
-        <p14:creationId xmlns:p14="http://schemas.microsoft.com/office/powerpoint/2010/main" val="4170798421"/>
+        <p14:creationId xmlns:p14="http://schemas.microsoft.com/office/powerpoint/2010/main" val="2171330000"/>
       </p:ext>
     </p:extLst>
   </p:cSld>
@@ -9996,10 +10935,10 @@
       </p:grpSpPr>
       <p:sp>
         <p:nvSpPr>
-          <p:cNvPr id="4" name="Title 3">
+          <p:cNvPr id="2" name="Title 1">
             <a:extLst>
               <a:ext uri="{FF2B5EF4-FFF2-40B4-BE49-F238E27FC236}">
-                <a16:creationId xmlns:a16="http://schemas.microsoft.com/office/drawing/2014/main" id="{6CBC1B3E-0D8E-474E-9D92-FFA251C75C65}"/>
+                <a16:creationId xmlns:a16="http://schemas.microsoft.com/office/drawing/2014/main" id="{587F4319-AAE5-4275-BE52-55F764C75655}"/>
               </a:ext>
             </a:extLst>
           </p:cNvPr>
@@ -10007,31 +10946,28 @@
             <a:spLocks noGrp="1"/>
           </p:cNvSpPr>
           <p:nvPr>
-            <p:ph type="ctrTitle"/>
-          </p:nvPr>
-        </p:nvSpPr>
-        <p:spPr/>
-        <p:txBody>
-          <a:bodyPr/>
-          <a:lstStyle/>
-          <a:p>
-            <a:r>
-              <a:rPr lang="de-CH" dirty="0" err="1"/>
-              <a:t>Pester</a:t>
-            </a:r>
-            <a:r>
-              <a:rPr lang="de-CH" dirty="0"/>
-              <a:t> – The code</a:t>
-            </a:r>
-          </a:p>
-        </p:txBody>
-      </p:sp>
-      <p:sp>
-        <p:nvSpPr>
-          <p:cNvPr id="5" name="Subtitle 4">
+            <p:ph type="title"/>
+          </p:nvPr>
+        </p:nvSpPr>
+        <p:spPr/>
+        <p:txBody>
+          <a:bodyPr/>
+          <a:lstStyle/>
+          <a:p>
+            <a:r>
+              <a:rPr lang="de-CH" dirty="0" err="1"/>
+              <a:t>TRUSt</a:t>
+            </a:r>
+            <a:endParaRPr lang="de-CH" dirty="0"/>
+          </a:p>
+        </p:txBody>
+      </p:sp>
+      <p:sp>
+        <p:nvSpPr>
+          <p:cNvPr id="3" name="Content Placeholder 2">
             <a:extLst>
               <a:ext uri="{FF2B5EF4-FFF2-40B4-BE49-F238E27FC236}">
-                <a16:creationId xmlns:a16="http://schemas.microsoft.com/office/drawing/2014/main" id="{9AC8F06F-DD92-4C51-86CE-471AA6F7A8BF}"/>
+                <a16:creationId xmlns:a16="http://schemas.microsoft.com/office/drawing/2014/main" id="{397AA5D4-FC7C-4257-8D5D-E4E044A64E88}"/>
               </a:ext>
             </a:extLst>
           </p:cNvPr>
@@ -10039,22 +10975,211 @@
             <a:spLocks noGrp="1"/>
           </p:cNvSpPr>
           <p:nvPr>
-            <p:ph type="subTitle" idx="1"/>
-          </p:nvPr>
-        </p:nvSpPr>
-        <p:spPr/>
-        <p:txBody>
-          <a:bodyPr/>
-          <a:lstStyle/>
-          <a:p>
-            <a:r>
-              <a:rPr lang="de-CH" dirty="0"/>
-              <a:t>Syntax + Use </a:t>
-            </a:r>
-            <a:r>
-              <a:rPr lang="de-CH" dirty="0" err="1"/>
-              <a:t>cases</a:t>
-            </a:r>
+            <p:ph idx="1"/>
+          </p:nvPr>
+        </p:nvSpPr>
+        <p:spPr/>
+        <p:txBody>
+          <a:bodyPr/>
+          <a:lstStyle/>
+          <a:p>
+            <a:r>
+              <a:rPr lang="de-CH" dirty="0" err="1"/>
+              <a:t>You</a:t>
+            </a:r>
+            <a:r>
+              <a:rPr lang="de-CH" dirty="0"/>
+              <a:t> </a:t>
+            </a:r>
+            <a:r>
+              <a:rPr lang="de-CH" dirty="0" err="1"/>
+              <a:t>can</a:t>
+            </a:r>
+            <a:r>
+              <a:rPr lang="de-CH" dirty="0"/>
+              <a:t> </a:t>
+            </a:r>
+            <a:r>
+              <a:rPr lang="de-CH" dirty="0" err="1"/>
+              <a:t>trust</a:t>
+            </a:r>
+            <a:r>
+              <a:rPr lang="de-CH" dirty="0"/>
+              <a:t> </a:t>
+            </a:r>
+            <a:r>
+              <a:rPr lang="de-CH" dirty="0" err="1"/>
+              <a:t>the</a:t>
+            </a:r>
+            <a:r>
+              <a:rPr lang="de-CH" dirty="0"/>
+              <a:t> code </a:t>
+            </a:r>
+            <a:r>
+              <a:rPr lang="de-CH" dirty="0" err="1"/>
+              <a:t>to</a:t>
+            </a:r>
+            <a:r>
+              <a:rPr lang="de-CH" dirty="0"/>
+              <a:t> </a:t>
+            </a:r>
+            <a:r>
+              <a:rPr lang="de-CH" dirty="0" err="1"/>
+              <a:t>work</a:t>
+            </a:r>
+            <a:r>
+              <a:rPr lang="de-CH" dirty="0"/>
+              <a:t> </a:t>
+            </a:r>
+            <a:r>
+              <a:rPr lang="de-CH" dirty="0" err="1"/>
+              <a:t>as</a:t>
+            </a:r>
+            <a:r>
+              <a:rPr lang="de-CH" dirty="0"/>
+              <a:t> </a:t>
+            </a:r>
+            <a:r>
+              <a:rPr lang="de-CH" dirty="0" err="1"/>
+              <a:t>expected</a:t>
+            </a:r>
+            <a:endParaRPr lang="de-CH" dirty="0"/>
+          </a:p>
+          <a:p>
+            <a:r>
+              <a:rPr lang="de-CH" dirty="0" err="1"/>
+              <a:t>Trusting</a:t>
+            </a:r>
+            <a:r>
+              <a:rPr lang="de-CH" dirty="0"/>
+              <a:t> </a:t>
+            </a:r>
+            <a:r>
+              <a:rPr lang="de-CH" dirty="0" err="1"/>
+              <a:t>that</a:t>
+            </a:r>
+            <a:r>
+              <a:rPr lang="de-CH" dirty="0"/>
+              <a:t> </a:t>
+            </a:r>
+            <a:r>
+              <a:rPr lang="de-CH" dirty="0" err="1"/>
+              <a:t>your</a:t>
+            </a:r>
+            <a:r>
+              <a:rPr lang="de-CH" dirty="0"/>
+              <a:t> last </a:t>
+            </a:r>
+            <a:r>
+              <a:rPr lang="de-CH" dirty="0" err="1"/>
+              <a:t>modification</a:t>
+            </a:r>
+            <a:r>
+              <a:rPr lang="de-CH" dirty="0"/>
+              <a:t> </a:t>
+            </a:r>
+            <a:r>
+              <a:rPr lang="de-CH" dirty="0" err="1"/>
+              <a:t>didn't</a:t>
+            </a:r>
+            <a:r>
+              <a:rPr lang="de-CH" dirty="0"/>
+              <a:t> break </a:t>
+            </a:r>
+            <a:r>
+              <a:rPr lang="de-CH" dirty="0" err="1"/>
+              <a:t>anything</a:t>
+            </a:r>
+            <a:endParaRPr lang="de-CH" dirty="0"/>
+          </a:p>
+          <a:p>
+            <a:r>
+              <a:rPr lang="de-CH" dirty="0"/>
+              <a:t>Trust </a:t>
+            </a:r>
+            <a:r>
+              <a:rPr lang="de-CH" dirty="0" err="1"/>
+              <a:t>the</a:t>
+            </a:r>
+            <a:r>
+              <a:rPr lang="de-CH" dirty="0"/>
+              <a:t> code </a:t>
+            </a:r>
+            <a:r>
+              <a:rPr lang="de-CH" dirty="0" err="1"/>
+              <a:t>that</a:t>
+            </a:r>
+            <a:r>
+              <a:rPr lang="de-CH" dirty="0"/>
+              <a:t> </a:t>
+            </a:r>
+            <a:r>
+              <a:rPr lang="de-CH" dirty="0" err="1"/>
+              <a:t>comes</a:t>
+            </a:r>
+            <a:r>
+              <a:rPr lang="de-CH" dirty="0"/>
+              <a:t> </a:t>
+            </a:r>
+            <a:r>
+              <a:rPr lang="de-CH" dirty="0" err="1"/>
+              <a:t>from</a:t>
+            </a:r>
+            <a:r>
+              <a:rPr lang="de-CH" dirty="0"/>
+              <a:t> </a:t>
+            </a:r>
+            <a:r>
+              <a:rPr lang="de-CH" dirty="0" err="1"/>
+              <a:t>another</a:t>
+            </a:r>
+            <a:r>
+              <a:rPr lang="de-CH" dirty="0"/>
+              <a:t> </a:t>
+            </a:r>
+            <a:r>
+              <a:rPr lang="de-CH" dirty="0" err="1"/>
+              <a:t>repo</a:t>
+            </a:r>
+            <a:r>
+              <a:rPr lang="de-CH" dirty="0"/>
+              <a:t>, </a:t>
+            </a:r>
+            <a:r>
+              <a:rPr lang="de-CH" dirty="0" err="1"/>
+              <a:t>is</a:t>
+            </a:r>
+            <a:r>
+              <a:rPr lang="de-CH" dirty="0"/>
+              <a:t> </a:t>
+            </a:r>
+            <a:r>
+              <a:rPr lang="de-CH" dirty="0" err="1"/>
+              <a:t>bug</a:t>
+            </a:r>
+            <a:r>
+              <a:rPr lang="de-CH" dirty="0"/>
+              <a:t> </a:t>
+            </a:r>
+            <a:r>
+              <a:rPr lang="de-CH" dirty="0" err="1"/>
+              <a:t>free</a:t>
+            </a:r>
+            <a:r>
+              <a:rPr lang="de-CH" dirty="0"/>
+              <a:t> (…)</a:t>
+            </a:r>
+          </a:p>
+          <a:p>
+            <a:pPr marL="0" indent="0">
+              <a:buNone/>
+            </a:pPr>
+            <a:endParaRPr lang="de-CH" dirty="0"/>
+          </a:p>
+          <a:p>
+            <a:endParaRPr lang="de-CH" dirty="0"/>
+          </a:p>
+          <a:p>
             <a:endParaRPr lang="de-CH" dirty="0"/>
           </a:p>
         </p:txBody>
@@ -10062,7 +11187,7 @@
     </p:spTree>
     <p:extLst>
       <p:ext uri="{BB962C8B-B14F-4D97-AF65-F5344CB8AC3E}">
-        <p14:creationId xmlns:p14="http://schemas.microsoft.com/office/powerpoint/2010/main" val="242492757"/>
+        <p14:creationId xmlns:p14="http://schemas.microsoft.com/office/powerpoint/2010/main" val="4170798421"/>
       </p:ext>
     </p:extLst>
   </p:cSld>
@@ -10091,10 +11216,10 @@
       </p:grpSpPr>
       <p:sp>
         <p:nvSpPr>
-          <p:cNvPr id="2" name="Title 1">
+          <p:cNvPr id="4" name="Title 3">
             <a:extLst>
               <a:ext uri="{FF2B5EF4-FFF2-40B4-BE49-F238E27FC236}">
-                <a16:creationId xmlns:a16="http://schemas.microsoft.com/office/drawing/2014/main" id="{123DEC51-FCAE-4176-850C-C1280A94D1EB}"/>
+                <a16:creationId xmlns:a16="http://schemas.microsoft.com/office/drawing/2014/main" id="{6CBC1B3E-0D8E-474E-9D92-FFA251C75C65}"/>
               </a:ext>
             </a:extLst>
           </p:cNvPr>
@@ -10102,27 +11227,31 @@
             <a:spLocks noGrp="1"/>
           </p:cNvSpPr>
           <p:nvPr>
-            <p:ph type="title"/>
-          </p:nvPr>
-        </p:nvSpPr>
-        <p:spPr/>
-        <p:txBody>
-          <a:bodyPr/>
-          <a:lstStyle/>
-          <a:p>
-            <a:r>
-              <a:rPr lang="de-CH" dirty="0"/>
-              <a:t>Installation</a:t>
-            </a:r>
-          </a:p>
-        </p:txBody>
-      </p:sp>
-      <p:sp>
-        <p:nvSpPr>
-          <p:cNvPr id="3" name="Content Placeholder 2">
+            <p:ph type="ctrTitle"/>
+          </p:nvPr>
+        </p:nvSpPr>
+        <p:spPr/>
+        <p:txBody>
+          <a:bodyPr/>
+          <a:lstStyle/>
+          <a:p>
+            <a:r>
+              <a:rPr lang="de-CH" dirty="0" err="1"/>
+              <a:t>Pester</a:t>
+            </a:r>
+            <a:r>
+              <a:rPr lang="de-CH" dirty="0"/>
+              <a:t> – The code</a:t>
+            </a:r>
+          </a:p>
+        </p:txBody>
+      </p:sp>
+      <p:sp>
+        <p:nvSpPr>
+          <p:cNvPr id="5" name="Subtitle 4">
             <a:extLst>
               <a:ext uri="{FF2B5EF4-FFF2-40B4-BE49-F238E27FC236}">
-                <a16:creationId xmlns:a16="http://schemas.microsoft.com/office/drawing/2014/main" id="{10B11938-980A-43B3-B1FE-50B36820F139}"/>
+                <a16:creationId xmlns:a16="http://schemas.microsoft.com/office/drawing/2014/main" id="{9AC8F06F-DD92-4C51-86CE-471AA6F7A8BF}"/>
               </a:ext>
             </a:extLst>
           </p:cNvPr>
@@ -10130,124 +11259,30 @@
             <a:spLocks noGrp="1"/>
           </p:cNvSpPr>
           <p:nvPr>
-            <p:ph idx="1"/>
-          </p:nvPr>
-        </p:nvSpPr>
-        <p:spPr/>
-        <p:txBody>
-          <a:bodyPr/>
-          <a:lstStyle/>
-          <a:p>
-            <a:r>
-              <a:rPr lang="de-CH" dirty="0" err="1"/>
-              <a:t>Current</a:t>
-            </a:r>
-            <a:r>
-              <a:rPr lang="de-CH" dirty="0"/>
-              <a:t> </a:t>
-            </a:r>
-            <a:r>
-              <a:rPr lang="de-CH" dirty="0" err="1"/>
-              <a:t>latest</a:t>
-            </a:r>
-            <a:r>
-              <a:rPr lang="de-CH" dirty="0"/>
-              <a:t> </a:t>
-            </a:r>
-            <a:r>
-              <a:rPr lang="de-CH" dirty="0" err="1"/>
-              <a:t>version</a:t>
-            </a:r>
-            <a:r>
-              <a:rPr lang="de-CH" dirty="0"/>
-              <a:t>: v4.4.2</a:t>
-            </a:r>
-          </a:p>
-          <a:p>
-            <a:r>
-              <a:rPr lang="de-CH" dirty="0" err="1"/>
-              <a:t>Shiped</a:t>
-            </a:r>
-            <a:r>
-              <a:rPr lang="de-CH" dirty="0"/>
-              <a:t> in Windows OS :</a:t>
-            </a:r>
-          </a:p>
-          <a:p>
-            <a:pPr lvl="1"/>
-            <a:r>
-              <a:rPr lang="de-CH" dirty="0"/>
-              <a:t>Windows 10</a:t>
-            </a:r>
-          </a:p>
-          <a:p>
-            <a:pPr lvl="1"/>
-            <a:r>
-              <a:rPr lang="de-CH" dirty="0"/>
-              <a:t>Windows Server 2016 (v3.3.4)</a:t>
-            </a:r>
-          </a:p>
-          <a:p>
-            <a:r>
-              <a:rPr lang="de-CH" dirty="0" err="1"/>
-              <a:t>Install</a:t>
-            </a:r>
-            <a:r>
-              <a:rPr lang="de-CH" dirty="0"/>
-              <a:t>-module </a:t>
-            </a:r>
-            <a:r>
-              <a:rPr lang="de-CH" dirty="0" err="1"/>
-              <a:t>Pester</a:t>
+            <p:ph type="subTitle" idx="1"/>
+          </p:nvPr>
+        </p:nvSpPr>
+        <p:spPr/>
+        <p:txBody>
+          <a:bodyPr/>
+          <a:lstStyle/>
+          <a:p>
+            <a:r>
+              <a:rPr lang="de-CH" dirty="0"/>
+              <a:t>Syntax + Use </a:t>
+            </a:r>
+            <a:r>
+              <a:rPr lang="de-CH" dirty="0" err="1"/>
+              <a:t>cases</a:t>
             </a:r>
             <a:endParaRPr lang="de-CH" dirty="0"/>
-          </a:p>
-          <a:p>
-            <a:r>
-              <a:rPr lang="de-CH" dirty="0"/>
-              <a:t>Download </a:t>
-            </a:r>
-            <a:r>
-              <a:rPr lang="de-CH" dirty="0" err="1"/>
-              <a:t>latest</a:t>
-            </a:r>
-            <a:r>
-              <a:rPr lang="de-CH" dirty="0"/>
-              <a:t> </a:t>
-            </a:r>
-            <a:r>
-              <a:rPr lang="de-CH" dirty="0" err="1"/>
-              <a:t>release</a:t>
-            </a:r>
-            <a:r>
-              <a:rPr lang="de-CH" dirty="0"/>
-              <a:t> </a:t>
-            </a:r>
-            <a:r>
-              <a:rPr lang="de-CH" dirty="0" err="1"/>
-              <a:t>from</a:t>
-            </a:r>
-            <a:r>
-              <a:rPr lang="de-CH" dirty="0"/>
-              <a:t> </a:t>
-            </a:r>
-            <a:r>
-              <a:rPr lang="de-CH" dirty="0">
-                <a:hlinkClick r:id="rId2"/>
-              </a:rPr>
-              <a:t>https://github.com/pester/Pester/releases</a:t>
-            </a:r>
-            <a:r>
-              <a:rPr lang="de-CH" dirty="0"/>
-              <a:t> </a:t>
-            </a:r>
           </a:p>
         </p:txBody>
       </p:sp>
     </p:spTree>
     <p:extLst>
       <p:ext uri="{BB962C8B-B14F-4D97-AF65-F5344CB8AC3E}">
-        <p14:creationId xmlns:p14="http://schemas.microsoft.com/office/powerpoint/2010/main" val="79353986"/>
+        <p14:creationId xmlns:p14="http://schemas.microsoft.com/office/powerpoint/2010/main" val="242492757"/>
       </p:ext>
     </p:extLst>
   </p:cSld>
@@ -10276,10 +11311,10 @@
       </p:grpSpPr>
       <p:sp>
         <p:nvSpPr>
-          <p:cNvPr id="4" name="Title 3">
+          <p:cNvPr id="2" name="Title 1">
             <a:extLst>
               <a:ext uri="{FF2B5EF4-FFF2-40B4-BE49-F238E27FC236}">
-                <a16:creationId xmlns:a16="http://schemas.microsoft.com/office/drawing/2014/main" id="{FDFCDD56-5D84-417D-8964-50B3A800B661}"/>
+                <a16:creationId xmlns:a16="http://schemas.microsoft.com/office/drawing/2014/main" id="{123DEC51-FCAE-4176-850C-C1280A94D1EB}"/>
               </a:ext>
             </a:extLst>
           </p:cNvPr>
@@ -10297,38 +11332,17 @@
           <a:p>
             <a:r>
               <a:rPr lang="de-CH" dirty="0"/>
-              <a:t>Demo 1: </a:t>
-            </a:r>
-            <a:r>
-              <a:rPr lang="de-CH" dirty="0" err="1"/>
-              <a:t>our</a:t>
-            </a:r>
-            <a:r>
-              <a:rPr lang="de-CH" dirty="0"/>
-              <a:t> </a:t>
-            </a:r>
-            <a:r>
-              <a:rPr lang="de-CH" dirty="0" err="1"/>
-              <a:t>first</a:t>
-            </a:r>
-            <a:r>
-              <a:rPr lang="de-CH" dirty="0"/>
-              <a:t> </a:t>
-            </a:r>
-            <a:r>
-              <a:rPr lang="de-CH" dirty="0" err="1"/>
-              <a:t>test</a:t>
-            </a:r>
-            <a:endParaRPr lang="de-CH" dirty="0"/>
-          </a:p>
-        </p:txBody>
-      </p:sp>
-      <p:sp>
-        <p:nvSpPr>
-          <p:cNvPr id="5" name="Text Placeholder 4">
+              <a:t>Installation</a:t>
+            </a:r>
+          </a:p>
+        </p:txBody>
+      </p:sp>
+      <p:sp>
+        <p:nvSpPr>
+          <p:cNvPr id="3" name="Content Placeholder 2">
             <a:extLst>
               <a:ext uri="{FF2B5EF4-FFF2-40B4-BE49-F238E27FC236}">
-                <a16:creationId xmlns:a16="http://schemas.microsoft.com/office/drawing/2014/main" id="{01F0F5C7-F1B7-4A7E-8608-D652A5056B5E}"/>
+                <a16:creationId xmlns:a16="http://schemas.microsoft.com/office/drawing/2014/main" id="{10B11938-980A-43B3-B1FE-50B36820F139}"/>
               </a:ext>
             </a:extLst>
           </p:cNvPr>
@@ -10336,17 +11350,116 @@
             <a:spLocks noGrp="1"/>
           </p:cNvSpPr>
           <p:nvPr>
-            <p:ph type="body" idx="1"/>
-          </p:nvPr>
-        </p:nvSpPr>
-        <p:spPr/>
-        <p:txBody>
-          <a:bodyPr/>
-          <a:lstStyle/>
-          <a:p>
-            <a:r>
-              <a:rPr lang="de-CH" dirty="0"/>
-              <a:t>Part 1</a:t>
+            <p:ph idx="1"/>
+          </p:nvPr>
+        </p:nvSpPr>
+        <p:spPr/>
+        <p:txBody>
+          <a:bodyPr/>
+          <a:lstStyle/>
+          <a:p>
+            <a:r>
+              <a:rPr lang="de-CH" dirty="0" err="1"/>
+              <a:t>Current</a:t>
+            </a:r>
+            <a:r>
+              <a:rPr lang="de-CH" dirty="0"/>
+              <a:t> </a:t>
+            </a:r>
+            <a:r>
+              <a:rPr lang="de-CH" dirty="0" err="1"/>
+              <a:t>latest</a:t>
+            </a:r>
+            <a:r>
+              <a:rPr lang="de-CH" dirty="0"/>
+              <a:t> </a:t>
+            </a:r>
+            <a:r>
+              <a:rPr lang="de-CH" dirty="0" err="1"/>
+              <a:t>version</a:t>
+            </a:r>
+            <a:r>
+              <a:rPr lang="de-CH" dirty="0"/>
+              <a:t>: v4.4.2</a:t>
+            </a:r>
+          </a:p>
+          <a:p>
+            <a:r>
+              <a:rPr lang="de-CH" dirty="0" err="1"/>
+              <a:t>Shiped</a:t>
+            </a:r>
+            <a:r>
+              <a:rPr lang="de-CH" dirty="0"/>
+              <a:t> in Windows OS :</a:t>
+            </a:r>
+          </a:p>
+          <a:p>
+            <a:pPr lvl="1"/>
+            <a:r>
+              <a:rPr lang="de-CH" dirty="0"/>
+              <a:t>Windows 10</a:t>
+            </a:r>
+          </a:p>
+          <a:p>
+            <a:pPr lvl="1"/>
+            <a:r>
+              <a:rPr lang="de-CH" dirty="0"/>
+              <a:t>Windows Server 2016 (v3.3.4)</a:t>
+            </a:r>
+          </a:p>
+          <a:p>
+            <a:r>
+              <a:rPr lang="de-CH" dirty="0" err="1"/>
+              <a:t>Install</a:t>
+            </a:r>
+            <a:r>
+              <a:rPr lang="de-CH" dirty="0"/>
+              <a:t>-module </a:t>
+            </a:r>
+            <a:r>
+              <a:rPr lang="de-CH" dirty="0" err="1"/>
+              <a:t>Pester</a:t>
+            </a:r>
+            <a:endParaRPr lang="de-CH" dirty="0"/>
+          </a:p>
+          <a:p>
+            <a:r>
+              <a:rPr lang="de-CH" dirty="0"/>
+              <a:t>Download </a:t>
+            </a:r>
+            <a:r>
+              <a:rPr lang="de-CH" dirty="0" err="1"/>
+              <a:t>latest</a:t>
+            </a:r>
+            <a:r>
+              <a:rPr lang="de-CH" dirty="0"/>
+              <a:t> </a:t>
+            </a:r>
+            <a:r>
+              <a:rPr lang="de-CH" dirty="0" err="1"/>
+              <a:t>release</a:t>
+            </a:r>
+            <a:r>
+              <a:rPr lang="de-CH" dirty="0"/>
+              <a:t> </a:t>
+            </a:r>
+            <a:r>
+              <a:rPr lang="de-CH" dirty="0" err="1"/>
+              <a:t>from</a:t>
+            </a:r>
+            <a:r>
+              <a:rPr lang="de-CH" dirty="0"/>
+              <a:t> </a:t>
+            </a:r>
+            <a:r>
+              <a:rPr lang="de-CH" dirty="0">
+                <a:hlinkClick r:id="rId2"/>
+              </a:rPr>
+              <a:t>https://github.com/pester/Pester/releases</a:t>
+            </a:r>
+            <a:r>
+              <a:rPr lang="de-CH" dirty="0"/>
+              <a:t> </a:t>
             </a:r>
           </a:p>
         </p:txBody>
@@ -10354,7 +11467,7 @@
     </p:spTree>
     <p:extLst>
       <p:ext uri="{BB962C8B-B14F-4D97-AF65-F5344CB8AC3E}">
-        <p14:creationId xmlns:p14="http://schemas.microsoft.com/office/powerpoint/2010/main" val="1591011643"/>
+        <p14:creationId xmlns:p14="http://schemas.microsoft.com/office/powerpoint/2010/main" val="79353986"/>
       </p:ext>
     </p:extLst>
   </p:cSld>
